--- a/week_11/Deep Q-Learning.pptx
+++ b/week_11/Deep Q-Learning.pptx
@@ -6,7 +6,7 @@
     <p:sldMasterId id="2147483660" r:id="rId13"/>
   </p:sldMasterIdLst>
   <p:notesMasterIdLst>
-    <p:notesMasterId r:id="rId28"/>
+    <p:notesMasterId r:id="rId35"/>
   </p:notesMasterIdLst>
   <p:sldIdLst>
     <p:sldId id="391" r:id="rId14"/>
@@ -22,7 +22,14 @@
     <p:sldId id="431" r:id="rId24"/>
     <p:sldId id="432" r:id="rId25"/>
     <p:sldId id="434" r:id="rId26"/>
-    <p:sldId id="305" r:id="rId27"/>
+    <p:sldId id="435" r:id="rId27"/>
+    <p:sldId id="436" r:id="rId28"/>
+    <p:sldId id="437" r:id="rId29"/>
+    <p:sldId id="438" r:id="rId30"/>
+    <p:sldId id="439" r:id="rId31"/>
+    <p:sldId id="440" r:id="rId32"/>
+    <p:sldId id="441" r:id="rId33"/>
+    <p:sldId id="305" r:id="rId34"/>
   </p:sldIdLst>
   <p:sldSz cx="12192000" cy="6858000"/>
   <p:notesSz cx="6858000" cy="9144000"/>
@@ -167,6 +174,24 @@
     <pc:chgData name="Joseph Marvin R. Imperial" userId="c5118018-74d5-4421-be4d-7197191e5b08" providerId="ADAL" clId="{70D03E3A-137A-44E5-9725-706554D6E372}"/>
     <pc:docChg chg="undo custSel addSld delSld modSld sldOrd">
       <pc:chgData name="Joseph Marvin R. Imperial" userId="c5118018-74d5-4421-be4d-7197191e5b08" providerId="ADAL" clId="{70D03E3A-137A-44E5-9725-706554D6E372}" dt="2021-04-10T13:20:12.491" v="1565" actId="47"/>
+      <pc:docMkLst>
+        <pc:docMk/>
+      </pc:docMkLst>
+    </pc:docChg>
+  </pc:docChgLst>
+  <pc:docChgLst>
+    <pc:chgData name="Joseph Marvin R. Imperial" userId="c5118018-74d5-4421-be4d-7197191e5b08" providerId="ADAL" clId="{AB9EEC7B-5938-AB4A-BBF1-2D08914B856E}"/>
+    <pc:docChg chg="addSld delSld">
+      <pc:chgData name="Joseph Marvin R. Imperial" userId="c5118018-74d5-4421-be4d-7197191e5b08" providerId="ADAL" clId="{AB9EEC7B-5938-AB4A-BBF1-2D08914B856E}" dt="2021-04-20T00:57:02.237" v="3" actId="2696"/>
+      <pc:docMkLst>
+        <pc:docMk/>
+      </pc:docMkLst>
+    </pc:docChg>
+  </pc:docChgLst>
+  <pc:docChgLst>
+    <pc:chgData name="Joseph Marvin R. Imperial" userId="c5118018-74d5-4421-be4d-7197191e5b08" providerId="ADAL" clId="{8B587F43-1B51-4416-B410-57F8B9E236B1}"/>
+    <pc:docChg chg="undo custSel addSld delSld modSld">
+      <pc:chgData name="Joseph Marvin R. Imperial" userId="c5118018-74d5-4421-be4d-7197191e5b08" providerId="ADAL" clId="{8B587F43-1B51-4416-B410-57F8B9E236B1}" dt="2021-03-24T12:30:06.351" v="559" actId="5793"/>
       <pc:docMkLst>
         <pc:docMk/>
       </pc:docMkLst>
@@ -692,24 +717,6 @@
     </pc:docChg>
   </pc:docChgLst>
   <pc:docChgLst>
-    <pc:chgData name="Joseph Marvin R. Imperial" userId="c5118018-74d5-4421-be4d-7197191e5b08" providerId="ADAL" clId="{8B587F43-1B51-4416-B410-57F8B9E236B1}"/>
-    <pc:docChg chg="undo custSel addSld delSld modSld">
-      <pc:chgData name="Joseph Marvin R. Imperial" userId="c5118018-74d5-4421-be4d-7197191e5b08" providerId="ADAL" clId="{8B587F43-1B51-4416-B410-57F8B9E236B1}" dt="2021-03-24T12:30:06.351" v="559" actId="5793"/>
-      <pc:docMkLst>
-        <pc:docMk/>
-      </pc:docMkLst>
-    </pc:docChg>
-  </pc:docChgLst>
-  <pc:docChgLst>
-    <pc:chgData name="Joseph Marvin R. Imperial" userId="c5118018-74d5-4421-be4d-7197191e5b08" providerId="ADAL" clId="{AB9EEC7B-5938-AB4A-BBF1-2D08914B856E}"/>
-    <pc:docChg chg="addSld delSld">
-      <pc:chgData name="Joseph Marvin R. Imperial" userId="c5118018-74d5-4421-be4d-7197191e5b08" providerId="ADAL" clId="{AB9EEC7B-5938-AB4A-BBF1-2D08914B856E}" dt="2021-04-20T00:57:02.237" v="3" actId="2696"/>
-      <pc:docMkLst>
-        <pc:docMk/>
-      </pc:docMkLst>
-    </pc:docChg>
-  </pc:docChgLst>
-  <pc:docChgLst>
     <pc:chgData name="Joseph Marvin R. Imperial" userId="c5118018-74d5-4421-be4d-7197191e5b08" providerId="ADAL" clId="{ADAC384E-8ED7-4287-AEF6-F4B3D17184E0}"/>
     <pc:docChg chg="undo custSel addSld delSld modSld sldOrd">
       <pc:chgData name="Joseph Marvin R. Imperial" userId="c5118018-74d5-4421-be4d-7197191e5b08" providerId="ADAL" clId="{ADAC384E-8ED7-4287-AEF6-F4B3D17184E0}" dt="2021-04-20T00:37:47.641" v="1593"/>
@@ -801,6 +808,138 @@
 </pc:chgInfo>
 </file>
 
+<file path=ppt/ink/ink1.xml><?xml version="1.0" encoding="utf-8"?>
+<inkml:ink xmlns:inkml="http://www.w3.org/2003/InkML">
+  <inkml:definitions>
+    <inkml:context xml:id="ctx0">
+      <inkml:inkSource xml:id="inkSrc0">
+        <inkml:traceFormat>
+          <inkml:channel name="X" type="integer" min="-2.14748E9" max="2.14748E9" units="cm"/>
+          <inkml:channel name="Y" type="integer" min="-2.14748E9" max="2.14748E9" units="cm"/>
+          <inkml:channel name="F" type="integer" max="32767" units="dev"/>
+        </inkml:traceFormat>
+        <inkml:channelProperties>
+          <inkml:channelProperty channel="X" name="resolution" value="1000" units="1/cm"/>
+          <inkml:channelProperty channel="Y" name="resolution" value="1000" units="1/cm"/>
+          <inkml:channelProperty channel="F" name="resolution" value="0" units="1/dev"/>
+        </inkml:channelProperties>
+      </inkml:inkSource>
+      <inkml:timestamp xml:id="ts0" timeString="2023-06-06T06:00:54.990"/>
+    </inkml:context>
+    <inkml:brush xml:id="br0">
+      <inkml:brushProperty name="width" value="0.05292" units="cm"/>
+      <inkml:brushProperty name="height" value="0.05292" units="cm"/>
+      <inkml:brushProperty name="color" value="#FF0000"/>
+    </inkml:brush>
+  </inkml:definitions>
+  <inkml:trace contextRef="#ctx0" brushRef="#br0">6403 8488 24575,'56'-1'0,"0"0"0,0 0 0,-1 1 0,1-1 0,-4-2 0,-4 0 0,1 0 0,8 0 0,-3 1 0,8-1 0,3 0 0,3 1 0,-1-1 0,-3 0 0,-4 0-898,3-1 0,-4 0 0,-1 0 0,-1 0 0,0 0 898,-2 1 0,-1 0 0,0 0 0,-1 0 0,0 1 0,7 0 0,-1 0 0,0 0 0,-2 1 105,11 1 0,-2 0 1,-1 0-106,-9 0 0,-2 0 0,-2 0 293,-3 0 0,-1 0 0,-2 0-293,13 0 0,-3 0 0,-8 0 0,-3 0 0,-2-1 0,0-1 1132,0-2 0,-1-2-1132,1-3 0,-1-2 470,3-2 0,0-1-470,0-1 0,-1 0 45,-3 2 1,-2 0-46,-1 2 0,-2 0 0,23-7 0,-8 2 0,-1-4 0,-19 6 0,1-2 0,6-2 0,3-3 0,5-2 0,1-2 0,2 0 0,-2-1 0,-3 4 0,-2 0 0,-5 3 0,-1 0 0,-4 3 0,-1 0 0,0 1 0,0 1 0,-1-1 0,0 1 0,24-11 0,-14 8 0,-14 6 0,-9 6 0,-3 2 0,1 1 0,-6 0 0,3 1 0,-7 1 0,0 0 0,0 0 0,-3 1 0,1 9 0,5 16 0,5 17 0,7 14 0,2 4 0,2-6 0,-1-10 0,-3-11 0,-3-9 0,-4-6 0,-4-8 0,0 0 0,-3-3 0,2 2 0,-2 1 0,2 2 0,0 0 0,-1-2 0,-3-4 0,-2-3 0</inkml:trace>
+  <inkml:trace contextRef="#ctx0" brushRef="#br0" timeOffset="1634">7095 8759 24575,'44'0'0,"-11"-1"0,9-1 0,6-2 0,12-2 0,8-1 0,1 0 0,-3 1-1637,-3 0 0,-1 1 0,1 0 0,3-1 0,3 0 1637,-9 1 0,4-1 0,2 0 0,2 0 0,1-1 0,-1 1 0,-1 0 0,-3 1 0,2 0 0,-2 0 0,-1 0 0,-1 1 0,1-1 0,-1 1 0,0 0 0,0-1 0,-1 1 0,1 0 0,-1 0 0,0 1 0,-1-1 0,0 1-112,6 0 0,0 0 0,-1 0 0,-1 0 0,-1 1 0,-1-1 112,4 1 0,-1-1 0,-2 1 0,-1 0 0,-2 0 442,5 1 0,-1 0 0,-3 1 0,-4-1-442,-2 1 0,-5 0 0,-4 0 0,1 0 0,-5 0 0,-8 0 0,2 0 0,27 0 0,0 0 0,1 0 0,-16 0 0,1 0 0</inkml:trace>
+  <inkml:trace contextRef="#ctx0" brushRef="#br0" timeOffset="13075">20962 8304 24575,'56'0'0,"-8"-1"0,9-2 0,3-2 0,-6-2 0,1-2 0,4-1 0,3 1-1432,-2 0 0,3 1 1,3-1-1,2 0 0,1 0 1,0 0 1431,-5 0 0,-1 0 0,2 0 0,1 0 0,0 0 0,1 1 0,1 0-346,-8 1 1,1 1-1,0 0 1,2 0 0,-1 1-1,1 0 1,1 0 0,-1 1-1,-1 0 346,2 1 0,0 0 0,-1 0 0,1 2 0,0-1 0,0 1 0,0 1 0,0 0 0,0 1 0,-2 0 0,1 1 0,-1 0 0,1 1 0,-1 0 0,0 1 0,0 1 0,0 0 0,0 1-170,-2 0 1,2 2 0,-1 0-1,0 0 1,0 2 0,-1-1 0,-1 1-1,-1 0 1,-2 0 169,5 1 0,-1 1 0,-2 1 0,0-1 0,-3 1 0,0 0 0,-3-1-80,8 2 0,-3 1 0,-1 0 0,-3-1 0,-2-2 80,15 3 0,-4-3 0,-4-1 0,2-3 0,1-1 0,-4 1 0,4 1 0,5 1 0,-16-3 0,2 0 0,2 0 0,1 1 0,3-1 18,-1 0 0,2 1 1,1-1-1,2 1 1,1-1-1,0-1-18,-2 0 0,1 0 0,2-1 0,-1 0 0,2 0 0,-1 0 0,1-1-34,-6 0 1,1-1 0,0 0-1,1 0 1,-1 0 0,0 0 0,-1 0-1,-2-1 34,10 1 0,0-1 0,-1 1 0,-2-1 0,-3 0 0,-3-1 829,6 0 1,-3-1 0,-5 1 0,-6-1-830,9 0 0,-20 3 585,-32 3-585,-5-3 3092,22-6-3092,34-17 0,-8 3 0,6-2 0,-8 3 0,3-1 0,1-1 1733,7 0 0,2-1 1,2 1-1734,-11 4 0,2 0 0,1 0 0,0 0 0,2 1 0,2-1 0,-1 1 0,1 1 0,2-1 0,0 0 0,0 1 0,-1 0 0,-2 2 0,-1-1 0,0 2 0,-1-1 0,-2 1 0,0 0 0,-2 0 0,-1 1 0,7 0 0,-2 0 0,-4 2 0,5 0 0,-7 1 0,11-1 0,-49 7 0</inkml:trace>
+  <inkml:trace contextRef="#ctx0" brushRef="#br0" timeOffset="15256">22268 8759 24575,'37'-2'0,"-7"-3"0,10-1 0,8-2 0,13-2 0,6-2 0,2 0 0,-2 2-1469,-13 1 1,-1 1 0,0 0-1,2 0 1,3-1 0,2 1 1468,-3-1 0,3 1 0,3-1 0,1 0 0,1-1 0,1 1 0,-1 1 0,-1 0 0,-2 1 0,1 0 0,-1 0 0,-1 2 0,-1-1 0,1 1 0,-1 0 0,1 1 0,0-1 0,0 1 0,0 0 0,0 0 0,1 0 0,-1 1 0,1 0 0,1 1 0,0 1 267,-2 1 0,2 0 1,1 2-1,1 0 1,-1 0-1,-1 1 0,-3-1 1,-3 0-1,-4 0-267,6-1 0,-5 0 0,-3-1 0,-1 2 0,3 0 0,9 2 0,7 1 0,-3 0 0,-13 1 0,-22-1 1383,-23-1-1383,30 14 0,6 3 0,9 5 0,1 0 0,6 3 0,4 2-458,-17-8 1,2 0 0,2 1-1,1 1 1,1-1 457,4 3 0,1 0 0,1 1 0,0-1 0,0-1 0,0 1 0,1-1 0,-1 0 0,-1-1 0,0 0 737,5 2 0,-1-1 0,-1 0 0,-2-2-737,-8-3 0,-2-2 0,-1 0 0,-1-1-170,8 2 0,0-1 0,-2-2 170,-7-3 0,0-2 0,0-1 0,5-1 0,1-2 0,-5-1 0,-6 1 0,-4-2 0,27 1 2711,-69 0-2711,-4 1 1511,-4-2-1511,-2-2 648,7-3-648,42-10 0,10-4 0,8-1 0,-2 0 0,4-2 0,2 0-338,-7 3 0,1-2 0,1 1 0,-1 0 338,-1 0 0,1 1 0,-1 0 0,-1 0 0,11-2 0,-1 1 0,-1 0-165,-7 3 1,-1-1 0,0 1 164,-2 0 0,0 0 0,0 0 0,-3-2 0,0 0 0,0-1 0,1-1 0,0-1 0,-3-1 0,11-4 0,-4 0 0,-16 5 0,-4 2 0,-2-1 0</inkml:trace>
+</inkml:ink>
+</file>
+
+<file path=ppt/ink/ink2.xml><?xml version="1.0" encoding="utf-8"?>
+<inkml:ink xmlns:inkml="http://www.w3.org/2003/InkML">
+  <inkml:definitions>
+    <inkml:context xml:id="ctx0">
+      <inkml:inkSource xml:id="inkSrc0">
+        <inkml:traceFormat>
+          <inkml:channel name="X" type="integer" min="-2.14748E9" max="2.14748E9" units="cm"/>
+          <inkml:channel name="Y" type="integer" min="-2.14748E9" max="2.14748E9" units="cm"/>
+          <inkml:channel name="F" type="integer" max="32767" units="dev"/>
+        </inkml:traceFormat>
+        <inkml:channelProperties>
+          <inkml:channelProperty channel="X" name="resolution" value="1000" units="1/cm"/>
+          <inkml:channelProperty channel="Y" name="resolution" value="1000" units="1/cm"/>
+          <inkml:channelProperty channel="F" name="resolution" value="0" units="1/dev"/>
+        </inkml:channelProperties>
+      </inkml:inkSource>
+      <inkml:timestamp xml:id="ts0" timeString="2023-06-06T06:02:16.558"/>
+    </inkml:context>
+    <inkml:brush xml:id="br0">
+      <inkml:brushProperty name="width" value="0.05292" units="cm"/>
+      <inkml:brushProperty name="height" value="0.05292" units="cm"/>
+      <inkml:brushProperty name="color" value="#FF0000"/>
+    </inkml:brush>
+  </inkml:definitions>
+  <inkml:trace contextRef="#ctx0" brushRef="#br0">3650 14880 24575,'62'0'0,"-9"0"0,7 0 0,-12 0 0,3 0 0,5 0 0,3 0-1639,-3 0 1,3 0-1,4 0 1,2 0 0,2 0-1,2 0 1575,-9 0 1,2-1 0,2 1 0,1-1-1,2 1 1,1 0 0,1 0 0,1 1-1,1 1-137,-14 0 0,2 0 0,0 0 0,1 1 0,1-1 0,1 1 0,0 1 0,1-1 0,0 1 0,0 0 0,0 1 0,1 0 0,-1 0 201,0 1 0,1 0 0,0 0 0,0 1 0,1-1 0,0 2 0,0-1 0,1 1 0,-1 0 0,1 1 0,-1 0 0,1 1 0,-1 0 0,0 1-70,-2 0 1,0 0 0,0 1-1,1 1 1,0 0 0,0 0-1,0 1 1,0 0 0,-1 0-1,0 1 1,-1 0 0,0 0-1,-2 0 1,0 0 0,-1 0 69,5 2 0,0 1 0,0 0 0,-1 1 0,-1-1 0,0 1 0,-2 0 0,0 0 0,-2 0 0,-1 0 0,-2-1 0,0 0-75,8 3 1,0 1 0,-2 0-1,-2-1 1,-2 0 0,-2-1 0,-4 0-1,-2-2 75,19 9 0,-1 0 0,-13-5 0,-24-9 2481,-25-12-2481,-12-4 4117,1-1-4117,29-2 0,22-1 0,13-1 0,-8 2 0,5 0 0,5-1 0,3 0 196,-5 1 0,2 0 0,4 0 1,1 0-1,3-1 0,0 1-196,-12 2 0,1-1 0,1 1 0,2 0 0,0-1 0,2 1 0,0 0 0,0 0 0,1 0-358,-1 0 0,1 1 0,1-1 0,1 1 0,0 0 0,1-1 0,0 1 0,1 0 0,-1 0 0,1 1 358,-1-1 0,0 1 0,1-1 0,0 1 0,1 0 0,0 0 0,0 0 0,-1 0 0,-1 1 0,0-1 0,-2 0 0,0 1 0,-1-1 0,1 1 0,-2 0 0,1 0 0,-2 0 0,-1 0 0,-1 0 0,-1 0 0,-2 0 0,8 1 0,-1-1 0,-2 1 0,-1-1 0,-2 1 0,-3-1 0,-2 0 0,13 0 0,-3-1 0,-4-1 0,-3-3-476,-2-6 0,-3-3 0,5-2 476,0 1 0,4-1 0,5 0 0,2-2 0,3 0-69,-15 5 0,3-1 0,2-1 0,1 1 0,2-1 0,0 1 0,1-1 1,0 1 68,-7 2 0,0 0 0,0-1 0,1 1 0,0 0 0,2 0 0,1 0 0,1 1 0,2 0 0,2 1 0,-8 2 0,1 0 0,3 0 0,1 1 0,1 1 0,1-1 0,1 1 0,0-1 0,1 2 0,-1-1 0,0 1 0,0-1 0,-2 1 0,-1 1 0,-2-1 332,8 0 0,-2 0 0,0 1 0,0 0 0,-1 1 0,-1-1 1,0 1-1,-1 0 0,0 0 0,0 0 0,0 1 0,-1-1-332,1 0 0,0 1 0,1-1 0,-1 1 0,0 0 0,-1 0 0,-1 0 0,-2 0 0,-2 1 0,-2 0 0,-3 1 0,16 0 0,-2 2 0,-3 0 0,-4 0 0,-8-1 0,-9-3 0,-4-4 0,0-3-482,2 1 0,9-2 0,7-2 1,6-1-1,1 0 0,1 1 0,-4 0 482,-5 2 0,-1 1 0,1-1 0,1 1 0,0-1 0,2 1 0,2-1 0,2 0-159,-7 1 0,2-1 0,2 0 0,1 0 1,2 0-1,0 0 0,1 0 0,-1 0 1,1 0-1,-2 1 0,0 1 0,-3 0 159,6 0 0,-1 1 0,-1 0 0,0 0 0,-1 1 0,0 0 0,0 1 0,0 0 0,0 0 0,1 0 0,-1 1 0,1 0 0,0 0 0,-1 1 0,1-1 0,0 2 0,0-1 0,-1 1 0,1-1 0,0 2 310,0-1 0,1 1 1,2-1-1,-1 2 1,0-1-1,0 1 0,-3-1 1,-1 1-1,-3 0 1,-3 0-311,9 0 0,-4 0 0,-3 0 0,-1 0 0,-1 0 0,1 1 0,12-1 0,3 2 0,-3-1 0,-6 0 0,-12-2-167,-8-3 1,-3-2 166,10 0 0,6 0 0,5-1 219,-9 1 1,4 1-1,3-1 1,2 1-1,2 0-219,-7 1 0,2 0 0,2 0 0,1 0 0,1 1 0,0-1 0,0 2 185,4-1 0,0 0 0,1 1 1,0 0-1,1 0 0,0 1 0,0 0-185,-5 1 0,1 0 0,0 0 0,1 1 0,0 0 0,0 0 0,0 1 0,-1 0-404,1 0 0,1 2 1,-1-1-1,0 1 1,0 0-1,1 1 0,-1 0 1,0 0 403,-1 1 0,1 1 0,0 0 0,0 0 0,0 0 0,-1 1 0,-1 0 0,-1-1 43,2 1 0,0 1 1,-1-1-1,0 1 1,-2 0-1,-2-1 0,-3 0-43,7 2 0,-3-1 0,-3 1 0,-2-2 0,-3 0 0,11 1 0,-6-1 0,-1-3 369,-9-3 0,-2-1 0,5 0-369,10-1 0,4 1 0,5 0 0,2 1 87,-12 0 1,2 0 0,2 1 0,1 1 0,1-1-1,-1 2-87,-3-1 0,0 1 0,1 0 0,0 0 0,1 1 0,-1 0 0,1 1 0,-1 1 0,2 0 0,-1 0 0,0 1 0,0 0 0,-1 1 0,-1 0 0,5 2 0,-2 1 0,0 0 0,-1 0 0,-1 1 0,-1-1 436,6 2 1,-2-1-1,-2 1 1,0 0 0,-1-1-437,-6-1 0,0-1 0,-1 1 0,-3-2 0,-1 0 0,13 3 0,-4-2 0,-5-2 0,5 1 0,-9-3 1401,-2 1-1401,-48-3 3789,0 0-3789,0-1 2483,7-1-2483,30-3 0,0-5 0,7-1 0,4 0 0,5-1 0,4 0-621,-2 1 0,3 0 0,2 0 1,1 0 620,-8 2 0,2 0 0,0-1 0,1 2 0,-1-1 0,-1 1 0,0 1 0,1 0 0,-2 0 0,-1 1-204,6 0 0,-1 0 0,-2 1 1,-3 1 203,6 1 0,-4 1 0,-2 1 0,8 3 0,-3 2 0,-9 1 0,-2 0 0,-1-1 0,-5-1 0,2 2 0,-1-5 0,-41-4 0,0 1 0</inkml:trace>
+</inkml:ink>
+</file>
+
+<file path=ppt/ink/ink3.xml><?xml version="1.0" encoding="utf-8"?>
+<inkml:ink xmlns:inkml="http://www.w3.org/2003/InkML">
+  <inkml:definitions>
+    <inkml:context xml:id="ctx0">
+      <inkml:inkSource xml:id="inkSrc0">
+        <inkml:traceFormat>
+          <inkml:channel name="X" type="integer" min="-2.14748E9" max="2.14748E9" units="cm"/>
+          <inkml:channel name="Y" type="integer" min="-2.14748E9" max="2.14748E9" units="cm"/>
+          <inkml:channel name="F" type="integer" max="32767" units="dev"/>
+        </inkml:traceFormat>
+        <inkml:channelProperties>
+          <inkml:channelProperty channel="X" name="resolution" value="1000" units="1/cm"/>
+          <inkml:channelProperty channel="Y" name="resolution" value="1000" units="1/cm"/>
+          <inkml:channelProperty channel="F" name="resolution" value="0" units="1/dev"/>
+        </inkml:channelProperties>
+      </inkml:inkSource>
+      <inkml:timestamp xml:id="ts0" timeString="2023-06-06T06:15:33.561"/>
+    </inkml:context>
+    <inkml:brush xml:id="br0">
+      <inkml:brushProperty name="width" value="0.05292" units="cm"/>
+      <inkml:brushProperty name="height" value="0.05292" units="cm"/>
+      <inkml:brushProperty name="color" value="#FF0000"/>
+    </inkml:brush>
+  </inkml:definitions>
+  <inkml:trace contextRef="#ctx0" brushRef="#br0">10285 14991 24575,'58'0'0,"0"0"0,-10 0 0,7-1 0,7 1 0,1-1 0,0 1 0,-3-1 0,3 0 0,0 1 0,-1-1 0,0 0 0,1 1 0,-6-1 0,3 1 0,0-1 0,-2 0 0,-3 1 0,-5-1 0,21 0 0,-6 0 0,-30 0 0,-32 1 0,2 0 0,-2 2 0,-1 0 0,-1 2 0,3-2 0,27 0 0,10-4 0,11 0 0,1-1 0,6-1 0,4 0-652,-2-1 0,3 0 0,2 0 0,0-1 652,-8 1 0,0-1 0,1 1 0,0-1 0,0 1 0,0-1 0,0 1 0,0-1 0,0 1 0,-1-1 0,-3 2 0,0-1 0,-1 0 0,0 0 0,0 1 0,13-2 0,1 0 0,-3 0 0,-6 0 0,-10 2 0,-4-1 0,-2 1 0,28-2 0,-28-1 0,-45 4 0</inkml:trace>
+  <inkml:trace contextRef="#ctx0" brushRef="#br0" timeOffset="1279">11077 15438 24575,'35'0'0,"0"0"0,5-1 0,6-1 0,4-1 0,7-2 0,5-2 0,5 0 0,0-1-1191,-13 2 1,2 0 0,1 0-1,1-1 1,0 1 0,2-1 1190,-5 2 0,2-1 0,0 0 0,1 0 0,0 1 0,0 0 0,-1 0 0,9-1 0,0 1 0,0-1 0,0 2 0,-1 0 0,-1 0-77,-6 2 0,-1 0 0,0 1 0,-1 0 0,0 0 0,-2 0 77,3 1 0,0-1 0,-1 1 0,-2 1 0,-2 0 0,3 1 0,-2 0 0,-3 1 0,-2 1 316,20 3 1,-8 1 0,5 6 0,-38-3 0</inkml:trace>
+  <inkml:trace contextRef="#ctx0" brushRef="#br0" timeOffset="6894">15823 15552 24575,'56'-7'0,"1"1"0,-1 0 0,0 0 0,1 0 0,-1-2 0,0 0 0,2 0 0,1-1 0,0-1 0,0 1 0,4-2 0,1 0 0,1-1 0,0 1 0,0-1 0,1 0-1034,-7 1 0,0 0 0,1 0 0,0 0 0,-1 0 1,1 0-1,-2 1 1034,7-1 0,0 0 0,-1 1 0,0-1 0,0 2 0,0 0 159,0 0 0,1 1 1,0 1-1,-2 0 0,-3 0 1,-5 0-1,16-1 0,-8 0 1,-1 1-1,-6 2 0,0 1 1,0 0-1</inkml:trace>
+  <inkml:trace contextRef="#ctx0" brushRef="#br0" timeOffset="9115">16106 16325 24575,'39'-1'0,"3"-5"0,9-3 0,6-3 0,9-3 0,3-2-1258,-18 5 1,2-2 0,2-1 0,1 0-1,2 0 1258,-2 0 0,2-1 0,1 0 0,0-1 0,1 1 0,0 0 0,1 0 0,2-1 0,-1 0 0,1 1 0,-2 0 0,0 1 0,4 0 0,0-1 0,-2 2 0,0 0 0,-2 2 91,-6 1 0,-1 2 1,0-1-1,-3 2 0,-1 1-91,13 0 0,-2 1 0,-3 2 0,-3 2 0,-1 2 0,-6 0 0,-6 0 0,-5 1 0,7-2 0,-15 3 1280,-29 1-1280,0-1 0,0 1 0,0-1 0,0-1 0</inkml:trace>
+  <inkml:trace contextRef="#ctx0" brushRef="#br0" timeOffset="11142">21407 14650 24575,'63'-4'0,"0"0"0,-11-2 0,5-2 0,3-1 0,3 0 0,-11 1 0,3 0 0,1-1 0,2 0 0,1 0 0,0 0-1065,-2 0 0,1 0 0,1 0 0,0 0 0,1-1 0,-1 1 0,0 0 1065,0 0 0,0 0 0,0 0 0,0 0 0,0 1 0,-2 0 0,-1 0 0,3 1 0,-1 0 0,-1 0 0,-1 1 0,-1 1 0,0-1 55,4 1 1,-1 0-1,0 1 1,-2 0-1,-1 0-55,4 1 0,-1 1 0,-1 0 0,-1 0 0,-3 1 0,0 0 0,-2 0 0,-5 1 758,11 0 0,-6 1-758,1-1 0,-18 3 0,-34 1 0,0 2 940,0 0 1,0-3 0,0-1-1</inkml:trace>
+  <inkml:trace contextRef="#ctx0" brushRef="#br0" timeOffset="12958">21996 15039 24575,'58'0'0,"1"0"0,-1 0 0,1 0 0,0 0 0,0 0 0,2 0 0,5 0 0,-10 0 0,4 0 0,3 0 0,2 0 0,0 0 0,-1 0 0,-2 0-1199,5 0 1,-2 0 0,1 0 0,-1 0 0,0 0 0,0 0 1198,0 0 0,0 0 0,1 0 0,-1 0 0,0 0 0,1 0 294,-7 0 0,1 0 1,0 0-1,0 0 1,-2 0-1,-2 0 0,-5 0-294,9 0 0,-5 0 0,-2 1 0,-1-1 0,24-1 0,-1 0 0,-38 5 1147,-37-2-1147,0 2 0,0-1 0,-1 0 995,0-2 1,-1-1-1,1 0 1</inkml:trace>
+  <inkml:trace contextRef="#ctx0" brushRef="#br0" timeOffset="35058">16330 15835 24575,'36'0'0,"3"0"0,5 0 0,2 0 0,2 0 0,14 0 0,-1 0 0,-17 0 0,-2 0 0,-3 0 0,0 0-3392,5-1 0,1 0 3392,-4-1 0,-1 1 0,19-2 0,-20 1 0</inkml:trace>
+  <inkml:trace contextRef="#ctx0" brushRef="#br0" timeOffset="37174">22308 15445 24575,'34'0'0,"-2"0"0,4 0 0,13 0 0,3 0 0,6 0 0,1 0 0,-2 0 0,-1 0 0,1 0 0,2 0 0,5 0 0,2 0-327,-17 0 0,1 0 0,1 0 327,2 0 0,2 0 0,-3 0 120,15 0 1,-6 0-121,-17 0 0,-6 0 0,0 2 0,-35 1 0,2 1 0,25-2 0,6-2 0,10-3 0,6 0 0,6-1 0,5 0-500,-2-1 1,4 1 0,2-1-1,1 0 500,-10 1 0,2-1 0,0 1 0,1 0 0,-2 0 0,0 0 0,-1 1 0,0 0 0,-1 0 0,-2 1-158,3-1 1,-2 1 0,-1 0 0,-4 1 157,1 0 0,-4 1 0,-1 0 0,12 0 0,-8 0 0,-4 1 0,-10 2 0,-37 0 0,0-1 0,0-1 0</inkml:trace>
+  <inkml:trace contextRef="#ctx0" brushRef="#br0" timeOffset="137388">10730 15981 24575,'47'0'0,"-12"0"0,5 0 0,14 0 0,6 0 0,-8 0 0,2 1 0,3-2-1026,7 0 1,3-1-1,1 0 1026,-15 0 0,2 1 0,-1-1 0,1 0 0,0 1 0,1-1 0,-1 0 0,-1 1 0,10-1 0,-1 0 0,-2 0 179,-8 2 0,-1 0 0,-2 0-179,16 0 0,-1 0 0,3 5 0,-5-1 604,4-3-604,-2 5 0,-65-10 0,0-2 1572,0 0-1572,4 2 364,25 1-364,33 0 0,-10 1 0,7 1 0,-7 0 0,2 0 0,3 0-493,7 0 0,2 0 1,1 1 492,-14 1 0,0 1 0,0 0 0,0 3 0,0 1 0,1 2 0,-2 0 0,-5-1 0,13 2 0,-7 1 0,-4 6 0,-18-2 0,-31-11 0,0-1 0</inkml:trace>
+  <inkml:trace contextRef="#ctx0" brushRef="#br0" timeOffset="139578">16570 14997 24575,'15'0'0,"20"0"0,-2 0 0,9 0 0,7 0 0,9 0 0,4 0 0,-4 0 0,6 0 0,-1 0 0,3 0-413,-11 0 1,4 0-1,1 0 1,-2 0-1,-4 0 413,10 0 0,-5 0 0,-1 0 0,-1 0 0,0 0 0,-1 0 0,2 0 0,-1 0 0,-5 0 247,-3 0 1,-6 0-248,4 0 0,-20 0 0,-29 0 0,-1 0 0</inkml:trace>
+  <inkml:trace contextRef="#ctx0" brushRef="#br0" timeOffset="141144">21466 14192 24575,'60'-21'0,"-15"8"0,4 0 0,-8 3 0,1 0 0,6 1 0,5 2 0,6 0 0,2 2 0,-2 1 0,-3 1 0,-1 1 0,1 1 0,4 0-1040,-7 1 0,3 0 0,2 1 0,1 0 0,0 1 1,-2 0 1039,9 2 0,0 0 0,-1 1 0,0 1 0,1 1 0,0 1 0,0 0 0,1 2 0,-1 0 0,-2 1-53,-2 1 0,-1 1 0,0 0 0,-2 1 0,-3 0 53,3 2 0,-1 0 0,-3-1 0,-3 1 0,3 0 0,-3 0 0,-5-2 700,1 0 1,-8-1-701,-8-2 0,-25 0 0,-10 2 3063,-2 5-3063,-4 4 2040,-4 0-2040,1-2 0,3-5 0,5-7 0,20-12 0,37-23 0,-11 5 0,6-3 0,-7 4 0,3-1 0,1-1-173,2 0 0,1 0 0,0 2 173,-3 2 0,-1 1 0,-1 1 0,13-3 0,-3 3 0,-14 5 0,-3 3 0,29-1 0,-37 5 0,1 4 0</inkml:trace>
+  <inkml:trace contextRef="#ctx0" brushRef="#br0" timeOffset="148744">10632 14578 24575,'22'0'0,"17"0"0,13 0 0,-7 0 0,5 0 0,4 0 0,2 0-1327,0 0 0,3 0 0,3 0 0,1 0 0,1 0 1327,-2 0 0,2 0 0,2 0 0,0 0 0,1 0 0,-1 0 0,-8 1 0,0-1 0,0 0 0,0 0 0,0 0 0,-1 1 0,0 0 0,6 1 0,0 1 0,0-1 0,-1 1 0,-2 1 0,0-1 386,2 1 0,-1-1 0,-1 2 0,-2-1 0,-5 1-386,13 1 0,-5 2 0,-8-1 532,-6 2 0,-12-1-532,-20-4 0,-14 0 0,2-1 3641,0 2-3641,5-3 0,8 1 0,17-3 0,20 0 0,12 0 0,-24-2 0,2 0 0,6-1 0,3-2 0,8-1 0,2-3 0,-14 3 0,0-1 0,-3 0 0,-2 1 0,-4 0 0,-6 0 0,1 1 0</inkml:trace>
+  <inkml:trace contextRef="#ctx0" brushRef="#br0" timeOffset="158163">10430 14753 24575,'0'63'0,"0"-21"0,0 3 0,0 7 0,0 2 0,0 8 0,0 1 0,0-2 0,0-1 0,0-4 0,0-1 0,0-2 0,0-3 0,0-6 0,0-3 0,0-3 0,0-3 0,0 28 0,0-11 0,0-11 0,0-12 0,0-9 0,0-12 0,0-4 0</inkml:trace>
+  <inkml:trace contextRef="#ctx0" brushRef="#br0" timeOffset="159498">13435 14853 24575,'0'38'0,"0"0"0,0 4 0,0 2 0,0 14 0,0 5-565,0-13 0,0 2 0,0 0 565,0 2 0,0 1 0,0 0 0,0 1 0,0 1 0,0-1 0,0-7 0,0-1 0,0-1 274,0 10 1,0-4-275,0-8 0,0-4 280,0 12-280,0-23 0,0-11 0,0-11 0,0-3 0</inkml:trace>
+  <inkml:trace contextRef="#ctx0" brushRef="#br0" timeOffset="160791">11907 14729 24575,'0'41'0,"0"-3"0,0 4 0,0 16 0,0 5 0,0-16 0,0 3 0,0 0-374,0 1 1,0 1 0,0-1 373,0-1 0,0-2 0,0 1 122,0 0 0,0 0 0,0-4-122,0 3 0,0-4 93,0-8 0,0-5-93,0-5 0,0-3 0,0 1 568,0-1-568,0-4 0,0-10 0,0-2 0</inkml:trace>
+  <inkml:trace contextRef="#ctx0" brushRef="#br0" timeOffset="163578">16198 14476 24575,'22'0'0,"44"0"0,-5 0 0,9 0-1017,-23 0 1,4 0 0,1 0-1,2 0 1017,9 0 0,2 0 0,1 0 0,1 0-341,-11 0 1,1 0 0,1 0 0,0 0 0,0 0 340,0 0 0,0 0 0,-1 0 0,1 0 0,-1 0 0,11 0 0,-1 0 0,-1 0 0,-1 0 0,-8 0 0,0 0 0,-3 0 0,-4 0 634,14 0 0,-8 1-634,-12 0 0,-17 2 0,-27 1 0,0 2 1870,0-3-1870,0 1 2629,0-1-2629,0 0 0,0-1 0,0-1 0</inkml:trace>
+</inkml:ink>
+</file>
+
+<file path=ppt/ink/ink4.xml><?xml version="1.0" encoding="utf-8"?>
+<inkml:ink xmlns:inkml="http://www.w3.org/2003/InkML">
+  <inkml:definitions>
+    <inkml:context xml:id="ctx0">
+      <inkml:inkSource xml:id="inkSrc0">
+        <inkml:traceFormat>
+          <inkml:channel name="X" type="integer" min="-2.14748E9" max="2.14748E9" units="cm"/>
+          <inkml:channel name="Y" type="integer" min="-2.14748E9" max="2.14748E9" units="cm"/>
+          <inkml:channel name="F" type="integer" max="32767" units="dev"/>
+        </inkml:traceFormat>
+        <inkml:channelProperties>
+          <inkml:channelProperty channel="X" name="resolution" value="1000" units="1/cm"/>
+          <inkml:channelProperty channel="Y" name="resolution" value="1000" units="1/cm"/>
+          <inkml:channelProperty channel="F" name="resolution" value="0" units="1/dev"/>
+        </inkml:channelProperties>
+      </inkml:inkSource>
+      <inkml:timestamp xml:id="ts0" timeString="2023-06-06T06:19:15.929"/>
+    </inkml:context>
+    <inkml:brush xml:id="br0">
+      <inkml:brushProperty name="width" value="0.05292" units="cm"/>
+      <inkml:brushProperty name="height" value="0.05292" units="cm"/>
+      <inkml:brushProperty name="color" value="#FF0000"/>
+    </inkml:brush>
+  </inkml:definitions>
+  <inkml:trace contextRef="#ctx0" brushRef="#br0">25463 13945 24575,'25'0'0,"6"0"0,11 2 0,16 6 0,-21-1 0,3 0 0,11 1 0,2 0 0,10 2 0,3-1-276,-16-3 0,2-1 1,0 1 275,1-1 0,1 1 0,-1 0 0,0-1 0,0 1 0,-1-1 0,-3-1 0,-1 0 0,0 0-97,18 0 0,0 0 97,-3-2 0,-1-1 0,-1-1 0,0 0 0,0 0 0,-1 0 0,-2 0 0,-1 0 0,0 0 0,-1-1 0,-3-1 0,-1 0 0,0-1 0,-1 0 0,0-1 0,0 1 0,0 0 0,-1 0 409,-2 2 1,1 0-410,-1 1 0,1-1 101,1 1 0,-1 0-101,3 0 0,0 0 0,3 0 0,0 0 0,-1 0 0,1 0 0,0 0 0,-1 0 0,-2 0 0,-1 0 0,-3 0 0,-2 0 0,-3 0 0,-2 0 0,-3 0 0,-1 0 0,-2 0 0,-1 0 0,32 1 0,-7 2 0,-6 5 0,-4 4 0,-3 1 0,2-4 0,5-5 0,9-2 0,-26-2 0,-2 0 0,-33 0 0,-2 0 0,-5 0 0,37-6 0,31-11 0,-3 4 0,8-1 0,-11 2 0,3-1 0,2 1-411,-11 3 0,2 0 1,0 1-1,0 0 411,3 0 0,0 1 0,0 0 0,0 1 0,1 0 0,1 1 0,-2 0 0,0 1 0,10 0 0,-2 1 0,-6 0 0,2-1 0,-7 1 0,-19 2 0,1 0 0</inkml:trace>
+  <inkml:trace contextRef="#ctx0" brushRef="#br0" timeOffset="2081">6787 14778 24575,'24'0'0,"22"0"0,-4 0 0,5 0 0,16 0 0,6 0-976,-12 0 0,4 0 0,1 0 976,-10 0 0,0 0 0,2 0 0,1 0-451,4 0 1,1 0 0,2 0 0,0 0 450,-9 0 0,1 0 0,1 0 0,0 0 0,-1 0 0,2 0 0,0 0 0,1 0 0,-1 0 0,0 0 0,0 0 0,-1 0 0,1 0 0,0 0 0,1 0 213,9 0 1,3 0 0,0 0-1,-4 0 1,-7 0-214,-1 0 0,-6-1 0,0 1 0,16 1 0,1-1 0,-32-5 0,-36-2 1349,0-3-1349,0 0 2312,0 2-2312,-1 3 0,-2 2 0,-2-2 0,1 0 0,8 1 0,23 0 0,4 2 0,5 0 0,15-2 0,6-1 0,-6 0 0,3 0 0,4-1-495,-8 2 0,3-1 0,2 0 0,-1 1 495,6-1 0,0 1 0,2 0 0,-1 1 0,4 0 0,0 0 0,0 1 0,-1 0 0,-2 1 0,-1 0 0,0 0 0,-2 0 0,-6 1 0,-2 0 0,-1 0 0,0 0-282,13 0 0,0 1 0,-2-1 282,-4 1 0,-1 0 0,0 0 0,4-1 0,2 1 0,-7 0 0,-3 2 0,-4-1 0,4-2 0,-18 2 0,-34 0 0</inkml:trace>
+  <inkml:trace contextRef="#ctx0" brushRef="#br0" timeOffset="6054">1218 16504 24575,'55'0'0,"-11"-2"0,14 0 0,7 0 0,3-1 0,-2 1 0,-12 1 0,1 0 0,0 1 0,2-1 0,3 1 0,3-1-984,-9 0 1,4 0 0,1-1 0,3 1 0,1 0 0,1-1 0,1 1 0,-1 0 0,0 0 0,-2 1 834,0 0 1,0 0 0,-1 0 0,0 1 0,1-1 0,0 1-1,0 0 1,0 0 0,0 1 0,2 0-49,-3 1 1,0-1 0,1 1 0,0 0 0,0 1-1,1-1 1,-1 1 0,1 1 0,-1-1 0,1 1-1,-2 0 197,1 0 0,-1 1 0,0 0 0,0 0 0,-1 0 0,1 0 0,0 1 0,0 1 0,1-1 0,0 2 0,0 0 179,1 0 1,0 1-1,3 1 1,0 1 0,0-1-1,0 2 1,-1-1 0,-1 0-1,-2 0 1,-2 0-1,-4-1 1,-3-1-180,16 3 0,-7 0 0,-2-1 0,-3 0 0,0 1 0,2 0 0,8 2 0,10 2 0,0 1 0,-11-2 0,-19-4 0,-29-7 0,-22-5 0,0 0 0,43-2 0,-2-4 0,7-2 0,11-1 0,7-2 0,5 0 467,-18 2 1,3 0-1,2 0 1,1-1 0,1 1-468,-2 1 0,0-1 0,0 0 0,3 1 0,3 0 0,4 0 0,-10 3 0,4-1 0,3 1 0,2 0 0,1 0 0,1 0 0,-1 1 0,0-1 0,-2 1 0,-2 0 0,6 0 0,-2 0 0,-1 0 0,-1 1 0,0-1 0,1 1 0,1 0 0,2 0 569,-6 0 1,2 1 0,3-1-1,0 1 1,0-1 0,-1 1-1,-1 0 1,-3 0 0,-3 0 0,-4 1-570,17-1 0,-4 0 0,-5 1 0,-4-1 0,-4 1 0,7 0 0,-5-1 0,-13 1 0,-4-1 0,-33 1 0,38-12 0,13-3 0,14-5 0,-15 6 0,6-2 0,4-1 0,1 0-140,-13 4 1,2-1 0,1 0 0,1 0 0,2 1 0,0-1 139,-3 2 0,1 0 0,2 0 0,0 0 0,0 1 0,2 0 0,-1 1-532,-2 0 0,-1 1 0,2 1 1,0-1-1,0 2 0,1-1 0,0 1 1,-1 0 531,1 0 0,1 1 0,0 1 0,0-1 0,-1 1 0,1 0 0,-1 1 0,0-1 0,5 1 0,0-1 0,0 1 0,0 0 0,-2 1 0,-1-1 0,-3 1 0,9 0 0,-3-1 0,-2 1 0,-1 1 0,-2-1 0,5 1 0,-1 1 0,-3-1 0,-3-1 0,3-1 0,-3-1 0,3 0-319,-3 1 0,4 0 0,1-1 0,-1 0 319,0 0 0,1 1 0,-1-1 0,-1 0 0,-2 2 0,-1-1 0,0 1 0,-3 1 780,10 0 0,-3 1 0,-2 1-780,-11 1 0,-3 0 0,0 0 2314,13 0 0,-2 1-2314,-7 0 0,-2 3 0,-5 0 0,-1 1 0,-5 1 0,-1 2 2096,21 8-2096,-18 0 583,-18-2-583,-10-4 0,-8 0 0,-3-7 0,0 2 0</inkml:trace>
+</inkml:ink>
+</file>
+
 <file path=ppt/notesMasters/notesMaster1.xml><?xml version="1.0" encoding="utf-8"?>
 <p:notesMaster xmlns:a="http://schemas.openxmlformats.org/drawingml/2006/main" xmlns:r="http://schemas.openxmlformats.org/officeDocument/2006/relationships" xmlns:p="http://schemas.openxmlformats.org/presentationml/2006/main">
   <p:cSld>
@@ -883,7 +1022,7 @@
           <a:p>
             <a:fld id="{DCEEA480-FAED-44A7-B0CF-D7F3DF7642EB}" type="datetimeFigureOut">
               <a:rPr lang="en-PH" smtClean="0"/>
-              <a:t>05/06/2023</a:t>
+              <a:t>6/6/23</a:t>
             </a:fld>
             <a:endParaRPr lang="en-PH"/>
           </a:p>
@@ -1235,6 +1374,426 @@
 </p:notes>
 </file>
 
+<file path=ppt/notesSlides/notesSlide10.xml><?xml version="1.0" encoding="utf-8"?>
+<p:notes xmlns:a="http://schemas.openxmlformats.org/drawingml/2006/main" xmlns:r="http://schemas.openxmlformats.org/officeDocument/2006/relationships" xmlns:p="http://schemas.openxmlformats.org/presentationml/2006/main">
+  <p:cSld>
+    <p:spTree>
+      <p:nvGrpSpPr>
+        <p:cNvPr id="1" name=""/>
+        <p:cNvGrpSpPr/>
+        <p:nvPr/>
+      </p:nvGrpSpPr>
+      <p:grpSpPr>
+        <a:xfrm>
+          <a:off x="0" y="0"/>
+          <a:ext cx="0" cy="0"/>
+          <a:chOff x="0" y="0"/>
+          <a:chExt cx="0" cy="0"/>
+        </a:xfrm>
+      </p:grpSpPr>
+      <p:sp>
+        <p:nvSpPr>
+          <p:cNvPr id="2" name="Slide Image Placeholder 1"/>
+          <p:cNvSpPr>
+            <a:spLocks noGrp="1" noRot="1" noChangeAspect="1"/>
+          </p:cNvSpPr>
+          <p:nvPr>
+            <p:ph type="sldImg"/>
+          </p:nvPr>
+        </p:nvSpPr>
+        <p:spPr/>
+      </p:sp>
+      <p:sp>
+        <p:nvSpPr>
+          <p:cNvPr id="3" name="Notes Placeholder 2"/>
+          <p:cNvSpPr>
+            <a:spLocks noGrp="1"/>
+          </p:cNvSpPr>
+          <p:nvPr>
+            <p:ph type="body" idx="1"/>
+          </p:nvPr>
+        </p:nvSpPr>
+        <p:spPr/>
+        <p:txBody>
+          <a:bodyPr/>
+          <a:lstStyle/>
+          <a:p>
+            <a:endParaRPr lang="en-PH" dirty="0"/>
+          </a:p>
+        </p:txBody>
+      </p:sp>
+      <p:sp>
+        <p:nvSpPr>
+          <p:cNvPr id="4" name="Slide Number Placeholder 3"/>
+          <p:cNvSpPr>
+            <a:spLocks noGrp="1"/>
+          </p:cNvSpPr>
+          <p:nvPr>
+            <p:ph type="sldNum" sz="quarter" idx="5"/>
+          </p:nvPr>
+        </p:nvSpPr>
+        <p:spPr/>
+        <p:txBody>
+          <a:bodyPr/>
+          <a:lstStyle/>
+          <a:p>
+            <a:fld id="{465F1461-96C2-4222-BBBB-83024B2ACE35}" type="slidenum">
+              <a:rPr lang="en-PH" smtClean="0"/>
+              <a:t>16</a:t>
+            </a:fld>
+            <a:endParaRPr lang="en-PH"/>
+          </a:p>
+        </p:txBody>
+      </p:sp>
+    </p:spTree>
+    <p:extLst>
+      <p:ext uri="{BB962C8B-B14F-4D97-AF65-F5344CB8AC3E}">
+        <p14:creationId xmlns:p14="http://schemas.microsoft.com/office/powerpoint/2010/main" val="3126084099"/>
+      </p:ext>
+    </p:extLst>
+  </p:cSld>
+  <p:clrMapOvr>
+    <a:masterClrMapping/>
+  </p:clrMapOvr>
+</p:notes>
+</file>
+
+<file path=ppt/notesSlides/notesSlide11.xml><?xml version="1.0" encoding="utf-8"?>
+<p:notes xmlns:a="http://schemas.openxmlformats.org/drawingml/2006/main" xmlns:r="http://schemas.openxmlformats.org/officeDocument/2006/relationships" xmlns:p="http://schemas.openxmlformats.org/presentationml/2006/main">
+  <p:cSld>
+    <p:spTree>
+      <p:nvGrpSpPr>
+        <p:cNvPr id="1" name=""/>
+        <p:cNvGrpSpPr/>
+        <p:nvPr/>
+      </p:nvGrpSpPr>
+      <p:grpSpPr>
+        <a:xfrm>
+          <a:off x="0" y="0"/>
+          <a:ext cx="0" cy="0"/>
+          <a:chOff x="0" y="0"/>
+          <a:chExt cx="0" cy="0"/>
+        </a:xfrm>
+      </p:grpSpPr>
+      <p:sp>
+        <p:nvSpPr>
+          <p:cNvPr id="2" name="Slide Image Placeholder 1"/>
+          <p:cNvSpPr>
+            <a:spLocks noGrp="1" noRot="1" noChangeAspect="1"/>
+          </p:cNvSpPr>
+          <p:nvPr>
+            <p:ph type="sldImg"/>
+          </p:nvPr>
+        </p:nvSpPr>
+        <p:spPr/>
+      </p:sp>
+      <p:sp>
+        <p:nvSpPr>
+          <p:cNvPr id="3" name="Notes Placeholder 2"/>
+          <p:cNvSpPr>
+            <a:spLocks noGrp="1"/>
+          </p:cNvSpPr>
+          <p:nvPr>
+            <p:ph type="body" idx="1"/>
+          </p:nvPr>
+        </p:nvSpPr>
+        <p:spPr/>
+        <p:txBody>
+          <a:bodyPr/>
+          <a:lstStyle/>
+          <a:p>
+            <a:endParaRPr lang="en-PH" dirty="0"/>
+          </a:p>
+        </p:txBody>
+      </p:sp>
+      <p:sp>
+        <p:nvSpPr>
+          <p:cNvPr id="4" name="Slide Number Placeholder 3"/>
+          <p:cNvSpPr>
+            <a:spLocks noGrp="1"/>
+          </p:cNvSpPr>
+          <p:nvPr>
+            <p:ph type="sldNum" sz="quarter" idx="5"/>
+          </p:nvPr>
+        </p:nvSpPr>
+        <p:spPr/>
+        <p:txBody>
+          <a:bodyPr/>
+          <a:lstStyle/>
+          <a:p>
+            <a:fld id="{465F1461-96C2-4222-BBBB-83024B2ACE35}" type="slidenum">
+              <a:rPr lang="en-PH" smtClean="0"/>
+              <a:t>17</a:t>
+            </a:fld>
+            <a:endParaRPr lang="en-PH"/>
+          </a:p>
+        </p:txBody>
+      </p:sp>
+    </p:spTree>
+    <p:extLst>
+      <p:ext uri="{BB962C8B-B14F-4D97-AF65-F5344CB8AC3E}">
+        <p14:creationId xmlns:p14="http://schemas.microsoft.com/office/powerpoint/2010/main" val="3686963551"/>
+      </p:ext>
+    </p:extLst>
+  </p:cSld>
+  <p:clrMapOvr>
+    <a:masterClrMapping/>
+  </p:clrMapOvr>
+</p:notes>
+</file>
+
+<file path=ppt/notesSlides/notesSlide12.xml><?xml version="1.0" encoding="utf-8"?>
+<p:notes xmlns:a="http://schemas.openxmlformats.org/drawingml/2006/main" xmlns:r="http://schemas.openxmlformats.org/officeDocument/2006/relationships" xmlns:p="http://schemas.openxmlformats.org/presentationml/2006/main">
+  <p:cSld>
+    <p:spTree>
+      <p:nvGrpSpPr>
+        <p:cNvPr id="1" name=""/>
+        <p:cNvGrpSpPr/>
+        <p:nvPr/>
+      </p:nvGrpSpPr>
+      <p:grpSpPr>
+        <a:xfrm>
+          <a:off x="0" y="0"/>
+          <a:ext cx="0" cy="0"/>
+          <a:chOff x="0" y="0"/>
+          <a:chExt cx="0" cy="0"/>
+        </a:xfrm>
+      </p:grpSpPr>
+      <p:sp>
+        <p:nvSpPr>
+          <p:cNvPr id="2" name="Slide Image Placeholder 1"/>
+          <p:cNvSpPr>
+            <a:spLocks noGrp="1" noRot="1" noChangeAspect="1"/>
+          </p:cNvSpPr>
+          <p:nvPr>
+            <p:ph type="sldImg"/>
+          </p:nvPr>
+        </p:nvSpPr>
+        <p:spPr/>
+      </p:sp>
+      <p:sp>
+        <p:nvSpPr>
+          <p:cNvPr id="3" name="Notes Placeholder 2"/>
+          <p:cNvSpPr>
+            <a:spLocks noGrp="1"/>
+          </p:cNvSpPr>
+          <p:nvPr>
+            <p:ph type="body" idx="1"/>
+          </p:nvPr>
+        </p:nvSpPr>
+        <p:spPr/>
+        <p:txBody>
+          <a:bodyPr/>
+          <a:lstStyle/>
+          <a:p>
+            <a:endParaRPr lang="en-PH" dirty="0"/>
+          </a:p>
+        </p:txBody>
+      </p:sp>
+      <p:sp>
+        <p:nvSpPr>
+          <p:cNvPr id="4" name="Slide Number Placeholder 3"/>
+          <p:cNvSpPr>
+            <a:spLocks noGrp="1"/>
+          </p:cNvSpPr>
+          <p:nvPr>
+            <p:ph type="sldNum" sz="quarter" idx="5"/>
+          </p:nvPr>
+        </p:nvSpPr>
+        <p:spPr/>
+        <p:txBody>
+          <a:bodyPr/>
+          <a:lstStyle/>
+          <a:p>
+            <a:fld id="{465F1461-96C2-4222-BBBB-83024B2ACE35}" type="slidenum">
+              <a:rPr lang="en-PH" smtClean="0"/>
+              <a:t>18</a:t>
+            </a:fld>
+            <a:endParaRPr lang="en-PH"/>
+          </a:p>
+        </p:txBody>
+      </p:sp>
+    </p:spTree>
+    <p:extLst>
+      <p:ext uri="{BB962C8B-B14F-4D97-AF65-F5344CB8AC3E}">
+        <p14:creationId xmlns:p14="http://schemas.microsoft.com/office/powerpoint/2010/main" val="2067013552"/>
+      </p:ext>
+    </p:extLst>
+  </p:cSld>
+  <p:clrMapOvr>
+    <a:masterClrMapping/>
+  </p:clrMapOvr>
+</p:notes>
+</file>
+
+<file path=ppt/notesSlides/notesSlide13.xml><?xml version="1.0" encoding="utf-8"?>
+<p:notes xmlns:a="http://schemas.openxmlformats.org/drawingml/2006/main" xmlns:r="http://schemas.openxmlformats.org/officeDocument/2006/relationships" xmlns:p="http://schemas.openxmlformats.org/presentationml/2006/main">
+  <p:cSld>
+    <p:spTree>
+      <p:nvGrpSpPr>
+        <p:cNvPr id="1" name=""/>
+        <p:cNvGrpSpPr/>
+        <p:nvPr/>
+      </p:nvGrpSpPr>
+      <p:grpSpPr>
+        <a:xfrm>
+          <a:off x="0" y="0"/>
+          <a:ext cx="0" cy="0"/>
+          <a:chOff x="0" y="0"/>
+          <a:chExt cx="0" cy="0"/>
+        </a:xfrm>
+      </p:grpSpPr>
+      <p:sp>
+        <p:nvSpPr>
+          <p:cNvPr id="2" name="Slide Image Placeholder 1"/>
+          <p:cNvSpPr>
+            <a:spLocks noGrp="1" noRot="1" noChangeAspect="1"/>
+          </p:cNvSpPr>
+          <p:nvPr>
+            <p:ph type="sldImg"/>
+          </p:nvPr>
+        </p:nvSpPr>
+        <p:spPr/>
+      </p:sp>
+      <p:sp>
+        <p:nvSpPr>
+          <p:cNvPr id="3" name="Notes Placeholder 2"/>
+          <p:cNvSpPr>
+            <a:spLocks noGrp="1"/>
+          </p:cNvSpPr>
+          <p:nvPr>
+            <p:ph type="body" idx="1"/>
+          </p:nvPr>
+        </p:nvSpPr>
+        <p:spPr/>
+        <p:txBody>
+          <a:bodyPr/>
+          <a:lstStyle/>
+          <a:p>
+            <a:endParaRPr lang="en-PH" dirty="0"/>
+          </a:p>
+        </p:txBody>
+      </p:sp>
+      <p:sp>
+        <p:nvSpPr>
+          <p:cNvPr id="4" name="Slide Number Placeholder 3"/>
+          <p:cNvSpPr>
+            <a:spLocks noGrp="1"/>
+          </p:cNvSpPr>
+          <p:nvPr>
+            <p:ph type="sldNum" sz="quarter" idx="5"/>
+          </p:nvPr>
+        </p:nvSpPr>
+        <p:spPr/>
+        <p:txBody>
+          <a:bodyPr/>
+          <a:lstStyle/>
+          <a:p>
+            <a:fld id="{465F1461-96C2-4222-BBBB-83024B2ACE35}" type="slidenum">
+              <a:rPr lang="en-PH" smtClean="0"/>
+              <a:t>19</a:t>
+            </a:fld>
+            <a:endParaRPr lang="en-PH"/>
+          </a:p>
+        </p:txBody>
+      </p:sp>
+    </p:spTree>
+    <p:extLst>
+      <p:ext uri="{BB962C8B-B14F-4D97-AF65-F5344CB8AC3E}">
+        <p14:creationId xmlns:p14="http://schemas.microsoft.com/office/powerpoint/2010/main" val="4110899024"/>
+      </p:ext>
+    </p:extLst>
+  </p:cSld>
+  <p:clrMapOvr>
+    <a:masterClrMapping/>
+  </p:clrMapOvr>
+</p:notes>
+</file>
+
+<file path=ppt/notesSlides/notesSlide14.xml><?xml version="1.0" encoding="utf-8"?>
+<p:notes xmlns:a="http://schemas.openxmlformats.org/drawingml/2006/main" xmlns:r="http://schemas.openxmlformats.org/officeDocument/2006/relationships" xmlns:p="http://schemas.openxmlformats.org/presentationml/2006/main">
+  <p:cSld>
+    <p:spTree>
+      <p:nvGrpSpPr>
+        <p:cNvPr id="1" name=""/>
+        <p:cNvGrpSpPr/>
+        <p:nvPr/>
+      </p:nvGrpSpPr>
+      <p:grpSpPr>
+        <a:xfrm>
+          <a:off x="0" y="0"/>
+          <a:ext cx="0" cy="0"/>
+          <a:chOff x="0" y="0"/>
+          <a:chExt cx="0" cy="0"/>
+        </a:xfrm>
+      </p:grpSpPr>
+      <p:sp>
+        <p:nvSpPr>
+          <p:cNvPr id="2" name="Slide Image Placeholder 1"/>
+          <p:cNvSpPr>
+            <a:spLocks noGrp="1" noRot="1" noChangeAspect="1"/>
+          </p:cNvSpPr>
+          <p:nvPr>
+            <p:ph type="sldImg"/>
+          </p:nvPr>
+        </p:nvSpPr>
+        <p:spPr/>
+      </p:sp>
+      <p:sp>
+        <p:nvSpPr>
+          <p:cNvPr id="3" name="Notes Placeholder 2"/>
+          <p:cNvSpPr>
+            <a:spLocks noGrp="1"/>
+          </p:cNvSpPr>
+          <p:nvPr>
+            <p:ph type="body" idx="1"/>
+          </p:nvPr>
+        </p:nvSpPr>
+        <p:spPr/>
+        <p:txBody>
+          <a:bodyPr/>
+          <a:lstStyle/>
+          <a:p>
+            <a:endParaRPr lang="en-PH" dirty="0"/>
+          </a:p>
+        </p:txBody>
+      </p:sp>
+      <p:sp>
+        <p:nvSpPr>
+          <p:cNvPr id="4" name="Slide Number Placeholder 3"/>
+          <p:cNvSpPr>
+            <a:spLocks noGrp="1"/>
+          </p:cNvSpPr>
+          <p:nvPr>
+            <p:ph type="sldNum" sz="quarter" idx="5"/>
+          </p:nvPr>
+        </p:nvSpPr>
+        <p:spPr/>
+        <p:txBody>
+          <a:bodyPr/>
+          <a:lstStyle/>
+          <a:p>
+            <a:fld id="{465F1461-96C2-4222-BBBB-83024B2ACE35}" type="slidenum">
+              <a:rPr lang="en-PH" smtClean="0"/>
+              <a:t>20</a:t>
+            </a:fld>
+            <a:endParaRPr lang="en-PH"/>
+          </a:p>
+        </p:txBody>
+      </p:sp>
+    </p:spTree>
+    <p:extLst>
+      <p:ext uri="{BB962C8B-B14F-4D97-AF65-F5344CB8AC3E}">
+        <p14:creationId xmlns:p14="http://schemas.microsoft.com/office/powerpoint/2010/main" val="336981938"/>
+      </p:ext>
+    </p:extLst>
+  </p:cSld>
+  <p:clrMapOvr>
+    <a:masterClrMapping/>
+  </p:clrMapOvr>
+</p:notes>
+</file>
+
 <file path=ppt/notesSlides/notesSlide2.xml><?xml version="1.0" encoding="utf-8"?>
 <p:notes xmlns:a="http://schemas.openxmlformats.org/drawingml/2006/main" xmlns:r="http://schemas.openxmlformats.org/officeDocument/2006/relationships" xmlns:p="http://schemas.openxmlformats.org/presentationml/2006/main">
   <p:cSld>
@@ -1730,6 +2289,174 @@
     <p:extLst>
       <p:ext uri="{BB962C8B-B14F-4D97-AF65-F5344CB8AC3E}">
         <p14:creationId xmlns:p14="http://schemas.microsoft.com/office/powerpoint/2010/main" val="1162707532"/>
+      </p:ext>
+    </p:extLst>
+  </p:cSld>
+  <p:clrMapOvr>
+    <a:masterClrMapping/>
+  </p:clrMapOvr>
+</p:notes>
+</file>
+
+<file path=ppt/notesSlides/notesSlide8.xml><?xml version="1.0" encoding="utf-8"?>
+<p:notes xmlns:a="http://schemas.openxmlformats.org/drawingml/2006/main" xmlns:r="http://schemas.openxmlformats.org/officeDocument/2006/relationships" xmlns:p="http://schemas.openxmlformats.org/presentationml/2006/main">
+  <p:cSld>
+    <p:spTree>
+      <p:nvGrpSpPr>
+        <p:cNvPr id="1" name=""/>
+        <p:cNvGrpSpPr/>
+        <p:nvPr/>
+      </p:nvGrpSpPr>
+      <p:grpSpPr>
+        <a:xfrm>
+          <a:off x="0" y="0"/>
+          <a:ext cx="0" cy="0"/>
+          <a:chOff x="0" y="0"/>
+          <a:chExt cx="0" cy="0"/>
+        </a:xfrm>
+      </p:grpSpPr>
+      <p:sp>
+        <p:nvSpPr>
+          <p:cNvPr id="2" name="Slide Image Placeholder 1"/>
+          <p:cNvSpPr>
+            <a:spLocks noGrp="1" noRot="1" noChangeAspect="1"/>
+          </p:cNvSpPr>
+          <p:nvPr>
+            <p:ph type="sldImg"/>
+          </p:nvPr>
+        </p:nvSpPr>
+        <p:spPr/>
+      </p:sp>
+      <p:sp>
+        <p:nvSpPr>
+          <p:cNvPr id="3" name="Notes Placeholder 2"/>
+          <p:cNvSpPr>
+            <a:spLocks noGrp="1"/>
+          </p:cNvSpPr>
+          <p:nvPr>
+            <p:ph type="body" idx="1"/>
+          </p:nvPr>
+        </p:nvSpPr>
+        <p:spPr/>
+        <p:txBody>
+          <a:bodyPr/>
+          <a:lstStyle/>
+          <a:p>
+            <a:endParaRPr lang="en-PH" dirty="0"/>
+          </a:p>
+        </p:txBody>
+      </p:sp>
+      <p:sp>
+        <p:nvSpPr>
+          <p:cNvPr id="4" name="Slide Number Placeholder 3"/>
+          <p:cNvSpPr>
+            <a:spLocks noGrp="1"/>
+          </p:cNvSpPr>
+          <p:nvPr>
+            <p:ph type="sldNum" sz="quarter" idx="5"/>
+          </p:nvPr>
+        </p:nvSpPr>
+        <p:spPr/>
+        <p:txBody>
+          <a:bodyPr/>
+          <a:lstStyle/>
+          <a:p>
+            <a:fld id="{465F1461-96C2-4222-BBBB-83024B2ACE35}" type="slidenum">
+              <a:rPr lang="en-PH" smtClean="0"/>
+              <a:t>14</a:t>
+            </a:fld>
+            <a:endParaRPr lang="en-PH"/>
+          </a:p>
+        </p:txBody>
+      </p:sp>
+    </p:spTree>
+    <p:extLst>
+      <p:ext uri="{BB962C8B-B14F-4D97-AF65-F5344CB8AC3E}">
+        <p14:creationId xmlns:p14="http://schemas.microsoft.com/office/powerpoint/2010/main" val="3912182141"/>
+      </p:ext>
+    </p:extLst>
+  </p:cSld>
+  <p:clrMapOvr>
+    <a:masterClrMapping/>
+  </p:clrMapOvr>
+</p:notes>
+</file>
+
+<file path=ppt/notesSlides/notesSlide9.xml><?xml version="1.0" encoding="utf-8"?>
+<p:notes xmlns:a="http://schemas.openxmlformats.org/drawingml/2006/main" xmlns:r="http://schemas.openxmlformats.org/officeDocument/2006/relationships" xmlns:p="http://schemas.openxmlformats.org/presentationml/2006/main">
+  <p:cSld>
+    <p:spTree>
+      <p:nvGrpSpPr>
+        <p:cNvPr id="1" name=""/>
+        <p:cNvGrpSpPr/>
+        <p:nvPr/>
+      </p:nvGrpSpPr>
+      <p:grpSpPr>
+        <a:xfrm>
+          <a:off x="0" y="0"/>
+          <a:ext cx="0" cy="0"/>
+          <a:chOff x="0" y="0"/>
+          <a:chExt cx="0" cy="0"/>
+        </a:xfrm>
+      </p:grpSpPr>
+      <p:sp>
+        <p:nvSpPr>
+          <p:cNvPr id="2" name="Slide Image Placeholder 1"/>
+          <p:cNvSpPr>
+            <a:spLocks noGrp="1" noRot="1" noChangeAspect="1"/>
+          </p:cNvSpPr>
+          <p:nvPr>
+            <p:ph type="sldImg"/>
+          </p:nvPr>
+        </p:nvSpPr>
+        <p:spPr/>
+      </p:sp>
+      <p:sp>
+        <p:nvSpPr>
+          <p:cNvPr id="3" name="Notes Placeholder 2"/>
+          <p:cNvSpPr>
+            <a:spLocks noGrp="1"/>
+          </p:cNvSpPr>
+          <p:nvPr>
+            <p:ph type="body" idx="1"/>
+          </p:nvPr>
+        </p:nvSpPr>
+        <p:spPr/>
+        <p:txBody>
+          <a:bodyPr/>
+          <a:lstStyle/>
+          <a:p>
+            <a:endParaRPr lang="en-PH" dirty="0"/>
+          </a:p>
+        </p:txBody>
+      </p:sp>
+      <p:sp>
+        <p:nvSpPr>
+          <p:cNvPr id="4" name="Slide Number Placeholder 3"/>
+          <p:cNvSpPr>
+            <a:spLocks noGrp="1"/>
+          </p:cNvSpPr>
+          <p:nvPr>
+            <p:ph type="sldNum" sz="quarter" idx="5"/>
+          </p:nvPr>
+        </p:nvSpPr>
+        <p:spPr/>
+        <p:txBody>
+          <a:bodyPr/>
+          <a:lstStyle/>
+          <a:p>
+            <a:fld id="{465F1461-96C2-4222-BBBB-83024B2ACE35}" type="slidenum">
+              <a:rPr lang="en-PH" smtClean="0"/>
+              <a:t>15</a:t>
+            </a:fld>
+            <a:endParaRPr lang="en-PH"/>
+          </a:p>
+        </p:txBody>
+      </p:sp>
+    </p:spTree>
+    <p:extLst>
+      <p:ext uri="{BB962C8B-B14F-4D97-AF65-F5344CB8AC3E}">
+        <p14:creationId xmlns:p14="http://schemas.microsoft.com/office/powerpoint/2010/main" val="2839851015"/>
       </p:ext>
     </p:extLst>
   </p:cSld>
@@ -1888,7 +2615,7 @@
           <a:p>
             <a:fld id="{E3F2C046-3488-4271-867B-6B64A28EF1DF}" type="datetimeFigureOut">
               <a:rPr lang="en-PH" smtClean="0"/>
-              <a:t>05/06/2023</a:t>
+              <a:t>6/6/23</a:t>
             </a:fld>
             <a:endParaRPr lang="en-PH"/>
           </a:p>
@@ -2088,7 +2815,7 @@
           <a:p>
             <a:fld id="{E3F2C046-3488-4271-867B-6B64A28EF1DF}" type="datetimeFigureOut">
               <a:rPr lang="en-PH" smtClean="0"/>
-              <a:t>05/06/2023</a:t>
+              <a:t>6/6/23</a:t>
             </a:fld>
             <a:endParaRPr lang="en-PH"/>
           </a:p>
@@ -2298,7 +3025,7 @@
           <a:p>
             <a:fld id="{E3F2C046-3488-4271-867B-6B64A28EF1DF}" type="datetimeFigureOut">
               <a:rPr lang="en-PH" smtClean="0"/>
-              <a:t>05/06/2023</a:t>
+              <a:t>6/6/23</a:t>
             </a:fld>
             <a:endParaRPr lang="en-PH"/>
           </a:p>
@@ -2558,7 +3285,7 @@
           <a:p>
             <a:fld id="{E3F2C046-3488-4271-867B-6B64A28EF1DF}" type="datetimeFigureOut">
               <a:rPr lang="en-PH" smtClean="0"/>
-              <a:t>05/06/2023</a:t>
+              <a:t>6/6/23</a:t>
             </a:fld>
             <a:endParaRPr lang="en-PH"/>
           </a:p>
@@ -2834,7 +3561,7 @@
           <a:p>
             <a:fld id="{E3F2C046-3488-4271-867B-6B64A28EF1DF}" type="datetimeFigureOut">
               <a:rPr lang="en-PH" smtClean="0"/>
-              <a:t>05/06/2023</a:t>
+              <a:t>6/6/23</a:t>
             </a:fld>
             <a:endParaRPr lang="en-PH"/>
           </a:p>
@@ -3102,7 +3829,7 @@
           <a:p>
             <a:fld id="{E3F2C046-3488-4271-867B-6B64A28EF1DF}" type="datetimeFigureOut">
               <a:rPr lang="en-PH" smtClean="0"/>
-              <a:t>05/06/2023</a:t>
+              <a:t>6/6/23</a:t>
             </a:fld>
             <a:endParaRPr lang="en-PH"/>
           </a:p>
@@ -3517,7 +4244,7 @@
           <a:p>
             <a:fld id="{E3F2C046-3488-4271-867B-6B64A28EF1DF}" type="datetimeFigureOut">
               <a:rPr lang="en-PH" smtClean="0"/>
-              <a:t>05/06/2023</a:t>
+              <a:t>6/6/23</a:t>
             </a:fld>
             <a:endParaRPr lang="en-PH"/>
           </a:p>
@@ -3659,7 +4386,7 @@
           <a:p>
             <a:fld id="{E3F2C046-3488-4271-867B-6B64A28EF1DF}" type="datetimeFigureOut">
               <a:rPr lang="en-PH" smtClean="0"/>
-              <a:t>05/06/2023</a:t>
+              <a:t>6/6/23</a:t>
             </a:fld>
             <a:endParaRPr lang="en-PH"/>
           </a:p>
@@ -3772,7 +4499,7 @@
           <a:p>
             <a:fld id="{E3F2C046-3488-4271-867B-6B64A28EF1DF}" type="datetimeFigureOut">
               <a:rPr lang="en-PH" smtClean="0"/>
-              <a:t>05/06/2023</a:t>
+              <a:t>6/6/23</a:t>
             </a:fld>
             <a:endParaRPr lang="en-PH"/>
           </a:p>
@@ -4085,7 +4812,7 @@
           <a:p>
             <a:fld id="{E3F2C046-3488-4271-867B-6B64A28EF1DF}" type="datetimeFigureOut">
               <a:rPr lang="en-PH" smtClean="0"/>
-              <a:t>05/06/2023</a:t>
+              <a:t>6/6/23</a:t>
             </a:fld>
             <a:endParaRPr lang="en-PH"/>
           </a:p>
@@ -4374,7 +5101,7 @@
           <a:p>
             <a:fld id="{E3F2C046-3488-4271-867B-6B64A28EF1DF}" type="datetimeFigureOut">
               <a:rPr lang="en-PH" smtClean="0"/>
-              <a:t>05/06/2023</a:t>
+              <a:t>6/6/23</a:t>
             </a:fld>
             <a:endParaRPr lang="en-PH"/>
           </a:p>
@@ -4617,7 +5344,7 @@
           <a:p>
             <a:fld id="{E3F2C046-3488-4271-867B-6B64A28EF1DF}" type="datetimeFigureOut">
               <a:rPr lang="en-PH" smtClean="0"/>
-              <a:t>05/06/2023</a:t>
+              <a:t>6/6/23</a:t>
             </a:fld>
             <a:endParaRPr lang="en-PH"/>
           </a:p>
@@ -7190,6 +7917,57 @@
           </a:prstGeom>
         </p:spPr>
       </p:pic>
+      <mc:AlternateContent xmlns:mc="http://schemas.openxmlformats.org/markup-compatibility/2006">
+        <mc:Choice xmlns:p14="http://schemas.microsoft.com/office/powerpoint/2010/main" Requires="p14">
+          <p:contentPart p14:bwMode="auto" r:id="rId5">
+            <p14:nvContentPartPr>
+              <p14:cNvPr id="2" name="Ink 1">
+                <a:extLst>
+                  <a:ext uri="{FF2B5EF4-FFF2-40B4-BE49-F238E27FC236}">
+                    <a16:creationId xmlns:a16="http://schemas.microsoft.com/office/drawing/2014/main" id="{04D08FA9-40E2-10B4-9584-04DD262ABDA5}"/>
+                  </a:ext>
+                </a:extLst>
+              </p14:cNvPr>
+              <p14:cNvContentPartPr/>
+              <p14:nvPr/>
+            </p14:nvContentPartPr>
+            <p14:xfrm>
+              <a:off x="2305080" y="2813040"/>
+              <a:ext cx="8473320" cy="581040"/>
+            </p14:xfrm>
+          </p:contentPart>
+        </mc:Choice>
+        <mc:Fallback>
+          <p:pic>
+            <p:nvPicPr>
+              <p:cNvPr id="2" name="Ink 1">
+                <a:extLst>
+                  <a:ext uri="{FF2B5EF4-FFF2-40B4-BE49-F238E27FC236}">
+                    <a16:creationId xmlns:a16="http://schemas.microsoft.com/office/drawing/2014/main" id="{04D08FA9-40E2-10B4-9584-04DD262ABDA5}"/>
+                  </a:ext>
+                </a:extLst>
+              </p:cNvPr>
+              <p:cNvPicPr/>
+              <p:nvPr/>
+            </p:nvPicPr>
+            <p:blipFill>
+              <a:blip r:embed="rId6"/>
+              <a:stretch>
+                <a:fillRect/>
+              </a:stretch>
+            </p:blipFill>
+            <p:spPr>
+              <a:xfrm>
+                <a:off x="2295720" y="2803680"/>
+                <a:ext cx="8492040" cy="599760"/>
+              </a:xfrm>
+              <a:prstGeom prst="rect">
+                <a:avLst/>
+              </a:prstGeom>
+            </p:spPr>
+          </p:pic>
+        </mc:Fallback>
+      </mc:AlternateContent>
     </p:spTree>
     <p:extLst>
       <p:ext uri="{BB962C8B-B14F-4D97-AF65-F5344CB8AC3E}">
@@ -7740,6 +8518,57 @@
           </a:effectLst>
         </p:spPr>
       </p:pic>
+      <mc:AlternateContent xmlns:mc="http://schemas.openxmlformats.org/markup-compatibility/2006">
+        <mc:Choice xmlns:p14="http://schemas.microsoft.com/office/powerpoint/2010/main" Requires="p14">
+          <p:contentPart p14:bwMode="auto" r:id="rId4">
+            <p14:nvContentPartPr>
+              <p14:cNvPr id="3" name="Ink 2">
+                <a:extLst>
+                  <a:ext uri="{FF2B5EF4-FFF2-40B4-BE49-F238E27FC236}">
+                    <a16:creationId xmlns:a16="http://schemas.microsoft.com/office/drawing/2014/main" id="{EA992712-81C9-46CE-945B-3137C593437E}"/>
+                  </a:ext>
+                </a:extLst>
+              </p14:cNvPr>
+              <p14:cNvContentPartPr/>
+              <p14:nvPr/>
+            </p14:nvContentPartPr>
+            <p14:xfrm>
+              <a:off x="1314000" y="5169240"/>
+              <a:ext cx="9519120" cy="489240"/>
+            </p14:xfrm>
+          </p:contentPart>
+        </mc:Choice>
+        <mc:Fallback>
+          <p:pic>
+            <p:nvPicPr>
+              <p:cNvPr id="3" name="Ink 2">
+                <a:extLst>
+                  <a:ext uri="{FF2B5EF4-FFF2-40B4-BE49-F238E27FC236}">
+                    <a16:creationId xmlns:a16="http://schemas.microsoft.com/office/drawing/2014/main" id="{EA992712-81C9-46CE-945B-3137C593437E}"/>
+                  </a:ext>
+                </a:extLst>
+              </p:cNvPr>
+              <p:cNvPicPr/>
+              <p:nvPr/>
+            </p:nvPicPr>
+            <p:blipFill>
+              <a:blip r:embed="rId5"/>
+              <a:stretch>
+                <a:fillRect/>
+              </a:stretch>
+            </p:blipFill>
+            <p:spPr>
+              <a:xfrm>
+                <a:off x="1304640" y="5159880"/>
+                <a:ext cx="9537840" cy="507960"/>
+              </a:xfrm>
+              <a:prstGeom prst="rect">
+                <a:avLst/>
+              </a:prstGeom>
+            </p:spPr>
+          </p:pic>
+        </mc:Fallback>
+      </mc:AlternateContent>
     </p:spTree>
     <p:extLst>
       <p:ext uri="{BB962C8B-B14F-4D97-AF65-F5344CB8AC3E}">
@@ -8115,7 +8944,7 @@
               <a:rPr lang="en-US" b="1" dirty="0">
                 <a:latin typeface="+mn-lt"/>
               </a:rPr>
-              <a:t>Deep Q-Learning Algorithm</a:t>
+              <a:t>Q-Learning vs Deep Q-Learning</a:t>
             </a:r>
             <a:endParaRPr lang="en-PH" b="1" dirty="0">
               <a:latin typeface="+mn-lt"/>
@@ -8138,7 +8967,7 @@
         <p:spPr>
           <a:xfrm>
             <a:off x="266700" y="1596206"/>
-            <a:ext cx="11658600" cy="2308324"/>
+            <a:ext cx="11658600" cy="1938992"/>
           </a:xfrm>
           <a:prstGeom prst="rect">
             <a:avLst/>
@@ -8157,7 +8986,7 @@
             </a:pPr>
             <a:r>
               <a:rPr lang="en-US" sz="2400" dirty="0"/>
-              <a:t>The difference is that, during the training phase, instead of updating the Q-value of a state-action pair directly as we have done with Q-Learning:</a:t>
+              <a:t>In Q-Learning, we update the Q-value of a state-action pair during the training phase.</a:t>
             </a:r>
           </a:p>
           <a:p>
@@ -8174,15 +9003,43 @@
             </a:pPr>
             <a:r>
               <a:rPr lang="en-US" sz="2400" dirty="0"/>
-              <a:t>I</a:t>
-            </a:r>
-            <a:r>
-              <a:rPr lang="en-US" sz="2400"/>
-              <a:t>n </a:t>
+              <a:t>In Deep Q-Learning, we create a </a:t>
+            </a:r>
+            <a:r>
+              <a:rPr lang="en-US" sz="2400" b="1" dirty="0">
+                <a:solidFill>
+                  <a:srgbClr val="0070C0"/>
+                </a:solidFill>
+              </a:rPr>
+              <a:t>loss function </a:t>
             </a:r>
             <a:r>
               <a:rPr lang="en-US" sz="2400" dirty="0"/>
-              <a:t>Deep Q-Learning, we create a loss function that compares our Q-value prediction and the Q-target and uses gradient descent to update the weights of our Deep Q-Network to approximate our Q-values better.</a:t>
+              <a:t>that </a:t>
+            </a:r>
+            <a:r>
+              <a:rPr lang="en-US" sz="2400" b="1" dirty="0">
+                <a:solidFill>
+                  <a:srgbClr val="0070C0"/>
+                </a:solidFill>
+              </a:rPr>
+              <a:t>compares our Q-value prediction and the Q-target</a:t>
+            </a:r>
+            <a:r>
+              <a:rPr lang="en-US" sz="2400" dirty="0"/>
+              <a:t> and uses </a:t>
+            </a:r>
+            <a:r>
+              <a:rPr lang="en-US" sz="2400" b="1" dirty="0">
+                <a:solidFill>
+                  <a:srgbClr val="0070C0"/>
+                </a:solidFill>
+              </a:rPr>
+              <a:t>gradient descent</a:t>
+            </a:r>
+            <a:r>
+              <a:rPr lang="en-US" sz="2400" dirty="0"/>
+              <a:t> to update the weights of our Deep Q-Network to approximate our Q-values better.</a:t>
             </a:r>
           </a:p>
         </p:txBody>
@@ -8288,14 +9145,14 @@
           <a:p>
             <a:pPr algn="r"/>
             <a:r>
-              <a:rPr lang="en-US" sz="1600">
+              <a:rPr lang="en-US" sz="1600" dirty="0">
                 <a:solidFill>
                   <a:schemeClr val="bg1"/>
                 </a:solidFill>
               </a:rPr>
               <a:t>Course Code: CCINCOM/L</a:t>
             </a:r>
-            <a:endParaRPr lang="en-PH" sz="1600">
+            <a:endParaRPr lang="en-PH" sz="1600" dirty="0">
               <a:solidFill>
                 <a:schemeClr val="bg1"/>
               </a:solidFill>
@@ -8382,47 +9239,6 @@
                 <a:latin typeface="Abadi" panose="020B0604020202020204" pitchFamily="34" charset="0"/>
               </a:rPr>
               <a:t>NU College of Computing and Information Technologies</a:t>
-            </a:r>
-          </a:p>
-        </p:txBody>
-      </p:sp>
-      <p:sp>
-        <p:nvSpPr>
-          <p:cNvPr id="12" name="TextBox 11">
-            <a:extLst>
-              <a:ext uri="{FF2B5EF4-FFF2-40B4-BE49-F238E27FC236}">
-                <a16:creationId xmlns:a16="http://schemas.microsoft.com/office/drawing/2014/main" id="{3B95F0FF-3312-4F15-A3FC-1E4D0A0C4CA3}"/>
-              </a:ext>
-            </a:extLst>
-          </p:cNvPr>
-          <p:cNvSpPr txBox="1"/>
-          <p:nvPr/>
-        </p:nvSpPr>
-        <p:spPr>
-          <a:xfrm>
-            <a:off x="2915382" y="1849692"/>
-            <a:ext cx="6224950" cy="461665"/>
-          </a:xfrm>
-          <a:prstGeom prst="rect">
-            <a:avLst/>
-          </a:prstGeom>
-          <a:noFill/>
-        </p:spPr>
-        <p:txBody>
-          <a:bodyPr wrap="square" rtlCol="0">
-            <a:spAutoFit/>
-          </a:bodyPr>
-          <a:lstStyle/>
-          <a:p>
-            <a:pPr algn="ctr"/>
-            <a:r>
-              <a:rPr lang="en-PH" sz="2400" b="1">
-                <a:solidFill>
-                  <a:schemeClr val="bg1"/>
-                </a:solidFill>
-                <a:latin typeface="Abadi" panose="020B0604020104020204" pitchFamily="34" charset="0"/>
-              </a:rPr>
-              <a:t>Review in Probability, Intro to RL Concepts</a:t>
             </a:r>
           </a:p>
         </p:txBody>
@@ -8603,7 +9419,7 @@
               <a:rPr lang="en-US" b="1" dirty="0">
                 <a:latin typeface="+mn-lt"/>
               </a:rPr>
-              <a:t>References</a:t>
+              <a:t>Deep Q-Learning Training Algorithm</a:t>
             </a:r>
             <a:endParaRPr lang="en-PH" b="1" dirty="0">
               <a:latin typeface="+mn-lt"/>
@@ -8613,10 +9429,498 @@
       </p:sp>
       <p:sp>
         <p:nvSpPr>
-          <p:cNvPr id="10" name="Content Placeholder 9">
-            <a:extLst>
-              <a:ext uri="{FF2B5EF4-FFF2-40B4-BE49-F238E27FC236}">
-                <a16:creationId xmlns:a16="http://schemas.microsoft.com/office/drawing/2014/main" id="{D5BBEC35-40CA-42D4-BC38-E13B39A6DA8E}"/>
+          <p:cNvPr id="12" name="TextBox 11">
+            <a:extLst>
+              <a:ext uri="{FF2B5EF4-FFF2-40B4-BE49-F238E27FC236}">
+                <a16:creationId xmlns:a16="http://schemas.microsoft.com/office/drawing/2014/main" id="{08ABBB89-9023-9474-716A-C1DAF7270C57}"/>
+              </a:ext>
+            </a:extLst>
+          </p:cNvPr>
+          <p:cNvSpPr txBox="1"/>
+          <p:nvPr/>
+        </p:nvSpPr>
+        <p:spPr>
+          <a:xfrm>
+            <a:off x="266700" y="1596206"/>
+            <a:ext cx="11658600" cy="3416320"/>
+          </a:xfrm>
+          <a:prstGeom prst="rect">
+            <a:avLst/>
+          </a:prstGeom>
+          <a:noFill/>
+        </p:spPr>
+        <p:txBody>
+          <a:bodyPr wrap="square">
+            <a:spAutoFit/>
+          </a:bodyPr>
+          <a:lstStyle/>
+          <a:p>
+            <a:pPr algn="l"/>
+            <a:r>
+              <a:rPr lang="en-PH" sz="2400" i="1" dirty="0"/>
+              <a:t>T</a:t>
+            </a:r>
+            <a:r>
+              <a:rPr lang="en-PH" sz="2400" b="0" i="1" u="none" strike="noStrike" dirty="0">
+                <a:effectLst/>
+              </a:rPr>
+              <a:t>wo Phases</a:t>
+            </a:r>
+            <a:r>
+              <a:rPr lang="en-PH" sz="2400" b="0" i="0" u="none" strike="noStrike" dirty="0">
+                <a:effectLst/>
+              </a:rPr>
+              <a:t>:</a:t>
+            </a:r>
+          </a:p>
+          <a:p>
+            <a:pPr algn="l"/>
+            <a:endParaRPr lang="en-PH" sz="2400" b="0" i="0" u="none" strike="noStrike" dirty="0">
+              <a:effectLst/>
+            </a:endParaRPr>
+          </a:p>
+          <a:p>
+            <a:pPr algn="l"/>
+            <a:r>
+              <a:rPr lang="en-PH" sz="2400" b="1" i="0" u="none" strike="noStrike" dirty="0">
+                <a:solidFill>
+                  <a:srgbClr val="0070C0"/>
+                </a:solidFill>
+                <a:effectLst/>
+              </a:rPr>
+              <a:t>Sampling</a:t>
+            </a:r>
+            <a:endParaRPr lang="en-PH" sz="2400" b="0" i="0" u="none" strike="noStrike" dirty="0">
+              <a:solidFill>
+                <a:srgbClr val="0070C0"/>
+              </a:solidFill>
+              <a:effectLst/>
+            </a:endParaRPr>
+          </a:p>
+          <a:p>
+            <a:pPr algn="l"/>
+            <a:r>
+              <a:rPr lang="en-PH" sz="2400" dirty="0"/>
+              <a:t>The agent </a:t>
+            </a:r>
+            <a:r>
+              <a:rPr lang="en-PH" sz="2400" b="0" i="0" u="none" strike="noStrike" dirty="0">
+                <a:effectLst/>
+              </a:rPr>
+              <a:t>perform actions and </a:t>
+            </a:r>
+            <a:r>
+              <a:rPr lang="en-PH" sz="2400" b="1" i="0" u="none" strike="noStrike" dirty="0">
+                <a:effectLst/>
+              </a:rPr>
+              <a:t>store the observed experience tuples in a replay memory</a:t>
+            </a:r>
+            <a:r>
+              <a:rPr lang="en-PH" sz="2400" b="0" i="0" u="none" strike="noStrike" dirty="0">
+                <a:effectLst/>
+              </a:rPr>
+              <a:t>.</a:t>
+            </a:r>
+          </a:p>
+          <a:p>
+            <a:pPr algn="l"/>
+            <a:endParaRPr lang="en-PH" sz="2400" b="0" i="0" u="none" strike="noStrike" dirty="0">
+              <a:effectLst/>
+            </a:endParaRPr>
+          </a:p>
+          <a:p>
+            <a:pPr algn="l"/>
+            <a:r>
+              <a:rPr lang="en-PH" sz="2400" b="1" i="0" u="none" strike="noStrike" dirty="0">
+                <a:solidFill>
+                  <a:srgbClr val="0070C0"/>
+                </a:solidFill>
+                <a:effectLst/>
+              </a:rPr>
+              <a:t>Training</a:t>
+            </a:r>
+            <a:endParaRPr lang="en-PH" sz="2400" b="0" i="0" u="none" strike="noStrike" dirty="0">
+              <a:solidFill>
+                <a:srgbClr val="0070C0"/>
+              </a:solidFill>
+              <a:effectLst/>
+            </a:endParaRPr>
+          </a:p>
+          <a:p>
+            <a:pPr algn="l"/>
+            <a:r>
+              <a:rPr lang="en-PH" sz="2400" b="0" i="0" u="none" strike="noStrike" dirty="0">
+                <a:effectLst/>
+              </a:rPr>
+              <a:t>Select a </a:t>
+            </a:r>
+            <a:r>
+              <a:rPr lang="en-PH" sz="2400" i="0" u="none" strike="noStrike" dirty="0">
+                <a:effectLst/>
+              </a:rPr>
+              <a:t>small batch of tuples randomly and learn from this batch using a gradient descent update step.</a:t>
+            </a:r>
+          </a:p>
+          <a:p>
+            <a:pPr marL="342900" indent="-342900" algn="l">
+              <a:buFont typeface="Wingdings" panose="05000000000000000000" pitchFamily="2" charset="2"/>
+              <a:buChar char="§"/>
+            </a:pPr>
+            <a:endParaRPr lang="en-US" sz="2400" dirty="0"/>
+          </a:p>
+        </p:txBody>
+      </p:sp>
+    </p:spTree>
+    <p:extLst>
+      <p:ext uri="{BB962C8B-B14F-4D97-AF65-F5344CB8AC3E}">
+        <p14:creationId xmlns:p14="http://schemas.microsoft.com/office/powerpoint/2010/main" val="509488281"/>
+      </p:ext>
+    </p:extLst>
+  </p:cSld>
+  <p:clrMapOvr>
+    <a:masterClrMapping/>
+  </p:clrMapOvr>
+</p:sld>
+</file>
+
+<file path=ppt/slides/slide15.xml><?xml version="1.0" encoding="utf-8"?>
+<p:sld xmlns:a="http://schemas.openxmlformats.org/drawingml/2006/main" xmlns:r="http://schemas.openxmlformats.org/officeDocument/2006/relationships" xmlns:p="http://schemas.openxmlformats.org/presentationml/2006/main">
+  <p:cSld>
+    <p:spTree>
+      <p:nvGrpSpPr>
+        <p:cNvPr id="1" name=""/>
+        <p:cNvGrpSpPr/>
+        <p:nvPr/>
+      </p:nvGrpSpPr>
+      <p:grpSpPr>
+        <a:xfrm>
+          <a:off x="0" y="0"/>
+          <a:ext cx="0" cy="0"/>
+          <a:chOff x="0" y="0"/>
+          <a:chExt cx="0" cy="0"/>
+        </a:xfrm>
+      </p:grpSpPr>
+      <p:sp>
+        <p:nvSpPr>
+          <p:cNvPr id="6" name="TextBox 5">
+            <a:extLst>
+              <a:ext uri="{FF2B5EF4-FFF2-40B4-BE49-F238E27FC236}">
+                <a16:creationId xmlns:a16="http://schemas.microsoft.com/office/drawing/2014/main" id="{933CA7EB-D821-4578-A186-D330E9178EDE}"/>
+              </a:ext>
+            </a:extLst>
+          </p:cNvPr>
+          <p:cNvSpPr txBox="1"/>
+          <p:nvPr/>
+        </p:nvSpPr>
+        <p:spPr>
+          <a:xfrm>
+            <a:off x="87923" y="28551"/>
+            <a:ext cx="3622432" cy="338554"/>
+          </a:xfrm>
+          <a:prstGeom prst="rect">
+            <a:avLst/>
+          </a:prstGeom>
+          <a:noFill/>
+        </p:spPr>
+        <p:txBody>
+          <a:bodyPr wrap="square" rtlCol="0">
+            <a:spAutoFit/>
+          </a:bodyPr>
+          <a:lstStyle/>
+          <a:p>
+            <a:r>
+              <a:rPr lang="en-PH" sz="1600">
+                <a:solidFill>
+                  <a:schemeClr val="bg1"/>
+                </a:solidFill>
+                <a:latin typeface="Abadi" panose="020B0604020104020204" pitchFamily="34" charset="0"/>
+                <a:cs typeface="Aharoni" panose="020B0604020202020204" pitchFamily="2" charset="-79"/>
+              </a:rPr>
+              <a:t>INTRODUCTION TO COMPUTING</a:t>
+            </a:r>
+          </a:p>
+        </p:txBody>
+      </p:sp>
+      <p:sp>
+        <p:nvSpPr>
+          <p:cNvPr id="7" name="TextBox 6">
+            <a:extLst>
+              <a:ext uri="{FF2B5EF4-FFF2-40B4-BE49-F238E27FC236}">
+                <a16:creationId xmlns:a16="http://schemas.microsoft.com/office/drawing/2014/main" id="{9B128FD4-EE77-4086-837E-5EAF83B0DDD1}"/>
+              </a:ext>
+            </a:extLst>
+          </p:cNvPr>
+          <p:cNvSpPr txBox="1"/>
+          <p:nvPr/>
+        </p:nvSpPr>
+        <p:spPr>
+          <a:xfrm>
+            <a:off x="9182099" y="13190"/>
+            <a:ext cx="2948354" cy="338554"/>
+          </a:xfrm>
+          <a:prstGeom prst="rect">
+            <a:avLst/>
+          </a:prstGeom>
+          <a:noFill/>
+        </p:spPr>
+        <p:txBody>
+          <a:bodyPr wrap="square" rtlCol="0">
+            <a:spAutoFit/>
+          </a:bodyPr>
+          <a:lstStyle/>
+          <a:p>
+            <a:pPr algn="r"/>
+            <a:r>
+              <a:rPr lang="en-US" sz="1600" dirty="0">
+                <a:solidFill>
+                  <a:schemeClr val="bg1"/>
+                </a:solidFill>
+              </a:rPr>
+              <a:t>Course Code: CCINCOM/L</a:t>
+            </a:r>
+            <a:endParaRPr lang="en-PH" sz="1600" dirty="0">
+              <a:solidFill>
+                <a:schemeClr val="bg1"/>
+              </a:solidFill>
+              <a:latin typeface="Abadi" panose="020B0604020202020204" pitchFamily="34" charset="0"/>
+            </a:endParaRPr>
+          </a:p>
+        </p:txBody>
+      </p:sp>
+      <p:sp>
+        <p:nvSpPr>
+          <p:cNvPr id="8" name="TextBox 7">
+            <a:extLst>
+              <a:ext uri="{FF2B5EF4-FFF2-40B4-BE49-F238E27FC236}">
+                <a16:creationId xmlns:a16="http://schemas.microsoft.com/office/drawing/2014/main" id="{B95C7AD6-4918-4294-AA88-B72FB28833FE}"/>
+              </a:ext>
+            </a:extLst>
+          </p:cNvPr>
+          <p:cNvSpPr txBox="1"/>
+          <p:nvPr/>
+        </p:nvSpPr>
+        <p:spPr>
+          <a:xfrm>
+            <a:off x="0" y="6479929"/>
+            <a:ext cx="2461846" cy="338554"/>
+          </a:xfrm>
+          <a:prstGeom prst="rect">
+            <a:avLst/>
+          </a:prstGeom>
+          <a:noFill/>
+        </p:spPr>
+        <p:txBody>
+          <a:bodyPr wrap="square" rtlCol="0">
+            <a:spAutoFit/>
+          </a:bodyPr>
+          <a:lstStyle/>
+          <a:p>
+            <a:pPr algn="ctr"/>
+            <a:r>
+              <a:rPr lang="en-PH" sz="1600">
+                <a:solidFill>
+                  <a:schemeClr val="bg1"/>
+                </a:solidFill>
+                <a:latin typeface="Abadi" panose="020B0604020202020204" pitchFamily="34" charset="0"/>
+              </a:rPr>
+              <a:t>Joseph Marvin R. Imperial</a:t>
+            </a:r>
+          </a:p>
+        </p:txBody>
+      </p:sp>
+      <p:sp>
+        <p:nvSpPr>
+          <p:cNvPr id="9" name="TextBox 8">
+            <a:extLst>
+              <a:ext uri="{FF2B5EF4-FFF2-40B4-BE49-F238E27FC236}">
+                <a16:creationId xmlns:a16="http://schemas.microsoft.com/office/drawing/2014/main" id="{C3136E3D-4CFD-4EFC-98AB-367D0EF3C06B}"/>
+              </a:ext>
+            </a:extLst>
+          </p:cNvPr>
+          <p:cNvSpPr txBox="1"/>
+          <p:nvPr/>
+        </p:nvSpPr>
+        <p:spPr>
+          <a:xfrm>
+            <a:off x="7086601" y="6490896"/>
+            <a:ext cx="5105399" cy="338554"/>
+          </a:xfrm>
+          <a:prstGeom prst="rect">
+            <a:avLst/>
+          </a:prstGeom>
+          <a:noFill/>
+        </p:spPr>
+        <p:txBody>
+          <a:bodyPr wrap="square" rtlCol="0">
+            <a:spAutoFit/>
+          </a:bodyPr>
+          <a:lstStyle/>
+          <a:p>
+            <a:pPr algn="r"/>
+            <a:r>
+              <a:rPr lang="en-PH" sz="1600">
+                <a:solidFill>
+                  <a:schemeClr val="bg1"/>
+                </a:solidFill>
+                <a:latin typeface="Abadi" panose="020B0604020202020204" pitchFamily="34" charset="0"/>
+              </a:rPr>
+              <a:t>NU College of Computing and Information Technologies</a:t>
+            </a:r>
+          </a:p>
+        </p:txBody>
+      </p:sp>
+      <p:sp>
+        <p:nvSpPr>
+          <p:cNvPr id="13" name="Rectangle 12">
+            <a:extLst>
+              <a:ext uri="{FF2B5EF4-FFF2-40B4-BE49-F238E27FC236}">
+                <a16:creationId xmlns:a16="http://schemas.microsoft.com/office/drawing/2014/main" id="{251B30DC-ACC5-404F-B51D-13612F115E3E}"/>
+              </a:ext>
+            </a:extLst>
+          </p:cNvPr>
+          <p:cNvSpPr/>
+          <p:nvPr/>
+        </p:nvSpPr>
+        <p:spPr>
+          <a:xfrm>
+            <a:off x="0" y="6462346"/>
+            <a:ext cx="12192000" cy="395654"/>
+          </a:xfrm>
+          <a:prstGeom prst="rect">
+            <a:avLst/>
+          </a:prstGeom>
+          <a:solidFill>
+            <a:schemeClr val="accent5">
+              <a:lumMod val="50000"/>
+            </a:schemeClr>
+          </a:solidFill>
+          <a:effectLst>
+            <a:outerShdw blurRad="50800" dist="38100" dir="2700000" algn="tl" rotWithShape="0">
+              <a:prstClr val="black">
+                <a:alpha val="40000"/>
+              </a:prstClr>
+            </a:outerShdw>
+          </a:effectLst>
+        </p:spPr>
+        <p:style>
+          <a:lnRef idx="2">
+            <a:schemeClr val="accent1">
+              <a:shade val="50000"/>
+            </a:schemeClr>
+          </a:lnRef>
+          <a:fillRef idx="1">
+            <a:schemeClr val="accent1"/>
+          </a:fillRef>
+          <a:effectRef idx="0">
+            <a:schemeClr val="accent1"/>
+          </a:effectRef>
+          <a:fontRef idx="minor">
+            <a:schemeClr val="lt1"/>
+          </a:fontRef>
+        </p:style>
+        <p:txBody>
+          <a:bodyPr rtlCol="0" anchor="ctr"/>
+          <a:lstStyle/>
+          <a:p>
+            <a:pPr algn="ctr"/>
+            <a:endParaRPr lang="en-PH"/>
+          </a:p>
+        </p:txBody>
+      </p:sp>
+      <p:sp>
+        <p:nvSpPr>
+          <p:cNvPr id="14" name="TextBox 13">
+            <a:extLst>
+              <a:ext uri="{FF2B5EF4-FFF2-40B4-BE49-F238E27FC236}">
+                <a16:creationId xmlns:a16="http://schemas.microsoft.com/office/drawing/2014/main" id="{ACC57CA2-30CA-4DDD-A941-8B9CC393DAFA}"/>
+              </a:ext>
+            </a:extLst>
+          </p:cNvPr>
+          <p:cNvSpPr txBox="1"/>
+          <p:nvPr/>
+        </p:nvSpPr>
+        <p:spPr>
+          <a:xfrm>
+            <a:off x="0" y="6490896"/>
+            <a:ext cx="3622432" cy="338554"/>
+          </a:xfrm>
+          <a:prstGeom prst="rect">
+            <a:avLst/>
+          </a:prstGeom>
+          <a:noFill/>
+        </p:spPr>
+        <p:txBody>
+          <a:bodyPr wrap="square" rtlCol="0">
+            <a:spAutoFit/>
+          </a:bodyPr>
+          <a:lstStyle/>
+          <a:p>
+            <a:r>
+              <a:rPr lang="en-PH" sz="1600">
+                <a:solidFill>
+                  <a:schemeClr val="bg1"/>
+                </a:solidFill>
+                <a:latin typeface="Abadi" panose="020B0604020104020204" pitchFamily="34" charset="0"/>
+                <a:cs typeface="Aharoni" panose="020B0604020202020204" pitchFamily="2" charset="-79"/>
+              </a:rPr>
+              <a:t>REINFORCEMENT LEARNING</a:t>
+            </a:r>
+          </a:p>
+        </p:txBody>
+      </p:sp>
+      <p:sp>
+        <p:nvSpPr>
+          <p:cNvPr id="15" name="TextBox 14">
+            <a:extLst>
+              <a:ext uri="{FF2B5EF4-FFF2-40B4-BE49-F238E27FC236}">
+                <a16:creationId xmlns:a16="http://schemas.microsoft.com/office/drawing/2014/main" id="{31237222-F604-49F1-8989-AF06AF20EDD3}"/>
+              </a:ext>
+            </a:extLst>
+          </p:cNvPr>
+          <p:cNvSpPr txBox="1"/>
+          <p:nvPr/>
+        </p:nvSpPr>
+        <p:spPr>
+          <a:xfrm>
+            <a:off x="9243646" y="6490896"/>
+            <a:ext cx="2948354" cy="338554"/>
+          </a:xfrm>
+          <a:prstGeom prst="rect">
+            <a:avLst/>
+          </a:prstGeom>
+          <a:noFill/>
+        </p:spPr>
+        <p:txBody>
+          <a:bodyPr wrap="square" rtlCol="0">
+            <a:spAutoFit/>
+          </a:bodyPr>
+          <a:lstStyle/>
+          <a:p>
+            <a:pPr algn="r"/>
+            <a:r>
+              <a:rPr lang="en-US" sz="1600">
+                <a:solidFill>
+                  <a:schemeClr val="bg1"/>
+                </a:solidFill>
+                <a:latin typeface="Abadi" panose="020B0604020104020204" pitchFamily="34" charset="0"/>
+              </a:rPr>
+              <a:t>Course Code: CCRNFLRL</a:t>
+            </a:r>
+            <a:endParaRPr lang="en-PH" sz="1600">
+              <a:solidFill>
+                <a:schemeClr val="bg1"/>
+              </a:solidFill>
+              <a:latin typeface="Abadi" panose="020B0604020104020204" pitchFamily="34" charset="0"/>
+            </a:endParaRPr>
+          </a:p>
+        </p:txBody>
+      </p:sp>
+      <p:sp>
+        <p:nvSpPr>
+          <p:cNvPr id="5" name="Title 4">
+            <a:extLst>
+              <a:ext uri="{FF2B5EF4-FFF2-40B4-BE49-F238E27FC236}">
+                <a16:creationId xmlns:a16="http://schemas.microsoft.com/office/drawing/2014/main" id="{EC47D021-EEC4-42AC-B4C3-BC584CB5BC9D}"/>
               </a:ext>
             </a:extLst>
           </p:cNvPr>
@@ -8624,94 +9928,2270 @@
             <a:spLocks noGrp="1"/>
           </p:cNvSpPr>
           <p:nvPr>
-            <p:ph idx="1"/>
+            <p:ph type="title"/>
           </p:nvPr>
         </p:nvSpPr>
         <p:spPr>
           <a:xfrm>
-            <a:off x="380999" y="1352550"/>
-            <a:ext cx="11343641" cy="4905375"/>
-          </a:xfrm>
-        </p:spPr>
-        <p:txBody>
-          <a:bodyPr>
-            <a:normAutofit/>
+            <a:off x="352425" y="292273"/>
+            <a:ext cx="11458574" cy="869778"/>
+          </a:xfrm>
+        </p:spPr>
+        <p:txBody>
+          <a:bodyPr/>
+          <a:lstStyle/>
+          <a:p>
+            <a:r>
+              <a:rPr lang="en-US" b="1" dirty="0">
+                <a:latin typeface="+mn-lt"/>
+              </a:rPr>
+              <a:t>Deep Q-Learning Training Algorithm</a:t>
+            </a:r>
+            <a:endParaRPr lang="en-PH" b="1" dirty="0">
+              <a:latin typeface="+mn-lt"/>
+            </a:endParaRPr>
+          </a:p>
+        </p:txBody>
+      </p:sp>
+      <p:sp>
+        <p:nvSpPr>
+          <p:cNvPr id="12" name="TextBox 11">
+            <a:extLst>
+              <a:ext uri="{FF2B5EF4-FFF2-40B4-BE49-F238E27FC236}">
+                <a16:creationId xmlns:a16="http://schemas.microsoft.com/office/drawing/2014/main" id="{08ABBB89-9023-9474-716A-C1DAF7270C57}"/>
+              </a:ext>
+            </a:extLst>
+          </p:cNvPr>
+          <p:cNvSpPr txBox="1"/>
+          <p:nvPr/>
+        </p:nvSpPr>
+        <p:spPr>
+          <a:xfrm>
+            <a:off x="266700" y="1596206"/>
+            <a:ext cx="11658600" cy="4154984"/>
+          </a:xfrm>
+          <a:prstGeom prst="rect">
+            <a:avLst/>
+          </a:prstGeom>
+          <a:noFill/>
+        </p:spPr>
+        <p:txBody>
+          <a:bodyPr wrap="square">
+            <a:spAutoFit/>
           </a:bodyPr>
           <a:lstStyle/>
           <a:p>
-            <a:pPr marL="457200" indent="-457200">
+            <a:pPr algn="l"/>
+            <a:r>
+              <a:rPr lang="en-PH" sz="2400" dirty="0"/>
+              <a:t>Deep Q-Learning training might suffer from </a:t>
+            </a:r>
+            <a:r>
+              <a:rPr lang="en-PH" sz="2400" b="1" dirty="0">
+                <a:solidFill>
+                  <a:srgbClr val="0070C0"/>
+                </a:solidFill>
+              </a:rPr>
+              <a:t>instability</a:t>
+            </a:r>
+            <a:r>
+              <a:rPr lang="en-PH" sz="2400" dirty="0"/>
+              <a:t>, mainly because of combining a non-linear Q-value function (Neural Network) and bootstrapping (when we update targets with existing estimates and not an actual complete return).</a:t>
+            </a:r>
+          </a:p>
+          <a:p>
+            <a:pPr marL="342900" indent="-342900" algn="l">
+              <a:buFont typeface="Wingdings" panose="05000000000000000000" pitchFamily="2" charset="2"/>
+              <a:buChar char="§"/>
+            </a:pPr>
+            <a:endParaRPr lang="en-PH" sz="2400" dirty="0"/>
+          </a:p>
+          <a:p>
+            <a:pPr marL="342900" indent="-342900" algn="l">
+              <a:buFont typeface="Wingdings" panose="05000000000000000000" pitchFamily="2" charset="2"/>
+              <a:buChar char="§"/>
+            </a:pPr>
+            <a:endParaRPr lang="en-PH" sz="2400" dirty="0"/>
+          </a:p>
+          <a:p>
+            <a:pPr algn="l"/>
+            <a:r>
+              <a:rPr lang="en-PH" sz="2400" dirty="0"/>
+              <a:t>To help us stabilize the training, we implement three different solutions:</a:t>
+            </a:r>
+          </a:p>
+          <a:p>
+            <a:pPr algn="l"/>
+            <a:endParaRPr lang="en-PH" sz="2400" dirty="0"/>
+          </a:p>
+          <a:p>
+            <a:pPr algn="l">
               <a:buFont typeface="+mj-lt"/>
               <a:buAutoNum type="arabicPeriod"/>
             </a:pPr>
             <a:r>
-              <a:rPr lang="en-US" sz="2000" dirty="0"/>
-              <a:t>Images are licensed with Creative Commons. Can use without citing.</a:t>
-            </a:r>
-          </a:p>
-          <a:p>
-            <a:pPr marL="457200" indent="-457200">
+              <a:rPr lang="en-PH" sz="2400" dirty="0"/>
+              <a:t> </a:t>
+            </a:r>
+            <a:r>
+              <a:rPr lang="en-PH" sz="2400" b="1" dirty="0">
+                <a:solidFill>
+                  <a:srgbClr val="0070C0"/>
+                </a:solidFill>
+              </a:rPr>
+              <a:t>Experience Replay </a:t>
+            </a:r>
+            <a:r>
+              <a:rPr lang="en-PH" sz="2400" dirty="0"/>
+              <a:t>to make more efficient use of experiences.</a:t>
+            </a:r>
+          </a:p>
+          <a:p>
+            <a:pPr algn="l">
               <a:buFont typeface="+mj-lt"/>
               <a:buAutoNum type="arabicPeriod"/>
             </a:pPr>
             <a:r>
-              <a:rPr lang="en-US" sz="2000" dirty="0"/>
-              <a:t>Prof. Emma </a:t>
-            </a:r>
-            <a:r>
-              <a:rPr lang="en-US" sz="2000" dirty="0" err="1"/>
-              <a:t>Brunskill’s</a:t>
-            </a:r>
-            <a:r>
-              <a:rPr lang="en-US" sz="2000" dirty="0"/>
-              <a:t> slides (CS234RL). </a:t>
-            </a:r>
-            <a:r>
-              <a:rPr lang="en-US" sz="2000" dirty="0">
-                <a:hlinkClick r:id="rId2"/>
-              </a:rPr>
-              <a:t>https://web.stanford.edu/class/cs234/slides/lecture1.pdf</a:t>
-            </a:r>
-            <a:endParaRPr lang="en-US" sz="2000" dirty="0"/>
-          </a:p>
-          <a:p>
-            <a:pPr marL="457200" indent="-457200">
+              <a:rPr lang="en-PH" sz="2400" dirty="0"/>
+              <a:t> </a:t>
+            </a:r>
+            <a:r>
+              <a:rPr lang="en-PH" sz="2400" b="1" dirty="0">
+                <a:solidFill>
+                  <a:srgbClr val="0070C0"/>
+                </a:solidFill>
+              </a:rPr>
+              <a:t>Fixed Q-Target </a:t>
+            </a:r>
+            <a:r>
+              <a:rPr lang="en-PH" sz="2400" dirty="0"/>
+              <a:t>to stabilize the training.</a:t>
+            </a:r>
+          </a:p>
+          <a:p>
+            <a:pPr algn="l">
               <a:buFont typeface="+mj-lt"/>
               <a:buAutoNum type="arabicPeriod"/>
             </a:pPr>
             <a:r>
-              <a:rPr lang="en-US" sz="2000" dirty="0"/>
-              <a:t>David Silver’s slides. </a:t>
-            </a:r>
-            <a:r>
-              <a:rPr lang="en-US" sz="2000" dirty="0">
-                <a:hlinkClick r:id="rId3"/>
-              </a:rPr>
-              <a:t>https://www.davidsilver.uk/wp-content/uploads/2020/03/intro_RL.pdf</a:t>
-            </a:r>
-            <a:endParaRPr lang="en-US" sz="2000" dirty="0"/>
-          </a:p>
-          <a:p>
-            <a:pPr marL="457200" indent="-457200">
+              <a:rPr lang="en-PH" sz="2400" dirty="0"/>
+              <a:t> </a:t>
+            </a:r>
+            <a:r>
+              <a:rPr lang="en-PH" sz="2400" b="1" dirty="0">
+                <a:solidFill>
+                  <a:srgbClr val="0070C0"/>
+                </a:solidFill>
+              </a:rPr>
+              <a:t>Double Deep Q-Learning</a:t>
+            </a:r>
+            <a:r>
+              <a:rPr lang="en-PH" sz="2400" dirty="0"/>
+              <a:t>, to handle the problem of the overestimation of Q-values.</a:t>
+            </a:r>
+          </a:p>
+          <a:p>
+            <a:pPr marL="342900" indent="-342900" algn="l">
+              <a:buFont typeface="Wingdings" panose="05000000000000000000" pitchFamily="2" charset="2"/>
+              <a:buChar char="§"/>
+            </a:pPr>
+            <a:endParaRPr lang="en-US" sz="2400" dirty="0"/>
+          </a:p>
+        </p:txBody>
+      </p:sp>
+    </p:spTree>
+    <p:extLst>
+      <p:ext uri="{BB962C8B-B14F-4D97-AF65-F5344CB8AC3E}">
+        <p14:creationId xmlns:p14="http://schemas.microsoft.com/office/powerpoint/2010/main" val="71895650"/>
+      </p:ext>
+    </p:extLst>
+  </p:cSld>
+  <p:clrMapOvr>
+    <a:masterClrMapping/>
+  </p:clrMapOvr>
+</p:sld>
+</file>
+
+<file path=ppt/slides/slide16.xml><?xml version="1.0" encoding="utf-8"?>
+<p:sld xmlns:a="http://schemas.openxmlformats.org/drawingml/2006/main" xmlns:r="http://schemas.openxmlformats.org/officeDocument/2006/relationships" xmlns:p="http://schemas.openxmlformats.org/presentationml/2006/main">
+  <p:cSld>
+    <p:spTree>
+      <p:nvGrpSpPr>
+        <p:cNvPr id="1" name=""/>
+        <p:cNvGrpSpPr/>
+        <p:nvPr/>
+      </p:nvGrpSpPr>
+      <p:grpSpPr>
+        <a:xfrm>
+          <a:off x="0" y="0"/>
+          <a:ext cx="0" cy="0"/>
+          <a:chOff x="0" y="0"/>
+          <a:chExt cx="0" cy="0"/>
+        </a:xfrm>
+      </p:grpSpPr>
+      <p:sp>
+        <p:nvSpPr>
+          <p:cNvPr id="6" name="TextBox 5">
+            <a:extLst>
+              <a:ext uri="{FF2B5EF4-FFF2-40B4-BE49-F238E27FC236}">
+                <a16:creationId xmlns:a16="http://schemas.microsoft.com/office/drawing/2014/main" id="{933CA7EB-D821-4578-A186-D330E9178EDE}"/>
+              </a:ext>
+            </a:extLst>
+          </p:cNvPr>
+          <p:cNvSpPr txBox="1"/>
+          <p:nvPr/>
+        </p:nvSpPr>
+        <p:spPr>
+          <a:xfrm>
+            <a:off x="87923" y="28551"/>
+            <a:ext cx="3622432" cy="338554"/>
+          </a:xfrm>
+          <a:prstGeom prst="rect">
+            <a:avLst/>
+          </a:prstGeom>
+          <a:noFill/>
+        </p:spPr>
+        <p:txBody>
+          <a:bodyPr wrap="square" rtlCol="0">
+            <a:spAutoFit/>
+          </a:bodyPr>
+          <a:lstStyle/>
+          <a:p>
+            <a:r>
+              <a:rPr lang="en-PH" sz="1600">
+                <a:solidFill>
+                  <a:schemeClr val="bg1"/>
+                </a:solidFill>
+                <a:latin typeface="Abadi" panose="020B0604020104020204" pitchFamily="34" charset="0"/>
+                <a:cs typeface="Aharoni" panose="020B0604020202020204" pitchFamily="2" charset="-79"/>
+              </a:rPr>
+              <a:t>INTRODUCTION TO COMPUTING</a:t>
+            </a:r>
+          </a:p>
+        </p:txBody>
+      </p:sp>
+      <p:sp>
+        <p:nvSpPr>
+          <p:cNvPr id="7" name="TextBox 6">
+            <a:extLst>
+              <a:ext uri="{FF2B5EF4-FFF2-40B4-BE49-F238E27FC236}">
+                <a16:creationId xmlns:a16="http://schemas.microsoft.com/office/drawing/2014/main" id="{9B128FD4-EE77-4086-837E-5EAF83B0DDD1}"/>
+              </a:ext>
+            </a:extLst>
+          </p:cNvPr>
+          <p:cNvSpPr txBox="1"/>
+          <p:nvPr/>
+        </p:nvSpPr>
+        <p:spPr>
+          <a:xfrm>
+            <a:off x="9182099" y="13190"/>
+            <a:ext cx="2948354" cy="338554"/>
+          </a:xfrm>
+          <a:prstGeom prst="rect">
+            <a:avLst/>
+          </a:prstGeom>
+          <a:noFill/>
+        </p:spPr>
+        <p:txBody>
+          <a:bodyPr wrap="square" rtlCol="0">
+            <a:spAutoFit/>
+          </a:bodyPr>
+          <a:lstStyle/>
+          <a:p>
+            <a:pPr algn="r"/>
+            <a:r>
+              <a:rPr lang="en-US" sz="1600" dirty="0">
+                <a:solidFill>
+                  <a:schemeClr val="bg1"/>
+                </a:solidFill>
+              </a:rPr>
+              <a:t>Course Code: CCINCOM/L</a:t>
+            </a:r>
+            <a:endParaRPr lang="en-PH" sz="1600" dirty="0">
+              <a:solidFill>
+                <a:schemeClr val="bg1"/>
+              </a:solidFill>
+              <a:latin typeface="Abadi" panose="020B0604020202020204" pitchFamily="34" charset="0"/>
+            </a:endParaRPr>
+          </a:p>
+        </p:txBody>
+      </p:sp>
+      <p:sp>
+        <p:nvSpPr>
+          <p:cNvPr id="8" name="TextBox 7">
+            <a:extLst>
+              <a:ext uri="{FF2B5EF4-FFF2-40B4-BE49-F238E27FC236}">
+                <a16:creationId xmlns:a16="http://schemas.microsoft.com/office/drawing/2014/main" id="{B95C7AD6-4918-4294-AA88-B72FB28833FE}"/>
+              </a:ext>
+            </a:extLst>
+          </p:cNvPr>
+          <p:cNvSpPr txBox="1"/>
+          <p:nvPr/>
+        </p:nvSpPr>
+        <p:spPr>
+          <a:xfrm>
+            <a:off x="0" y="6479929"/>
+            <a:ext cx="2461846" cy="338554"/>
+          </a:xfrm>
+          <a:prstGeom prst="rect">
+            <a:avLst/>
+          </a:prstGeom>
+          <a:noFill/>
+        </p:spPr>
+        <p:txBody>
+          <a:bodyPr wrap="square" rtlCol="0">
+            <a:spAutoFit/>
+          </a:bodyPr>
+          <a:lstStyle/>
+          <a:p>
+            <a:pPr algn="ctr"/>
+            <a:r>
+              <a:rPr lang="en-PH" sz="1600">
+                <a:solidFill>
+                  <a:schemeClr val="bg1"/>
+                </a:solidFill>
+                <a:latin typeface="Abadi" panose="020B0604020202020204" pitchFamily="34" charset="0"/>
+              </a:rPr>
+              <a:t>Joseph Marvin R. Imperial</a:t>
+            </a:r>
+          </a:p>
+        </p:txBody>
+      </p:sp>
+      <p:sp>
+        <p:nvSpPr>
+          <p:cNvPr id="9" name="TextBox 8">
+            <a:extLst>
+              <a:ext uri="{FF2B5EF4-FFF2-40B4-BE49-F238E27FC236}">
+                <a16:creationId xmlns:a16="http://schemas.microsoft.com/office/drawing/2014/main" id="{C3136E3D-4CFD-4EFC-98AB-367D0EF3C06B}"/>
+              </a:ext>
+            </a:extLst>
+          </p:cNvPr>
+          <p:cNvSpPr txBox="1"/>
+          <p:nvPr/>
+        </p:nvSpPr>
+        <p:spPr>
+          <a:xfrm>
+            <a:off x="7086601" y="6490896"/>
+            <a:ext cx="5105399" cy="338554"/>
+          </a:xfrm>
+          <a:prstGeom prst="rect">
+            <a:avLst/>
+          </a:prstGeom>
+          <a:noFill/>
+        </p:spPr>
+        <p:txBody>
+          <a:bodyPr wrap="square" rtlCol="0">
+            <a:spAutoFit/>
+          </a:bodyPr>
+          <a:lstStyle/>
+          <a:p>
+            <a:pPr algn="r"/>
+            <a:r>
+              <a:rPr lang="en-PH" sz="1600">
+                <a:solidFill>
+                  <a:schemeClr val="bg1"/>
+                </a:solidFill>
+                <a:latin typeface="Abadi" panose="020B0604020202020204" pitchFamily="34" charset="0"/>
+              </a:rPr>
+              <a:t>NU College of Computing and Information Technologies</a:t>
+            </a:r>
+          </a:p>
+        </p:txBody>
+      </p:sp>
+      <p:sp>
+        <p:nvSpPr>
+          <p:cNvPr id="13" name="Rectangle 12">
+            <a:extLst>
+              <a:ext uri="{FF2B5EF4-FFF2-40B4-BE49-F238E27FC236}">
+                <a16:creationId xmlns:a16="http://schemas.microsoft.com/office/drawing/2014/main" id="{251B30DC-ACC5-404F-B51D-13612F115E3E}"/>
+              </a:ext>
+            </a:extLst>
+          </p:cNvPr>
+          <p:cNvSpPr/>
+          <p:nvPr/>
+        </p:nvSpPr>
+        <p:spPr>
+          <a:xfrm>
+            <a:off x="0" y="6462346"/>
+            <a:ext cx="12192000" cy="395654"/>
+          </a:xfrm>
+          <a:prstGeom prst="rect">
+            <a:avLst/>
+          </a:prstGeom>
+          <a:solidFill>
+            <a:schemeClr val="accent5">
+              <a:lumMod val="50000"/>
+            </a:schemeClr>
+          </a:solidFill>
+          <a:effectLst>
+            <a:outerShdw blurRad="50800" dist="38100" dir="2700000" algn="tl" rotWithShape="0">
+              <a:prstClr val="black">
+                <a:alpha val="40000"/>
+              </a:prstClr>
+            </a:outerShdw>
+          </a:effectLst>
+        </p:spPr>
+        <p:style>
+          <a:lnRef idx="2">
+            <a:schemeClr val="accent1">
+              <a:shade val="50000"/>
+            </a:schemeClr>
+          </a:lnRef>
+          <a:fillRef idx="1">
+            <a:schemeClr val="accent1"/>
+          </a:fillRef>
+          <a:effectRef idx="0">
+            <a:schemeClr val="accent1"/>
+          </a:effectRef>
+          <a:fontRef idx="minor">
+            <a:schemeClr val="lt1"/>
+          </a:fontRef>
+        </p:style>
+        <p:txBody>
+          <a:bodyPr rtlCol="0" anchor="ctr"/>
+          <a:lstStyle/>
+          <a:p>
+            <a:pPr algn="ctr"/>
+            <a:endParaRPr lang="en-PH"/>
+          </a:p>
+        </p:txBody>
+      </p:sp>
+      <p:sp>
+        <p:nvSpPr>
+          <p:cNvPr id="14" name="TextBox 13">
+            <a:extLst>
+              <a:ext uri="{FF2B5EF4-FFF2-40B4-BE49-F238E27FC236}">
+                <a16:creationId xmlns:a16="http://schemas.microsoft.com/office/drawing/2014/main" id="{ACC57CA2-30CA-4DDD-A941-8B9CC393DAFA}"/>
+              </a:ext>
+            </a:extLst>
+          </p:cNvPr>
+          <p:cNvSpPr txBox="1"/>
+          <p:nvPr/>
+        </p:nvSpPr>
+        <p:spPr>
+          <a:xfrm>
+            <a:off x="0" y="6490896"/>
+            <a:ext cx="3622432" cy="338554"/>
+          </a:xfrm>
+          <a:prstGeom prst="rect">
+            <a:avLst/>
+          </a:prstGeom>
+          <a:noFill/>
+        </p:spPr>
+        <p:txBody>
+          <a:bodyPr wrap="square" rtlCol="0">
+            <a:spAutoFit/>
+          </a:bodyPr>
+          <a:lstStyle/>
+          <a:p>
+            <a:r>
+              <a:rPr lang="en-PH" sz="1600">
+                <a:solidFill>
+                  <a:schemeClr val="bg1"/>
+                </a:solidFill>
+                <a:latin typeface="Abadi" panose="020B0604020104020204" pitchFamily="34" charset="0"/>
+                <a:cs typeface="Aharoni" panose="020B0604020202020204" pitchFamily="2" charset="-79"/>
+              </a:rPr>
+              <a:t>REINFORCEMENT LEARNING</a:t>
+            </a:r>
+          </a:p>
+        </p:txBody>
+      </p:sp>
+      <p:sp>
+        <p:nvSpPr>
+          <p:cNvPr id="15" name="TextBox 14">
+            <a:extLst>
+              <a:ext uri="{FF2B5EF4-FFF2-40B4-BE49-F238E27FC236}">
+                <a16:creationId xmlns:a16="http://schemas.microsoft.com/office/drawing/2014/main" id="{31237222-F604-49F1-8989-AF06AF20EDD3}"/>
+              </a:ext>
+            </a:extLst>
+          </p:cNvPr>
+          <p:cNvSpPr txBox="1"/>
+          <p:nvPr/>
+        </p:nvSpPr>
+        <p:spPr>
+          <a:xfrm>
+            <a:off x="9243646" y="6490896"/>
+            <a:ext cx="2948354" cy="338554"/>
+          </a:xfrm>
+          <a:prstGeom prst="rect">
+            <a:avLst/>
+          </a:prstGeom>
+          <a:noFill/>
+        </p:spPr>
+        <p:txBody>
+          <a:bodyPr wrap="square" rtlCol="0">
+            <a:spAutoFit/>
+          </a:bodyPr>
+          <a:lstStyle/>
+          <a:p>
+            <a:pPr algn="r"/>
+            <a:r>
+              <a:rPr lang="en-US" sz="1600">
+                <a:solidFill>
+                  <a:schemeClr val="bg1"/>
+                </a:solidFill>
+                <a:latin typeface="Abadi" panose="020B0604020104020204" pitchFamily="34" charset="0"/>
+              </a:rPr>
+              <a:t>Course Code: CCRNFLRL</a:t>
+            </a:r>
+            <a:endParaRPr lang="en-PH" sz="1600">
+              <a:solidFill>
+                <a:schemeClr val="bg1"/>
+              </a:solidFill>
+              <a:latin typeface="Abadi" panose="020B0604020104020204" pitchFamily="34" charset="0"/>
+            </a:endParaRPr>
+          </a:p>
+        </p:txBody>
+      </p:sp>
+      <p:sp>
+        <p:nvSpPr>
+          <p:cNvPr id="5" name="Title 4">
+            <a:extLst>
+              <a:ext uri="{FF2B5EF4-FFF2-40B4-BE49-F238E27FC236}">
+                <a16:creationId xmlns:a16="http://schemas.microsoft.com/office/drawing/2014/main" id="{EC47D021-EEC4-42AC-B4C3-BC584CB5BC9D}"/>
+              </a:ext>
+            </a:extLst>
+          </p:cNvPr>
+          <p:cNvSpPr>
+            <a:spLocks noGrp="1"/>
+          </p:cNvSpPr>
+          <p:nvPr>
+            <p:ph type="title"/>
+          </p:nvPr>
+        </p:nvSpPr>
+        <p:spPr>
+          <a:xfrm>
+            <a:off x="352425" y="292273"/>
+            <a:ext cx="11458574" cy="869778"/>
+          </a:xfrm>
+        </p:spPr>
+        <p:txBody>
+          <a:bodyPr/>
+          <a:lstStyle/>
+          <a:p>
+            <a:r>
+              <a:rPr lang="en-US" b="1" dirty="0">
+                <a:latin typeface="+mn-lt"/>
+              </a:rPr>
+              <a:t>Experience Replay</a:t>
+            </a:r>
+            <a:endParaRPr lang="en-PH" b="1" dirty="0">
+              <a:latin typeface="+mn-lt"/>
+            </a:endParaRPr>
+          </a:p>
+        </p:txBody>
+      </p:sp>
+      <p:sp>
+        <p:nvSpPr>
+          <p:cNvPr id="12" name="TextBox 11">
+            <a:extLst>
+              <a:ext uri="{FF2B5EF4-FFF2-40B4-BE49-F238E27FC236}">
+                <a16:creationId xmlns:a16="http://schemas.microsoft.com/office/drawing/2014/main" id="{08ABBB89-9023-9474-716A-C1DAF7270C57}"/>
+              </a:ext>
+            </a:extLst>
+          </p:cNvPr>
+          <p:cNvSpPr txBox="1"/>
+          <p:nvPr/>
+        </p:nvSpPr>
+        <p:spPr>
+          <a:xfrm>
+            <a:off x="266700" y="1425773"/>
+            <a:ext cx="11658600" cy="4524315"/>
+          </a:xfrm>
+          <a:prstGeom prst="rect">
+            <a:avLst/>
+          </a:prstGeom>
+          <a:noFill/>
+        </p:spPr>
+        <p:txBody>
+          <a:bodyPr wrap="square">
+            <a:spAutoFit/>
+          </a:bodyPr>
+          <a:lstStyle/>
+          <a:p>
+            <a:pPr algn="l"/>
+            <a:r>
+              <a:rPr lang="en-PH" sz="2400" dirty="0"/>
+              <a:t>Experience Replay to make more efficient use of experiences</a:t>
+            </a:r>
+          </a:p>
+          <a:p>
+            <a:pPr algn="l"/>
+            <a:endParaRPr lang="en-PH" sz="2400" dirty="0"/>
+          </a:p>
+          <a:p>
+            <a:pPr algn="l"/>
+            <a:r>
+              <a:rPr lang="en-PH" sz="2400" dirty="0"/>
+              <a:t>Experience Replay in Deep Q-Learning has two functions:</a:t>
+            </a:r>
+          </a:p>
+          <a:p>
+            <a:pPr algn="l"/>
+            <a:endParaRPr lang="en-PH" sz="2400" dirty="0"/>
+          </a:p>
+          <a:p>
+            <a:pPr algn="l">
               <a:buFont typeface="+mj-lt"/>
               <a:buAutoNum type="arabicPeriod"/>
             </a:pPr>
             <a:r>
-              <a:rPr lang="en-US" sz="2000" dirty="0"/>
-              <a:t>https://huggingface.co/learn/deep-rl-course/unit3/deep-q-algorithm?fw=pt</a:t>
-            </a:r>
-          </a:p>
-          <a:p>
-            <a:pPr marL="0" indent="0">
-              <a:buNone/>
+              <a:rPr lang="en-PH" sz="2400" b="1" dirty="0">
+                <a:solidFill>
+                  <a:srgbClr val="0070C0"/>
+                </a:solidFill>
+              </a:rPr>
+              <a:t> Make more efficient use of the experiences during the training</a:t>
+            </a:r>
+            <a:r>
+              <a:rPr lang="en-PH" sz="2400" dirty="0"/>
+              <a:t>. Usually, in online reinforcement learning, the agent interacts with the environment, gets experiences learns from them and discards them. </a:t>
+            </a:r>
+            <a:r>
+              <a:rPr lang="en-PH" sz="2400" b="1" dirty="0">
+                <a:solidFill>
+                  <a:srgbClr val="FF0000"/>
+                </a:solidFill>
+              </a:rPr>
+              <a:t>This is not efficient</a:t>
+            </a:r>
+            <a:r>
+              <a:rPr lang="en-PH" sz="2400" dirty="0"/>
+              <a:t>.</a:t>
+            </a:r>
+          </a:p>
+          <a:p>
+            <a:pPr algn="l">
+              <a:buFont typeface="+mj-lt"/>
+              <a:buAutoNum type="arabicPeriod"/>
             </a:pPr>
-            <a:endParaRPr lang="en-US" sz="2000" dirty="0"/>
+            <a:endParaRPr lang="en-PH" sz="2400" dirty="0"/>
+          </a:p>
+          <a:p>
+            <a:pPr algn="l"/>
+            <a:r>
+              <a:rPr lang="en-PH" sz="2400" dirty="0"/>
+              <a:t>Experience replay helps by using the experiences of the training more efficiently. We use a replay buffer that saves experience samples that we can reuse during the training.</a:t>
+            </a:r>
+          </a:p>
+          <a:p>
+            <a:pPr marL="342900" indent="-342900" algn="l">
+              <a:buFont typeface="Wingdings" panose="05000000000000000000" pitchFamily="2" charset="2"/>
+              <a:buChar char="§"/>
+            </a:pPr>
+            <a:endParaRPr lang="en-US" sz="2400" dirty="0"/>
+          </a:p>
+          <a:p>
+            <a:pPr algn="l"/>
+            <a:r>
+              <a:rPr lang="en-PH" sz="2400" dirty="0"/>
+              <a:t>This allows the agent to </a:t>
+            </a:r>
+            <a:r>
+              <a:rPr lang="en-PH" sz="2400" b="1" dirty="0">
+                <a:solidFill>
+                  <a:srgbClr val="0070C0"/>
+                </a:solidFill>
+              </a:rPr>
+              <a:t>learn from the same experiences multiple times.</a:t>
+            </a:r>
+            <a:endParaRPr lang="en-US" sz="2400" b="1" dirty="0">
+              <a:solidFill>
+                <a:srgbClr val="0070C0"/>
+              </a:solidFill>
+            </a:endParaRPr>
           </a:p>
         </p:txBody>
       </p:sp>
     </p:spTree>
     <p:extLst>
       <p:ext uri="{BB962C8B-B14F-4D97-AF65-F5344CB8AC3E}">
-        <p14:creationId xmlns:p14="http://schemas.microsoft.com/office/powerpoint/2010/main" val="31654266"/>
+        <p14:creationId xmlns:p14="http://schemas.microsoft.com/office/powerpoint/2010/main" val="306723545"/>
+      </p:ext>
+    </p:extLst>
+  </p:cSld>
+  <p:clrMapOvr>
+    <a:masterClrMapping/>
+  </p:clrMapOvr>
+</p:sld>
+</file>
+
+<file path=ppt/slides/slide17.xml><?xml version="1.0" encoding="utf-8"?>
+<p:sld xmlns:a="http://schemas.openxmlformats.org/drawingml/2006/main" xmlns:r="http://schemas.openxmlformats.org/officeDocument/2006/relationships" xmlns:p="http://schemas.openxmlformats.org/presentationml/2006/main">
+  <p:cSld>
+    <p:spTree>
+      <p:nvGrpSpPr>
+        <p:cNvPr id="1" name=""/>
+        <p:cNvGrpSpPr/>
+        <p:nvPr/>
+      </p:nvGrpSpPr>
+      <p:grpSpPr>
+        <a:xfrm>
+          <a:off x="0" y="0"/>
+          <a:ext cx="0" cy="0"/>
+          <a:chOff x="0" y="0"/>
+          <a:chExt cx="0" cy="0"/>
+        </a:xfrm>
+      </p:grpSpPr>
+      <p:sp>
+        <p:nvSpPr>
+          <p:cNvPr id="6" name="TextBox 5">
+            <a:extLst>
+              <a:ext uri="{FF2B5EF4-FFF2-40B4-BE49-F238E27FC236}">
+                <a16:creationId xmlns:a16="http://schemas.microsoft.com/office/drawing/2014/main" id="{933CA7EB-D821-4578-A186-D330E9178EDE}"/>
+              </a:ext>
+            </a:extLst>
+          </p:cNvPr>
+          <p:cNvSpPr txBox="1"/>
+          <p:nvPr/>
+        </p:nvSpPr>
+        <p:spPr>
+          <a:xfrm>
+            <a:off x="87923" y="28551"/>
+            <a:ext cx="3622432" cy="338554"/>
+          </a:xfrm>
+          <a:prstGeom prst="rect">
+            <a:avLst/>
+          </a:prstGeom>
+          <a:noFill/>
+        </p:spPr>
+        <p:txBody>
+          <a:bodyPr wrap="square" rtlCol="0">
+            <a:spAutoFit/>
+          </a:bodyPr>
+          <a:lstStyle/>
+          <a:p>
+            <a:r>
+              <a:rPr lang="en-PH" sz="1600">
+                <a:solidFill>
+                  <a:schemeClr val="bg1"/>
+                </a:solidFill>
+                <a:latin typeface="Abadi" panose="020B0604020104020204" pitchFamily="34" charset="0"/>
+                <a:cs typeface="Aharoni" panose="020B0604020202020204" pitchFamily="2" charset="-79"/>
+              </a:rPr>
+              <a:t>INTRODUCTION TO COMPUTING</a:t>
+            </a:r>
+          </a:p>
+        </p:txBody>
+      </p:sp>
+      <p:sp>
+        <p:nvSpPr>
+          <p:cNvPr id="7" name="TextBox 6">
+            <a:extLst>
+              <a:ext uri="{FF2B5EF4-FFF2-40B4-BE49-F238E27FC236}">
+                <a16:creationId xmlns:a16="http://schemas.microsoft.com/office/drawing/2014/main" id="{9B128FD4-EE77-4086-837E-5EAF83B0DDD1}"/>
+              </a:ext>
+            </a:extLst>
+          </p:cNvPr>
+          <p:cNvSpPr txBox="1"/>
+          <p:nvPr/>
+        </p:nvSpPr>
+        <p:spPr>
+          <a:xfrm>
+            <a:off x="9182099" y="13190"/>
+            <a:ext cx="2948354" cy="338554"/>
+          </a:xfrm>
+          <a:prstGeom prst="rect">
+            <a:avLst/>
+          </a:prstGeom>
+          <a:noFill/>
+        </p:spPr>
+        <p:txBody>
+          <a:bodyPr wrap="square" rtlCol="0">
+            <a:spAutoFit/>
+          </a:bodyPr>
+          <a:lstStyle/>
+          <a:p>
+            <a:pPr algn="r"/>
+            <a:r>
+              <a:rPr lang="en-US" sz="1600" dirty="0">
+                <a:solidFill>
+                  <a:schemeClr val="bg1"/>
+                </a:solidFill>
+              </a:rPr>
+              <a:t>Course Code: CCINCOM/L</a:t>
+            </a:r>
+            <a:endParaRPr lang="en-PH" sz="1600" dirty="0">
+              <a:solidFill>
+                <a:schemeClr val="bg1"/>
+              </a:solidFill>
+              <a:latin typeface="Abadi" panose="020B0604020202020204" pitchFamily="34" charset="0"/>
+            </a:endParaRPr>
+          </a:p>
+        </p:txBody>
+      </p:sp>
+      <p:sp>
+        <p:nvSpPr>
+          <p:cNvPr id="8" name="TextBox 7">
+            <a:extLst>
+              <a:ext uri="{FF2B5EF4-FFF2-40B4-BE49-F238E27FC236}">
+                <a16:creationId xmlns:a16="http://schemas.microsoft.com/office/drawing/2014/main" id="{B95C7AD6-4918-4294-AA88-B72FB28833FE}"/>
+              </a:ext>
+            </a:extLst>
+          </p:cNvPr>
+          <p:cNvSpPr txBox="1"/>
+          <p:nvPr/>
+        </p:nvSpPr>
+        <p:spPr>
+          <a:xfrm>
+            <a:off x="0" y="6479929"/>
+            <a:ext cx="2461846" cy="338554"/>
+          </a:xfrm>
+          <a:prstGeom prst="rect">
+            <a:avLst/>
+          </a:prstGeom>
+          <a:noFill/>
+        </p:spPr>
+        <p:txBody>
+          <a:bodyPr wrap="square" rtlCol="0">
+            <a:spAutoFit/>
+          </a:bodyPr>
+          <a:lstStyle/>
+          <a:p>
+            <a:pPr algn="ctr"/>
+            <a:r>
+              <a:rPr lang="en-PH" sz="1600">
+                <a:solidFill>
+                  <a:schemeClr val="bg1"/>
+                </a:solidFill>
+                <a:latin typeface="Abadi" panose="020B0604020202020204" pitchFamily="34" charset="0"/>
+              </a:rPr>
+              <a:t>Joseph Marvin R. Imperial</a:t>
+            </a:r>
+          </a:p>
+        </p:txBody>
+      </p:sp>
+      <p:sp>
+        <p:nvSpPr>
+          <p:cNvPr id="9" name="TextBox 8">
+            <a:extLst>
+              <a:ext uri="{FF2B5EF4-FFF2-40B4-BE49-F238E27FC236}">
+                <a16:creationId xmlns:a16="http://schemas.microsoft.com/office/drawing/2014/main" id="{C3136E3D-4CFD-4EFC-98AB-367D0EF3C06B}"/>
+              </a:ext>
+            </a:extLst>
+          </p:cNvPr>
+          <p:cNvSpPr txBox="1"/>
+          <p:nvPr/>
+        </p:nvSpPr>
+        <p:spPr>
+          <a:xfrm>
+            <a:off x="7086601" y="6490896"/>
+            <a:ext cx="5105399" cy="338554"/>
+          </a:xfrm>
+          <a:prstGeom prst="rect">
+            <a:avLst/>
+          </a:prstGeom>
+          <a:noFill/>
+        </p:spPr>
+        <p:txBody>
+          <a:bodyPr wrap="square" rtlCol="0">
+            <a:spAutoFit/>
+          </a:bodyPr>
+          <a:lstStyle/>
+          <a:p>
+            <a:pPr algn="r"/>
+            <a:r>
+              <a:rPr lang="en-PH" sz="1600">
+                <a:solidFill>
+                  <a:schemeClr val="bg1"/>
+                </a:solidFill>
+                <a:latin typeface="Abadi" panose="020B0604020202020204" pitchFamily="34" charset="0"/>
+              </a:rPr>
+              <a:t>NU College of Computing and Information Technologies</a:t>
+            </a:r>
+          </a:p>
+        </p:txBody>
+      </p:sp>
+      <p:sp>
+        <p:nvSpPr>
+          <p:cNvPr id="13" name="Rectangle 12">
+            <a:extLst>
+              <a:ext uri="{FF2B5EF4-FFF2-40B4-BE49-F238E27FC236}">
+                <a16:creationId xmlns:a16="http://schemas.microsoft.com/office/drawing/2014/main" id="{251B30DC-ACC5-404F-B51D-13612F115E3E}"/>
+              </a:ext>
+            </a:extLst>
+          </p:cNvPr>
+          <p:cNvSpPr/>
+          <p:nvPr/>
+        </p:nvSpPr>
+        <p:spPr>
+          <a:xfrm>
+            <a:off x="0" y="6462346"/>
+            <a:ext cx="12192000" cy="395654"/>
+          </a:xfrm>
+          <a:prstGeom prst="rect">
+            <a:avLst/>
+          </a:prstGeom>
+          <a:solidFill>
+            <a:schemeClr val="accent5">
+              <a:lumMod val="50000"/>
+            </a:schemeClr>
+          </a:solidFill>
+          <a:effectLst>
+            <a:outerShdw blurRad="50800" dist="38100" dir="2700000" algn="tl" rotWithShape="0">
+              <a:prstClr val="black">
+                <a:alpha val="40000"/>
+              </a:prstClr>
+            </a:outerShdw>
+          </a:effectLst>
+        </p:spPr>
+        <p:style>
+          <a:lnRef idx="2">
+            <a:schemeClr val="accent1">
+              <a:shade val="50000"/>
+            </a:schemeClr>
+          </a:lnRef>
+          <a:fillRef idx="1">
+            <a:schemeClr val="accent1"/>
+          </a:fillRef>
+          <a:effectRef idx="0">
+            <a:schemeClr val="accent1"/>
+          </a:effectRef>
+          <a:fontRef idx="minor">
+            <a:schemeClr val="lt1"/>
+          </a:fontRef>
+        </p:style>
+        <p:txBody>
+          <a:bodyPr rtlCol="0" anchor="ctr"/>
+          <a:lstStyle/>
+          <a:p>
+            <a:pPr algn="ctr"/>
+            <a:endParaRPr lang="en-PH"/>
+          </a:p>
+        </p:txBody>
+      </p:sp>
+      <p:sp>
+        <p:nvSpPr>
+          <p:cNvPr id="14" name="TextBox 13">
+            <a:extLst>
+              <a:ext uri="{FF2B5EF4-FFF2-40B4-BE49-F238E27FC236}">
+                <a16:creationId xmlns:a16="http://schemas.microsoft.com/office/drawing/2014/main" id="{ACC57CA2-30CA-4DDD-A941-8B9CC393DAFA}"/>
+              </a:ext>
+            </a:extLst>
+          </p:cNvPr>
+          <p:cNvSpPr txBox="1"/>
+          <p:nvPr/>
+        </p:nvSpPr>
+        <p:spPr>
+          <a:xfrm>
+            <a:off x="0" y="6490896"/>
+            <a:ext cx="3622432" cy="338554"/>
+          </a:xfrm>
+          <a:prstGeom prst="rect">
+            <a:avLst/>
+          </a:prstGeom>
+          <a:noFill/>
+        </p:spPr>
+        <p:txBody>
+          <a:bodyPr wrap="square" rtlCol="0">
+            <a:spAutoFit/>
+          </a:bodyPr>
+          <a:lstStyle/>
+          <a:p>
+            <a:r>
+              <a:rPr lang="en-PH" sz="1600">
+                <a:solidFill>
+                  <a:schemeClr val="bg1"/>
+                </a:solidFill>
+                <a:latin typeface="Abadi" panose="020B0604020104020204" pitchFamily="34" charset="0"/>
+                <a:cs typeface="Aharoni" panose="020B0604020202020204" pitchFamily="2" charset="-79"/>
+              </a:rPr>
+              <a:t>REINFORCEMENT LEARNING</a:t>
+            </a:r>
+          </a:p>
+        </p:txBody>
+      </p:sp>
+      <p:sp>
+        <p:nvSpPr>
+          <p:cNvPr id="15" name="TextBox 14">
+            <a:extLst>
+              <a:ext uri="{FF2B5EF4-FFF2-40B4-BE49-F238E27FC236}">
+                <a16:creationId xmlns:a16="http://schemas.microsoft.com/office/drawing/2014/main" id="{31237222-F604-49F1-8989-AF06AF20EDD3}"/>
+              </a:ext>
+            </a:extLst>
+          </p:cNvPr>
+          <p:cNvSpPr txBox="1"/>
+          <p:nvPr/>
+        </p:nvSpPr>
+        <p:spPr>
+          <a:xfrm>
+            <a:off x="9243646" y="6490896"/>
+            <a:ext cx="2948354" cy="338554"/>
+          </a:xfrm>
+          <a:prstGeom prst="rect">
+            <a:avLst/>
+          </a:prstGeom>
+          <a:noFill/>
+        </p:spPr>
+        <p:txBody>
+          <a:bodyPr wrap="square" rtlCol="0">
+            <a:spAutoFit/>
+          </a:bodyPr>
+          <a:lstStyle/>
+          <a:p>
+            <a:pPr algn="r"/>
+            <a:r>
+              <a:rPr lang="en-US" sz="1600">
+                <a:solidFill>
+                  <a:schemeClr val="bg1"/>
+                </a:solidFill>
+                <a:latin typeface="Abadi" panose="020B0604020104020204" pitchFamily="34" charset="0"/>
+              </a:rPr>
+              <a:t>Course Code: CCRNFLRL</a:t>
+            </a:r>
+            <a:endParaRPr lang="en-PH" sz="1600">
+              <a:solidFill>
+                <a:schemeClr val="bg1"/>
+              </a:solidFill>
+              <a:latin typeface="Abadi" panose="020B0604020104020204" pitchFamily="34" charset="0"/>
+            </a:endParaRPr>
+          </a:p>
+        </p:txBody>
+      </p:sp>
+      <p:sp>
+        <p:nvSpPr>
+          <p:cNvPr id="5" name="Title 4">
+            <a:extLst>
+              <a:ext uri="{FF2B5EF4-FFF2-40B4-BE49-F238E27FC236}">
+                <a16:creationId xmlns:a16="http://schemas.microsoft.com/office/drawing/2014/main" id="{EC47D021-EEC4-42AC-B4C3-BC584CB5BC9D}"/>
+              </a:ext>
+            </a:extLst>
+          </p:cNvPr>
+          <p:cNvSpPr>
+            <a:spLocks noGrp="1"/>
+          </p:cNvSpPr>
+          <p:nvPr>
+            <p:ph type="title"/>
+          </p:nvPr>
+        </p:nvSpPr>
+        <p:spPr>
+          <a:xfrm>
+            <a:off x="352425" y="292273"/>
+            <a:ext cx="11458574" cy="869778"/>
+          </a:xfrm>
+        </p:spPr>
+        <p:txBody>
+          <a:bodyPr/>
+          <a:lstStyle/>
+          <a:p>
+            <a:r>
+              <a:rPr lang="en-US" b="1" dirty="0">
+                <a:latin typeface="+mn-lt"/>
+              </a:rPr>
+              <a:t>Experience Replay</a:t>
+            </a:r>
+            <a:endParaRPr lang="en-PH" b="1" dirty="0">
+              <a:latin typeface="+mn-lt"/>
+            </a:endParaRPr>
+          </a:p>
+        </p:txBody>
+      </p:sp>
+      <p:sp>
+        <p:nvSpPr>
+          <p:cNvPr id="12" name="TextBox 11">
+            <a:extLst>
+              <a:ext uri="{FF2B5EF4-FFF2-40B4-BE49-F238E27FC236}">
+                <a16:creationId xmlns:a16="http://schemas.microsoft.com/office/drawing/2014/main" id="{08ABBB89-9023-9474-716A-C1DAF7270C57}"/>
+              </a:ext>
+            </a:extLst>
+          </p:cNvPr>
+          <p:cNvSpPr txBox="1"/>
+          <p:nvPr/>
+        </p:nvSpPr>
+        <p:spPr>
+          <a:xfrm>
+            <a:off x="266700" y="1425773"/>
+            <a:ext cx="11658600" cy="2308324"/>
+          </a:xfrm>
+          <a:prstGeom prst="rect">
+            <a:avLst/>
+          </a:prstGeom>
+          <a:noFill/>
+        </p:spPr>
+        <p:txBody>
+          <a:bodyPr wrap="square">
+            <a:spAutoFit/>
+          </a:bodyPr>
+          <a:lstStyle/>
+          <a:p>
+            <a:pPr algn="l">
+              <a:buFont typeface="+mj-lt"/>
+              <a:buAutoNum type="arabicPeriod" startAt="2"/>
+            </a:pPr>
+            <a:r>
+              <a:rPr lang="en-PH" sz="2400" dirty="0"/>
+              <a:t> </a:t>
+            </a:r>
+            <a:r>
+              <a:rPr lang="en-PH" sz="2400" b="1" dirty="0">
+                <a:solidFill>
+                  <a:srgbClr val="0070C0"/>
+                </a:solidFill>
+              </a:rPr>
+              <a:t>Avoid forgetting previous experiences and reduce the correlation between experiences</a:t>
+            </a:r>
+            <a:r>
+              <a:rPr lang="en-PH" sz="2400" dirty="0"/>
+              <a:t>.</a:t>
+            </a:r>
+          </a:p>
+          <a:p>
+            <a:pPr algn="l"/>
+            <a:r>
+              <a:rPr lang="en-PH" sz="2400" dirty="0"/>
+              <a:t>The problem we get if we give sequential samples of experiences to our neural network is that it tends to forget the previous experiences as it gets new experiences. For instance, if the agent is in the first level and then in the second, which is different, it can forget how to behave and play in the first level.</a:t>
+            </a:r>
+          </a:p>
+          <a:p>
+            <a:pPr algn="l"/>
+            <a:endParaRPr lang="en-US" sz="2400" dirty="0"/>
+          </a:p>
+        </p:txBody>
+      </p:sp>
+      <p:pic>
+        <p:nvPicPr>
+          <p:cNvPr id="3" name="Picture 2">
+            <a:extLst>
+              <a:ext uri="{FF2B5EF4-FFF2-40B4-BE49-F238E27FC236}">
+                <a16:creationId xmlns:a16="http://schemas.microsoft.com/office/drawing/2014/main" id="{F66D092C-7F90-A32B-7D65-61280AABBDB6}"/>
+              </a:ext>
+            </a:extLst>
+          </p:cNvPr>
+          <p:cNvPicPr>
+            <a:picLocks noChangeAspect="1"/>
+          </p:cNvPicPr>
+          <p:nvPr/>
+        </p:nvPicPr>
+        <p:blipFill>
+          <a:blip r:embed="rId3">
+            <a:extLst>
+              <a:ext uri="{28A0092B-C50C-407E-A947-70E740481C1C}">
+                <a14:useLocalDpi xmlns:a14="http://schemas.microsoft.com/office/drawing/2010/main" val="0"/>
+              </a:ext>
+            </a:extLst>
+          </a:blip>
+          <a:stretch>
+            <a:fillRect/>
+          </a:stretch>
+        </p:blipFill>
+        <p:spPr>
+          <a:xfrm>
+            <a:off x="3143969" y="3326032"/>
+            <a:ext cx="5904061" cy="2933465"/>
+          </a:xfrm>
+          <a:prstGeom prst="rect">
+            <a:avLst/>
+          </a:prstGeom>
+        </p:spPr>
+      </p:pic>
+      <mc:AlternateContent xmlns:mc="http://schemas.openxmlformats.org/markup-compatibility/2006">
+        <mc:Choice xmlns:p14="http://schemas.microsoft.com/office/powerpoint/2010/main" Requires="p14">
+          <p:contentPart p14:bwMode="auto" r:id="rId4">
+            <p14:nvContentPartPr>
+              <p14:cNvPr id="4" name="Ink 3">
+                <a:extLst>
+                  <a:ext uri="{FF2B5EF4-FFF2-40B4-BE49-F238E27FC236}">
+                    <a16:creationId xmlns:a16="http://schemas.microsoft.com/office/drawing/2014/main" id="{7DD3AE74-8883-2F9F-D544-09EF7CDC9A82}"/>
+                  </a:ext>
+                </a:extLst>
+              </p14:cNvPr>
+              <p14:cNvContentPartPr/>
+              <p14:nvPr/>
+            </p14:nvContentPartPr>
+            <p14:xfrm>
+              <a:off x="3702600" y="5070960"/>
+              <a:ext cx="5385960" cy="806400"/>
+            </p14:xfrm>
+          </p:contentPart>
+        </mc:Choice>
+        <mc:Fallback>
+          <p:pic>
+            <p:nvPicPr>
+              <p:cNvPr id="4" name="Ink 3">
+                <a:extLst>
+                  <a:ext uri="{FF2B5EF4-FFF2-40B4-BE49-F238E27FC236}">
+                    <a16:creationId xmlns:a16="http://schemas.microsoft.com/office/drawing/2014/main" id="{7DD3AE74-8883-2F9F-D544-09EF7CDC9A82}"/>
+                  </a:ext>
+                </a:extLst>
+              </p:cNvPr>
+              <p:cNvPicPr/>
+              <p:nvPr/>
+            </p:nvPicPr>
+            <p:blipFill>
+              <a:blip r:embed="rId5"/>
+              <a:stretch>
+                <a:fillRect/>
+              </a:stretch>
+            </p:blipFill>
+            <p:spPr>
+              <a:xfrm>
+                <a:off x="3693240" y="5061600"/>
+                <a:ext cx="5404680" cy="825120"/>
+              </a:xfrm>
+              <a:prstGeom prst="rect">
+                <a:avLst/>
+              </a:prstGeom>
+            </p:spPr>
+          </p:pic>
+        </mc:Fallback>
+      </mc:AlternateContent>
+    </p:spTree>
+    <p:extLst>
+      <p:ext uri="{BB962C8B-B14F-4D97-AF65-F5344CB8AC3E}">
+        <p14:creationId xmlns:p14="http://schemas.microsoft.com/office/powerpoint/2010/main" val="1485599275"/>
+      </p:ext>
+    </p:extLst>
+  </p:cSld>
+  <p:clrMapOvr>
+    <a:masterClrMapping/>
+  </p:clrMapOvr>
+</p:sld>
+</file>
+
+<file path=ppt/slides/slide18.xml><?xml version="1.0" encoding="utf-8"?>
+<p:sld xmlns:a="http://schemas.openxmlformats.org/drawingml/2006/main" xmlns:r="http://schemas.openxmlformats.org/officeDocument/2006/relationships" xmlns:p="http://schemas.openxmlformats.org/presentationml/2006/main">
+  <p:cSld>
+    <p:spTree>
+      <p:nvGrpSpPr>
+        <p:cNvPr id="1" name=""/>
+        <p:cNvGrpSpPr/>
+        <p:nvPr/>
+      </p:nvGrpSpPr>
+      <p:grpSpPr>
+        <a:xfrm>
+          <a:off x="0" y="0"/>
+          <a:ext cx="0" cy="0"/>
+          <a:chOff x="0" y="0"/>
+          <a:chExt cx="0" cy="0"/>
+        </a:xfrm>
+      </p:grpSpPr>
+      <p:sp>
+        <p:nvSpPr>
+          <p:cNvPr id="6" name="TextBox 5">
+            <a:extLst>
+              <a:ext uri="{FF2B5EF4-FFF2-40B4-BE49-F238E27FC236}">
+                <a16:creationId xmlns:a16="http://schemas.microsoft.com/office/drawing/2014/main" id="{933CA7EB-D821-4578-A186-D330E9178EDE}"/>
+              </a:ext>
+            </a:extLst>
+          </p:cNvPr>
+          <p:cNvSpPr txBox="1"/>
+          <p:nvPr/>
+        </p:nvSpPr>
+        <p:spPr>
+          <a:xfrm>
+            <a:off x="87923" y="28551"/>
+            <a:ext cx="3622432" cy="338554"/>
+          </a:xfrm>
+          <a:prstGeom prst="rect">
+            <a:avLst/>
+          </a:prstGeom>
+          <a:noFill/>
+        </p:spPr>
+        <p:txBody>
+          <a:bodyPr wrap="square" rtlCol="0">
+            <a:spAutoFit/>
+          </a:bodyPr>
+          <a:lstStyle/>
+          <a:p>
+            <a:r>
+              <a:rPr lang="en-PH" sz="1600">
+                <a:solidFill>
+                  <a:schemeClr val="bg1"/>
+                </a:solidFill>
+                <a:latin typeface="Abadi" panose="020B0604020104020204" pitchFamily="34" charset="0"/>
+                <a:cs typeface="Aharoni" panose="020B0604020202020204" pitchFamily="2" charset="-79"/>
+              </a:rPr>
+              <a:t>INTRODUCTION TO COMPUTING</a:t>
+            </a:r>
+          </a:p>
+        </p:txBody>
+      </p:sp>
+      <p:sp>
+        <p:nvSpPr>
+          <p:cNvPr id="7" name="TextBox 6">
+            <a:extLst>
+              <a:ext uri="{FF2B5EF4-FFF2-40B4-BE49-F238E27FC236}">
+                <a16:creationId xmlns:a16="http://schemas.microsoft.com/office/drawing/2014/main" id="{9B128FD4-EE77-4086-837E-5EAF83B0DDD1}"/>
+              </a:ext>
+            </a:extLst>
+          </p:cNvPr>
+          <p:cNvSpPr txBox="1"/>
+          <p:nvPr/>
+        </p:nvSpPr>
+        <p:spPr>
+          <a:xfrm>
+            <a:off x="9182099" y="13190"/>
+            <a:ext cx="2948354" cy="338554"/>
+          </a:xfrm>
+          <a:prstGeom prst="rect">
+            <a:avLst/>
+          </a:prstGeom>
+          <a:noFill/>
+        </p:spPr>
+        <p:txBody>
+          <a:bodyPr wrap="square" rtlCol="0">
+            <a:spAutoFit/>
+          </a:bodyPr>
+          <a:lstStyle/>
+          <a:p>
+            <a:pPr algn="r"/>
+            <a:r>
+              <a:rPr lang="en-US" sz="1600" dirty="0">
+                <a:solidFill>
+                  <a:schemeClr val="bg1"/>
+                </a:solidFill>
+              </a:rPr>
+              <a:t>Course Code: CCINCOM/L</a:t>
+            </a:r>
+            <a:endParaRPr lang="en-PH" sz="1600" dirty="0">
+              <a:solidFill>
+                <a:schemeClr val="bg1"/>
+              </a:solidFill>
+              <a:latin typeface="Abadi" panose="020B0604020202020204" pitchFamily="34" charset="0"/>
+            </a:endParaRPr>
+          </a:p>
+        </p:txBody>
+      </p:sp>
+      <p:sp>
+        <p:nvSpPr>
+          <p:cNvPr id="8" name="TextBox 7">
+            <a:extLst>
+              <a:ext uri="{FF2B5EF4-FFF2-40B4-BE49-F238E27FC236}">
+                <a16:creationId xmlns:a16="http://schemas.microsoft.com/office/drawing/2014/main" id="{B95C7AD6-4918-4294-AA88-B72FB28833FE}"/>
+              </a:ext>
+            </a:extLst>
+          </p:cNvPr>
+          <p:cNvSpPr txBox="1"/>
+          <p:nvPr/>
+        </p:nvSpPr>
+        <p:spPr>
+          <a:xfrm>
+            <a:off x="0" y="6479929"/>
+            <a:ext cx="2461846" cy="338554"/>
+          </a:xfrm>
+          <a:prstGeom prst="rect">
+            <a:avLst/>
+          </a:prstGeom>
+          <a:noFill/>
+        </p:spPr>
+        <p:txBody>
+          <a:bodyPr wrap="square" rtlCol="0">
+            <a:spAutoFit/>
+          </a:bodyPr>
+          <a:lstStyle/>
+          <a:p>
+            <a:pPr algn="ctr"/>
+            <a:r>
+              <a:rPr lang="en-PH" sz="1600">
+                <a:solidFill>
+                  <a:schemeClr val="bg1"/>
+                </a:solidFill>
+                <a:latin typeface="Abadi" panose="020B0604020202020204" pitchFamily="34" charset="0"/>
+              </a:rPr>
+              <a:t>Joseph Marvin R. Imperial</a:t>
+            </a:r>
+          </a:p>
+        </p:txBody>
+      </p:sp>
+      <p:sp>
+        <p:nvSpPr>
+          <p:cNvPr id="9" name="TextBox 8">
+            <a:extLst>
+              <a:ext uri="{FF2B5EF4-FFF2-40B4-BE49-F238E27FC236}">
+                <a16:creationId xmlns:a16="http://schemas.microsoft.com/office/drawing/2014/main" id="{C3136E3D-4CFD-4EFC-98AB-367D0EF3C06B}"/>
+              </a:ext>
+            </a:extLst>
+          </p:cNvPr>
+          <p:cNvSpPr txBox="1"/>
+          <p:nvPr/>
+        </p:nvSpPr>
+        <p:spPr>
+          <a:xfrm>
+            <a:off x="7086601" y="6490896"/>
+            <a:ext cx="5105399" cy="338554"/>
+          </a:xfrm>
+          <a:prstGeom prst="rect">
+            <a:avLst/>
+          </a:prstGeom>
+          <a:noFill/>
+        </p:spPr>
+        <p:txBody>
+          <a:bodyPr wrap="square" rtlCol="0">
+            <a:spAutoFit/>
+          </a:bodyPr>
+          <a:lstStyle/>
+          <a:p>
+            <a:pPr algn="r"/>
+            <a:r>
+              <a:rPr lang="en-PH" sz="1600">
+                <a:solidFill>
+                  <a:schemeClr val="bg1"/>
+                </a:solidFill>
+                <a:latin typeface="Abadi" panose="020B0604020202020204" pitchFamily="34" charset="0"/>
+              </a:rPr>
+              <a:t>NU College of Computing and Information Technologies</a:t>
+            </a:r>
+          </a:p>
+        </p:txBody>
+      </p:sp>
+      <p:sp>
+        <p:nvSpPr>
+          <p:cNvPr id="13" name="Rectangle 12">
+            <a:extLst>
+              <a:ext uri="{FF2B5EF4-FFF2-40B4-BE49-F238E27FC236}">
+                <a16:creationId xmlns:a16="http://schemas.microsoft.com/office/drawing/2014/main" id="{251B30DC-ACC5-404F-B51D-13612F115E3E}"/>
+              </a:ext>
+            </a:extLst>
+          </p:cNvPr>
+          <p:cNvSpPr/>
+          <p:nvPr/>
+        </p:nvSpPr>
+        <p:spPr>
+          <a:xfrm>
+            <a:off x="0" y="6462346"/>
+            <a:ext cx="12192000" cy="395654"/>
+          </a:xfrm>
+          <a:prstGeom prst="rect">
+            <a:avLst/>
+          </a:prstGeom>
+          <a:solidFill>
+            <a:schemeClr val="accent5">
+              <a:lumMod val="50000"/>
+            </a:schemeClr>
+          </a:solidFill>
+          <a:effectLst>
+            <a:outerShdw blurRad="50800" dist="38100" dir="2700000" algn="tl" rotWithShape="0">
+              <a:prstClr val="black">
+                <a:alpha val="40000"/>
+              </a:prstClr>
+            </a:outerShdw>
+          </a:effectLst>
+        </p:spPr>
+        <p:style>
+          <a:lnRef idx="2">
+            <a:schemeClr val="accent1">
+              <a:shade val="50000"/>
+            </a:schemeClr>
+          </a:lnRef>
+          <a:fillRef idx="1">
+            <a:schemeClr val="accent1"/>
+          </a:fillRef>
+          <a:effectRef idx="0">
+            <a:schemeClr val="accent1"/>
+          </a:effectRef>
+          <a:fontRef idx="minor">
+            <a:schemeClr val="lt1"/>
+          </a:fontRef>
+        </p:style>
+        <p:txBody>
+          <a:bodyPr rtlCol="0" anchor="ctr"/>
+          <a:lstStyle/>
+          <a:p>
+            <a:pPr algn="ctr"/>
+            <a:endParaRPr lang="en-PH"/>
+          </a:p>
+        </p:txBody>
+      </p:sp>
+      <p:sp>
+        <p:nvSpPr>
+          <p:cNvPr id="14" name="TextBox 13">
+            <a:extLst>
+              <a:ext uri="{FF2B5EF4-FFF2-40B4-BE49-F238E27FC236}">
+                <a16:creationId xmlns:a16="http://schemas.microsoft.com/office/drawing/2014/main" id="{ACC57CA2-30CA-4DDD-A941-8B9CC393DAFA}"/>
+              </a:ext>
+            </a:extLst>
+          </p:cNvPr>
+          <p:cNvSpPr txBox="1"/>
+          <p:nvPr/>
+        </p:nvSpPr>
+        <p:spPr>
+          <a:xfrm>
+            <a:off x="0" y="6490896"/>
+            <a:ext cx="3622432" cy="338554"/>
+          </a:xfrm>
+          <a:prstGeom prst="rect">
+            <a:avLst/>
+          </a:prstGeom>
+          <a:noFill/>
+        </p:spPr>
+        <p:txBody>
+          <a:bodyPr wrap="square" rtlCol="0">
+            <a:spAutoFit/>
+          </a:bodyPr>
+          <a:lstStyle/>
+          <a:p>
+            <a:r>
+              <a:rPr lang="en-PH" sz="1600">
+                <a:solidFill>
+                  <a:schemeClr val="bg1"/>
+                </a:solidFill>
+                <a:latin typeface="Abadi" panose="020B0604020104020204" pitchFamily="34" charset="0"/>
+                <a:cs typeface="Aharoni" panose="020B0604020202020204" pitchFamily="2" charset="-79"/>
+              </a:rPr>
+              <a:t>REINFORCEMENT LEARNING</a:t>
+            </a:r>
+          </a:p>
+        </p:txBody>
+      </p:sp>
+      <p:sp>
+        <p:nvSpPr>
+          <p:cNvPr id="15" name="TextBox 14">
+            <a:extLst>
+              <a:ext uri="{FF2B5EF4-FFF2-40B4-BE49-F238E27FC236}">
+                <a16:creationId xmlns:a16="http://schemas.microsoft.com/office/drawing/2014/main" id="{31237222-F604-49F1-8989-AF06AF20EDD3}"/>
+              </a:ext>
+            </a:extLst>
+          </p:cNvPr>
+          <p:cNvSpPr txBox="1"/>
+          <p:nvPr/>
+        </p:nvSpPr>
+        <p:spPr>
+          <a:xfrm>
+            <a:off x="9243646" y="6490896"/>
+            <a:ext cx="2948354" cy="338554"/>
+          </a:xfrm>
+          <a:prstGeom prst="rect">
+            <a:avLst/>
+          </a:prstGeom>
+          <a:noFill/>
+        </p:spPr>
+        <p:txBody>
+          <a:bodyPr wrap="square" rtlCol="0">
+            <a:spAutoFit/>
+          </a:bodyPr>
+          <a:lstStyle/>
+          <a:p>
+            <a:pPr algn="r"/>
+            <a:r>
+              <a:rPr lang="en-US" sz="1600">
+                <a:solidFill>
+                  <a:schemeClr val="bg1"/>
+                </a:solidFill>
+                <a:latin typeface="Abadi" panose="020B0604020104020204" pitchFamily="34" charset="0"/>
+              </a:rPr>
+              <a:t>Course Code: CCRNFLRL</a:t>
+            </a:r>
+            <a:endParaRPr lang="en-PH" sz="1600">
+              <a:solidFill>
+                <a:schemeClr val="bg1"/>
+              </a:solidFill>
+              <a:latin typeface="Abadi" panose="020B0604020104020204" pitchFamily="34" charset="0"/>
+            </a:endParaRPr>
+          </a:p>
+        </p:txBody>
+      </p:sp>
+      <p:sp>
+        <p:nvSpPr>
+          <p:cNvPr id="5" name="Title 4">
+            <a:extLst>
+              <a:ext uri="{FF2B5EF4-FFF2-40B4-BE49-F238E27FC236}">
+                <a16:creationId xmlns:a16="http://schemas.microsoft.com/office/drawing/2014/main" id="{EC47D021-EEC4-42AC-B4C3-BC584CB5BC9D}"/>
+              </a:ext>
+            </a:extLst>
+          </p:cNvPr>
+          <p:cNvSpPr>
+            <a:spLocks noGrp="1"/>
+          </p:cNvSpPr>
+          <p:nvPr>
+            <p:ph type="title"/>
+          </p:nvPr>
+        </p:nvSpPr>
+        <p:spPr>
+          <a:xfrm>
+            <a:off x="352425" y="292273"/>
+            <a:ext cx="11458574" cy="869778"/>
+          </a:xfrm>
+        </p:spPr>
+        <p:txBody>
+          <a:bodyPr/>
+          <a:lstStyle/>
+          <a:p>
+            <a:r>
+              <a:rPr lang="en-US" b="1" dirty="0">
+                <a:latin typeface="+mn-lt"/>
+              </a:rPr>
+              <a:t>Fixed Q-target</a:t>
+            </a:r>
+            <a:endParaRPr lang="en-PH" b="1" dirty="0">
+              <a:latin typeface="+mn-lt"/>
+            </a:endParaRPr>
+          </a:p>
+        </p:txBody>
+      </p:sp>
+      <p:pic>
+        <p:nvPicPr>
+          <p:cNvPr id="4" name="Picture 3">
+            <a:extLst>
+              <a:ext uri="{FF2B5EF4-FFF2-40B4-BE49-F238E27FC236}">
+                <a16:creationId xmlns:a16="http://schemas.microsoft.com/office/drawing/2014/main" id="{C1A9709F-9975-A75C-55B1-96E0018B6E30}"/>
+              </a:ext>
+            </a:extLst>
+          </p:cNvPr>
+          <p:cNvPicPr>
+            <a:picLocks noChangeAspect="1"/>
+          </p:cNvPicPr>
+          <p:nvPr/>
+        </p:nvPicPr>
+        <p:blipFill>
+          <a:blip r:embed="rId3">
+            <a:extLst>
+              <a:ext uri="{28A0092B-C50C-407E-A947-70E740481C1C}">
+                <a14:useLocalDpi xmlns:a14="http://schemas.microsoft.com/office/drawing/2010/main" val="0"/>
+              </a:ext>
+            </a:extLst>
+          </a:blip>
+          <a:stretch>
+            <a:fillRect/>
+          </a:stretch>
+        </p:blipFill>
+        <p:spPr>
+          <a:xfrm>
+            <a:off x="3192028" y="1190601"/>
+            <a:ext cx="5807943" cy="3266968"/>
+          </a:xfrm>
+          <a:prstGeom prst="rect">
+            <a:avLst/>
+          </a:prstGeom>
+        </p:spPr>
+      </p:pic>
+      <p:sp>
+        <p:nvSpPr>
+          <p:cNvPr id="10" name="TextBox 9">
+            <a:extLst>
+              <a:ext uri="{FF2B5EF4-FFF2-40B4-BE49-F238E27FC236}">
+                <a16:creationId xmlns:a16="http://schemas.microsoft.com/office/drawing/2014/main" id="{88A18220-AF29-4E8E-F916-EEFAC5AF03A1}"/>
+              </a:ext>
+            </a:extLst>
+          </p:cNvPr>
+          <p:cNvSpPr txBox="1"/>
+          <p:nvPr/>
+        </p:nvSpPr>
+        <p:spPr>
+          <a:xfrm>
+            <a:off x="199293" y="4728709"/>
+            <a:ext cx="15233466" cy="2031325"/>
+          </a:xfrm>
+          <a:prstGeom prst="rect">
+            <a:avLst/>
+          </a:prstGeom>
+          <a:noFill/>
+        </p:spPr>
+        <p:txBody>
+          <a:bodyPr wrap="none" rtlCol="0">
+            <a:spAutoFit/>
+          </a:bodyPr>
+          <a:lstStyle/>
+          <a:p>
+            <a:pPr algn="l"/>
+            <a:r>
+              <a:rPr lang="en-PH" dirty="0"/>
+              <a:t>When we want to calculate the TD error (aka the loss), we calculate the difference between the TD target (Q-Target) </a:t>
+            </a:r>
+          </a:p>
+          <a:p>
+            <a:pPr algn="l"/>
+            <a:r>
+              <a:rPr lang="en-PH" dirty="0"/>
+              <a:t>and the current Q-value (estimation of Q).</a:t>
+            </a:r>
+          </a:p>
+          <a:p>
+            <a:pPr algn="l"/>
+            <a:endParaRPr lang="en-PH" dirty="0"/>
+          </a:p>
+          <a:p>
+            <a:pPr algn="l"/>
+            <a:r>
+              <a:rPr lang="en-PH" dirty="0"/>
+              <a:t>But we don’t have any idea of the real TD target. We need to estimate it. </a:t>
+            </a:r>
+          </a:p>
+          <a:p>
+            <a:pPr algn="l"/>
+            <a:endParaRPr lang="en-PH" dirty="0"/>
+          </a:p>
+          <a:p>
+            <a:pPr algn="l"/>
+            <a:r>
+              <a:rPr lang="en-PH" dirty="0"/>
+              <a:t>Using the Bellman equation, we saw that the TD target is just the reward of taking that action at that state plus the discounted highest Q value for the next state.</a:t>
+            </a:r>
+          </a:p>
+          <a:p>
+            <a:endParaRPr lang="en-US" dirty="0"/>
+          </a:p>
+        </p:txBody>
+      </p:sp>
+      <mc:AlternateContent xmlns:mc="http://schemas.openxmlformats.org/markup-compatibility/2006">
+        <mc:Choice xmlns:p14="http://schemas.microsoft.com/office/powerpoint/2010/main" Requires="p14">
+          <p:contentPart p14:bwMode="auto" r:id="rId4">
+            <p14:nvContentPartPr>
+              <p14:cNvPr id="11" name="Ink 10">
+                <a:extLst>
+                  <a:ext uri="{FF2B5EF4-FFF2-40B4-BE49-F238E27FC236}">
+                    <a16:creationId xmlns:a16="http://schemas.microsoft.com/office/drawing/2014/main" id="{8C6AA3BF-B544-6D04-D66A-D92F00674D2E}"/>
+                  </a:ext>
+                </a:extLst>
+              </p14:cNvPr>
+              <p14:cNvContentPartPr/>
+              <p14:nvPr/>
+            </p14:nvContentPartPr>
+            <p14:xfrm>
+              <a:off x="438480" y="5009040"/>
+              <a:ext cx="10629000" cy="1073880"/>
+            </p14:xfrm>
+          </p:contentPart>
+        </mc:Choice>
+        <mc:Fallback>
+          <p:pic>
+            <p:nvPicPr>
+              <p:cNvPr id="11" name="Ink 10">
+                <a:extLst>
+                  <a:ext uri="{FF2B5EF4-FFF2-40B4-BE49-F238E27FC236}">
+                    <a16:creationId xmlns:a16="http://schemas.microsoft.com/office/drawing/2014/main" id="{8C6AA3BF-B544-6D04-D66A-D92F00674D2E}"/>
+                  </a:ext>
+                </a:extLst>
+              </p:cNvPr>
+              <p:cNvPicPr/>
+              <p:nvPr/>
+            </p:nvPicPr>
+            <p:blipFill>
+              <a:blip r:embed="rId5"/>
+              <a:stretch>
+                <a:fillRect/>
+              </a:stretch>
+            </p:blipFill>
+            <p:spPr>
+              <a:xfrm>
+                <a:off x="429120" y="4999680"/>
+                <a:ext cx="10647720" cy="1092600"/>
+              </a:xfrm>
+              <a:prstGeom prst="rect">
+                <a:avLst/>
+              </a:prstGeom>
+            </p:spPr>
+          </p:pic>
+        </mc:Fallback>
+      </mc:AlternateContent>
+    </p:spTree>
+    <p:extLst>
+      <p:ext uri="{BB962C8B-B14F-4D97-AF65-F5344CB8AC3E}">
+        <p14:creationId xmlns:p14="http://schemas.microsoft.com/office/powerpoint/2010/main" val="1927359987"/>
+      </p:ext>
+    </p:extLst>
+  </p:cSld>
+  <p:clrMapOvr>
+    <a:masterClrMapping/>
+  </p:clrMapOvr>
+</p:sld>
+</file>
+
+<file path=ppt/slides/slide19.xml><?xml version="1.0" encoding="utf-8"?>
+<p:sld xmlns:a="http://schemas.openxmlformats.org/drawingml/2006/main" xmlns:r="http://schemas.openxmlformats.org/officeDocument/2006/relationships" xmlns:p="http://schemas.openxmlformats.org/presentationml/2006/main">
+  <p:cSld>
+    <p:spTree>
+      <p:nvGrpSpPr>
+        <p:cNvPr id="1" name=""/>
+        <p:cNvGrpSpPr/>
+        <p:nvPr/>
+      </p:nvGrpSpPr>
+      <p:grpSpPr>
+        <a:xfrm>
+          <a:off x="0" y="0"/>
+          <a:ext cx="0" cy="0"/>
+          <a:chOff x="0" y="0"/>
+          <a:chExt cx="0" cy="0"/>
+        </a:xfrm>
+      </p:grpSpPr>
+      <p:sp>
+        <p:nvSpPr>
+          <p:cNvPr id="6" name="TextBox 5">
+            <a:extLst>
+              <a:ext uri="{FF2B5EF4-FFF2-40B4-BE49-F238E27FC236}">
+                <a16:creationId xmlns:a16="http://schemas.microsoft.com/office/drawing/2014/main" id="{933CA7EB-D821-4578-A186-D330E9178EDE}"/>
+              </a:ext>
+            </a:extLst>
+          </p:cNvPr>
+          <p:cNvSpPr txBox="1"/>
+          <p:nvPr/>
+        </p:nvSpPr>
+        <p:spPr>
+          <a:xfrm>
+            <a:off x="87923" y="28551"/>
+            <a:ext cx="3622432" cy="338554"/>
+          </a:xfrm>
+          <a:prstGeom prst="rect">
+            <a:avLst/>
+          </a:prstGeom>
+          <a:noFill/>
+        </p:spPr>
+        <p:txBody>
+          <a:bodyPr wrap="square" rtlCol="0">
+            <a:spAutoFit/>
+          </a:bodyPr>
+          <a:lstStyle/>
+          <a:p>
+            <a:r>
+              <a:rPr lang="en-PH" sz="1600">
+                <a:solidFill>
+                  <a:schemeClr val="bg1"/>
+                </a:solidFill>
+                <a:latin typeface="Abadi" panose="020B0604020104020204" pitchFamily="34" charset="0"/>
+                <a:cs typeface="Aharoni" panose="020B0604020202020204" pitchFamily="2" charset="-79"/>
+              </a:rPr>
+              <a:t>INTRODUCTION TO COMPUTING</a:t>
+            </a:r>
+          </a:p>
+        </p:txBody>
+      </p:sp>
+      <p:sp>
+        <p:nvSpPr>
+          <p:cNvPr id="7" name="TextBox 6">
+            <a:extLst>
+              <a:ext uri="{FF2B5EF4-FFF2-40B4-BE49-F238E27FC236}">
+                <a16:creationId xmlns:a16="http://schemas.microsoft.com/office/drawing/2014/main" id="{9B128FD4-EE77-4086-837E-5EAF83B0DDD1}"/>
+              </a:ext>
+            </a:extLst>
+          </p:cNvPr>
+          <p:cNvSpPr txBox="1"/>
+          <p:nvPr/>
+        </p:nvSpPr>
+        <p:spPr>
+          <a:xfrm>
+            <a:off x="9182099" y="13190"/>
+            <a:ext cx="2948354" cy="338554"/>
+          </a:xfrm>
+          <a:prstGeom prst="rect">
+            <a:avLst/>
+          </a:prstGeom>
+          <a:noFill/>
+        </p:spPr>
+        <p:txBody>
+          <a:bodyPr wrap="square" rtlCol="0">
+            <a:spAutoFit/>
+          </a:bodyPr>
+          <a:lstStyle/>
+          <a:p>
+            <a:pPr algn="r"/>
+            <a:r>
+              <a:rPr lang="en-US" sz="1600" dirty="0">
+                <a:solidFill>
+                  <a:schemeClr val="bg1"/>
+                </a:solidFill>
+              </a:rPr>
+              <a:t>Course Code: CCINCOM/L</a:t>
+            </a:r>
+            <a:endParaRPr lang="en-PH" sz="1600" dirty="0">
+              <a:solidFill>
+                <a:schemeClr val="bg1"/>
+              </a:solidFill>
+              <a:latin typeface="Abadi" panose="020B0604020202020204" pitchFamily="34" charset="0"/>
+            </a:endParaRPr>
+          </a:p>
+        </p:txBody>
+      </p:sp>
+      <p:sp>
+        <p:nvSpPr>
+          <p:cNvPr id="8" name="TextBox 7">
+            <a:extLst>
+              <a:ext uri="{FF2B5EF4-FFF2-40B4-BE49-F238E27FC236}">
+                <a16:creationId xmlns:a16="http://schemas.microsoft.com/office/drawing/2014/main" id="{B95C7AD6-4918-4294-AA88-B72FB28833FE}"/>
+              </a:ext>
+            </a:extLst>
+          </p:cNvPr>
+          <p:cNvSpPr txBox="1"/>
+          <p:nvPr/>
+        </p:nvSpPr>
+        <p:spPr>
+          <a:xfrm>
+            <a:off x="0" y="6479929"/>
+            <a:ext cx="2461846" cy="338554"/>
+          </a:xfrm>
+          <a:prstGeom prst="rect">
+            <a:avLst/>
+          </a:prstGeom>
+          <a:noFill/>
+        </p:spPr>
+        <p:txBody>
+          <a:bodyPr wrap="square" rtlCol="0">
+            <a:spAutoFit/>
+          </a:bodyPr>
+          <a:lstStyle/>
+          <a:p>
+            <a:pPr algn="ctr"/>
+            <a:r>
+              <a:rPr lang="en-PH" sz="1600">
+                <a:solidFill>
+                  <a:schemeClr val="bg1"/>
+                </a:solidFill>
+                <a:latin typeface="Abadi" panose="020B0604020202020204" pitchFamily="34" charset="0"/>
+              </a:rPr>
+              <a:t>Joseph Marvin R. Imperial</a:t>
+            </a:r>
+          </a:p>
+        </p:txBody>
+      </p:sp>
+      <p:sp>
+        <p:nvSpPr>
+          <p:cNvPr id="9" name="TextBox 8">
+            <a:extLst>
+              <a:ext uri="{FF2B5EF4-FFF2-40B4-BE49-F238E27FC236}">
+                <a16:creationId xmlns:a16="http://schemas.microsoft.com/office/drawing/2014/main" id="{C3136E3D-4CFD-4EFC-98AB-367D0EF3C06B}"/>
+              </a:ext>
+            </a:extLst>
+          </p:cNvPr>
+          <p:cNvSpPr txBox="1"/>
+          <p:nvPr/>
+        </p:nvSpPr>
+        <p:spPr>
+          <a:xfrm>
+            <a:off x="7086601" y="6490896"/>
+            <a:ext cx="5105399" cy="338554"/>
+          </a:xfrm>
+          <a:prstGeom prst="rect">
+            <a:avLst/>
+          </a:prstGeom>
+          <a:noFill/>
+        </p:spPr>
+        <p:txBody>
+          <a:bodyPr wrap="square" rtlCol="0">
+            <a:spAutoFit/>
+          </a:bodyPr>
+          <a:lstStyle/>
+          <a:p>
+            <a:pPr algn="r"/>
+            <a:r>
+              <a:rPr lang="en-PH" sz="1600">
+                <a:solidFill>
+                  <a:schemeClr val="bg1"/>
+                </a:solidFill>
+                <a:latin typeface="Abadi" panose="020B0604020202020204" pitchFamily="34" charset="0"/>
+              </a:rPr>
+              <a:t>NU College of Computing and Information Technologies</a:t>
+            </a:r>
+          </a:p>
+        </p:txBody>
+      </p:sp>
+      <p:sp>
+        <p:nvSpPr>
+          <p:cNvPr id="13" name="Rectangle 12">
+            <a:extLst>
+              <a:ext uri="{FF2B5EF4-FFF2-40B4-BE49-F238E27FC236}">
+                <a16:creationId xmlns:a16="http://schemas.microsoft.com/office/drawing/2014/main" id="{251B30DC-ACC5-404F-B51D-13612F115E3E}"/>
+              </a:ext>
+            </a:extLst>
+          </p:cNvPr>
+          <p:cNvSpPr/>
+          <p:nvPr/>
+        </p:nvSpPr>
+        <p:spPr>
+          <a:xfrm>
+            <a:off x="0" y="6462346"/>
+            <a:ext cx="12192000" cy="395654"/>
+          </a:xfrm>
+          <a:prstGeom prst="rect">
+            <a:avLst/>
+          </a:prstGeom>
+          <a:solidFill>
+            <a:schemeClr val="accent5">
+              <a:lumMod val="50000"/>
+            </a:schemeClr>
+          </a:solidFill>
+          <a:effectLst>
+            <a:outerShdw blurRad="50800" dist="38100" dir="2700000" algn="tl" rotWithShape="0">
+              <a:prstClr val="black">
+                <a:alpha val="40000"/>
+              </a:prstClr>
+            </a:outerShdw>
+          </a:effectLst>
+        </p:spPr>
+        <p:style>
+          <a:lnRef idx="2">
+            <a:schemeClr val="accent1">
+              <a:shade val="50000"/>
+            </a:schemeClr>
+          </a:lnRef>
+          <a:fillRef idx="1">
+            <a:schemeClr val="accent1"/>
+          </a:fillRef>
+          <a:effectRef idx="0">
+            <a:schemeClr val="accent1"/>
+          </a:effectRef>
+          <a:fontRef idx="minor">
+            <a:schemeClr val="lt1"/>
+          </a:fontRef>
+        </p:style>
+        <p:txBody>
+          <a:bodyPr rtlCol="0" anchor="ctr"/>
+          <a:lstStyle/>
+          <a:p>
+            <a:pPr algn="ctr"/>
+            <a:endParaRPr lang="en-PH"/>
+          </a:p>
+        </p:txBody>
+      </p:sp>
+      <p:sp>
+        <p:nvSpPr>
+          <p:cNvPr id="14" name="TextBox 13">
+            <a:extLst>
+              <a:ext uri="{FF2B5EF4-FFF2-40B4-BE49-F238E27FC236}">
+                <a16:creationId xmlns:a16="http://schemas.microsoft.com/office/drawing/2014/main" id="{ACC57CA2-30CA-4DDD-A941-8B9CC393DAFA}"/>
+              </a:ext>
+            </a:extLst>
+          </p:cNvPr>
+          <p:cNvSpPr txBox="1"/>
+          <p:nvPr/>
+        </p:nvSpPr>
+        <p:spPr>
+          <a:xfrm>
+            <a:off x="0" y="6490896"/>
+            <a:ext cx="3622432" cy="338554"/>
+          </a:xfrm>
+          <a:prstGeom prst="rect">
+            <a:avLst/>
+          </a:prstGeom>
+          <a:noFill/>
+        </p:spPr>
+        <p:txBody>
+          <a:bodyPr wrap="square" rtlCol="0">
+            <a:spAutoFit/>
+          </a:bodyPr>
+          <a:lstStyle/>
+          <a:p>
+            <a:r>
+              <a:rPr lang="en-PH" sz="1600">
+                <a:solidFill>
+                  <a:schemeClr val="bg1"/>
+                </a:solidFill>
+                <a:latin typeface="Abadi" panose="020B0604020104020204" pitchFamily="34" charset="0"/>
+                <a:cs typeface="Aharoni" panose="020B0604020202020204" pitchFamily="2" charset="-79"/>
+              </a:rPr>
+              <a:t>REINFORCEMENT LEARNING</a:t>
+            </a:r>
+          </a:p>
+        </p:txBody>
+      </p:sp>
+      <p:sp>
+        <p:nvSpPr>
+          <p:cNvPr id="15" name="TextBox 14">
+            <a:extLst>
+              <a:ext uri="{FF2B5EF4-FFF2-40B4-BE49-F238E27FC236}">
+                <a16:creationId xmlns:a16="http://schemas.microsoft.com/office/drawing/2014/main" id="{31237222-F604-49F1-8989-AF06AF20EDD3}"/>
+              </a:ext>
+            </a:extLst>
+          </p:cNvPr>
+          <p:cNvSpPr txBox="1"/>
+          <p:nvPr/>
+        </p:nvSpPr>
+        <p:spPr>
+          <a:xfrm>
+            <a:off x="9243646" y="6490896"/>
+            <a:ext cx="2948354" cy="338554"/>
+          </a:xfrm>
+          <a:prstGeom prst="rect">
+            <a:avLst/>
+          </a:prstGeom>
+          <a:noFill/>
+        </p:spPr>
+        <p:txBody>
+          <a:bodyPr wrap="square" rtlCol="0">
+            <a:spAutoFit/>
+          </a:bodyPr>
+          <a:lstStyle/>
+          <a:p>
+            <a:pPr algn="r"/>
+            <a:r>
+              <a:rPr lang="en-US" sz="1600">
+                <a:solidFill>
+                  <a:schemeClr val="bg1"/>
+                </a:solidFill>
+                <a:latin typeface="Abadi" panose="020B0604020104020204" pitchFamily="34" charset="0"/>
+              </a:rPr>
+              <a:t>Course Code: CCRNFLRL</a:t>
+            </a:r>
+            <a:endParaRPr lang="en-PH" sz="1600">
+              <a:solidFill>
+                <a:schemeClr val="bg1"/>
+              </a:solidFill>
+              <a:latin typeface="Abadi" panose="020B0604020104020204" pitchFamily="34" charset="0"/>
+            </a:endParaRPr>
+          </a:p>
+        </p:txBody>
+      </p:sp>
+      <p:sp>
+        <p:nvSpPr>
+          <p:cNvPr id="5" name="Title 4">
+            <a:extLst>
+              <a:ext uri="{FF2B5EF4-FFF2-40B4-BE49-F238E27FC236}">
+                <a16:creationId xmlns:a16="http://schemas.microsoft.com/office/drawing/2014/main" id="{EC47D021-EEC4-42AC-B4C3-BC584CB5BC9D}"/>
+              </a:ext>
+            </a:extLst>
+          </p:cNvPr>
+          <p:cNvSpPr>
+            <a:spLocks noGrp="1"/>
+          </p:cNvSpPr>
+          <p:nvPr>
+            <p:ph type="title"/>
+          </p:nvPr>
+        </p:nvSpPr>
+        <p:spPr>
+          <a:xfrm>
+            <a:off x="352425" y="292273"/>
+            <a:ext cx="11458574" cy="869778"/>
+          </a:xfrm>
+        </p:spPr>
+        <p:txBody>
+          <a:bodyPr/>
+          <a:lstStyle/>
+          <a:p>
+            <a:r>
+              <a:rPr lang="en-US" b="1" dirty="0">
+                <a:latin typeface="+mn-lt"/>
+              </a:rPr>
+              <a:t>Fixed Q-target</a:t>
+            </a:r>
+            <a:endParaRPr lang="en-PH" b="1" dirty="0">
+              <a:latin typeface="+mn-lt"/>
+            </a:endParaRPr>
+          </a:p>
+        </p:txBody>
+      </p:sp>
+      <p:sp>
+        <p:nvSpPr>
+          <p:cNvPr id="10" name="TextBox 9">
+            <a:extLst>
+              <a:ext uri="{FF2B5EF4-FFF2-40B4-BE49-F238E27FC236}">
+                <a16:creationId xmlns:a16="http://schemas.microsoft.com/office/drawing/2014/main" id="{88A18220-AF29-4E8E-F916-EEFAC5AF03A1}"/>
+              </a:ext>
+            </a:extLst>
+          </p:cNvPr>
+          <p:cNvSpPr txBox="1"/>
+          <p:nvPr/>
+        </p:nvSpPr>
+        <p:spPr>
+          <a:xfrm>
+            <a:off x="352425" y="1162051"/>
+            <a:ext cx="11458574" cy="5016758"/>
+          </a:xfrm>
+          <a:prstGeom prst="rect">
+            <a:avLst/>
+          </a:prstGeom>
+          <a:noFill/>
+        </p:spPr>
+        <p:txBody>
+          <a:bodyPr wrap="square" rtlCol="0">
+            <a:spAutoFit/>
+          </a:bodyPr>
+          <a:lstStyle/>
+          <a:p>
+            <a:pPr marL="342900" indent="-342900" algn="l">
+              <a:buFont typeface="Wingdings" pitchFamily="2" charset="2"/>
+              <a:buChar char="§"/>
+            </a:pPr>
+            <a:r>
+              <a:rPr lang="en-PH" sz="2000" dirty="0"/>
+              <a:t>When we want to calculate the TD error (aka the loss), we calculate the difference between the TD target (Q-Target) and the current Q-value (estimation of Q).</a:t>
+            </a:r>
+          </a:p>
+          <a:p>
+            <a:pPr marL="342900" indent="-342900" algn="l">
+              <a:buFont typeface="Wingdings" pitchFamily="2" charset="2"/>
+              <a:buChar char="§"/>
+            </a:pPr>
+            <a:endParaRPr lang="en-PH" sz="2000" dirty="0"/>
+          </a:p>
+          <a:p>
+            <a:pPr marL="342900" indent="-342900" algn="l">
+              <a:buFont typeface="Wingdings" pitchFamily="2" charset="2"/>
+              <a:buChar char="§"/>
+            </a:pPr>
+            <a:r>
+              <a:rPr lang="en-PH" sz="2000" dirty="0"/>
+              <a:t>But we don’t have any idea of the real TD target. We need to estimate it. </a:t>
+            </a:r>
+          </a:p>
+          <a:p>
+            <a:pPr marL="342900" indent="-342900" algn="l">
+              <a:buFont typeface="Wingdings" pitchFamily="2" charset="2"/>
+              <a:buChar char="§"/>
+            </a:pPr>
+            <a:endParaRPr lang="en-PH" sz="2000" dirty="0"/>
+          </a:p>
+          <a:p>
+            <a:pPr marL="342900" indent="-342900" algn="l">
+              <a:buFont typeface="Wingdings" pitchFamily="2" charset="2"/>
+              <a:buChar char="§"/>
+            </a:pPr>
+            <a:r>
+              <a:rPr lang="en-PH" sz="2000" dirty="0"/>
+              <a:t>Using the Bellman equation, we saw that the TD target is just the reward of taking that action at that state plus the discounted highest Q value for the next state.</a:t>
+            </a:r>
+          </a:p>
+          <a:p>
+            <a:pPr marL="342900" indent="-342900">
+              <a:buFont typeface="Wingdings" pitchFamily="2" charset="2"/>
+              <a:buChar char="§"/>
+            </a:pPr>
+            <a:endParaRPr lang="en-US" sz="2000" dirty="0"/>
+          </a:p>
+          <a:p>
+            <a:pPr marL="342900" indent="-342900" algn="l">
+              <a:buFont typeface="Wingdings" pitchFamily="2" charset="2"/>
+              <a:buChar char="§"/>
+            </a:pPr>
+            <a:r>
+              <a:rPr lang="en-PH" sz="2000" dirty="0"/>
+              <a:t>However, the problem is that we are using the same parameters (weights) for estimating the TD target and the Q-value. </a:t>
+            </a:r>
+          </a:p>
+          <a:p>
+            <a:pPr marL="342900" indent="-342900" algn="l">
+              <a:buFont typeface="Wingdings" pitchFamily="2" charset="2"/>
+              <a:buChar char="§"/>
+            </a:pPr>
+            <a:endParaRPr lang="en-PH" sz="2000" dirty="0"/>
+          </a:p>
+          <a:p>
+            <a:pPr marL="342900" indent="-342900" algn="l">
+              <a:buFont typeface="Wingdings" pitchFamily="2" charset="2"/>
+              <a:buChar char="§"/>
+            </a:pPr>
+            <a:r>
+              <a:rPr lang="en-PH" sz="2000" dirty="0"/>
+              <a:t>Consequently, there is a significant correlation between the TD target and the parameters we are changing.</a:t>
+            </a:r>
+          </a:p>
+          <a:p>
+            <a:pPr marL="342900" indent="-342900" algn="l">
+              <a:buFont typeface="Wingdings" pitchFamily="2" charset="2"/>
+              <a:buChar char="§"/>
+            </a:pPr>
+            <a:endParaRPr lang="en-PH" sz="2000" dirty="0"/>
+          </a:p>
+          <a:p>
+            <a:pPr marL="342900" indent="-342900" algn="l">
+              <a:buFont typeface="Wingdings" pitchFamily="2" charset="2"/>
+              <a:buChar char="§"/>
+            </a:pPr>
+            <a:r>
+              <a:rPr lang="en-PH" sz="2000" dirty="0"/>
+              <a:t>Therefore, at every step of training, both our Q-values and the target values shift.</a:t>
+            </a:r>
+          </a:p>
+          <a:p>
+            <a:pPr marL="342900" indent="-342900">
+              <a:buFont typeface="Wingdings" pitchFamily="2" charset="2"/>
+              <a:buChar char="§"/>
+            </a:pPr>
+            <a:endParaRPr lang="en-US" sz="2000" dirty="0"/>
+          </a:p>
+        </p:txBody>
+      </p:sp>
+    </p:spTree>
+    <p:extLst>
+      <p:ext uri="{BB962C8B-B14F-4D97-AF65-F5344CB8AC3E}">
+        <p14:creationId xmlns:p14="http://schemas.microsoft.com/office/powerpoint/2010/main" val="3234758684"/>
       </p:ext>
     </p:extLst>
   </p:cSld>
@@ -9351,6 +12831,1027 @@
     <p:extLst>
       <p:ext uri="{BB962C8B-B14F-4D97-AF65-F5344CB8AC3E}">
         <p14:creationId xmlns:p14="http://schemas.microsoft.com/office/powerpoint/2010/main" val="2892726253"/>
+      </p:ext>
+    </p:extLst>
+  </p:cSld>
+  <p:clrMapOvr>
+    <a:masterClrMapping/>
+  </p:clrMapOvr>
+</p:sld>
+</file>
+
+<file path=ppt/slides/slide20.xml><?xml version="1.0" encoding="utf-8"?>
+<p:sld xmlns:a="http://schemas.openxmlformats.org/drawingml/2006/main" xmlns:r="http://schemas.openxmlformats.org/officeDocument/2006/relationships" xmlns:p="http://schemas.openxmlformats.org/presentationml/2006/main">
+  <p:cSld>
+    <p:spTree>
+      <p:nvGrpSpPr>
+        <p:cNvPr id="1" name=""/>
+        <p:cNvGrpSpPr/>
+        <p:nvPr/>
+      </p:nvGrpSpPr>
+      <p:grpSpPr>
+        <a:xfrm>
+          <a:off x="0" y="0"/>
+          <a:ext cx="0" cy="0"/>
+          <a:chOff x="0" y="0"/>
+          <a:chExt cx="0" cy="0"/>
+        </a:xfrm>
+      </p:grpSpPr>
+      <p:sp>
+        <p:nvSpPr>
+          <p:cNvPr id="6" name="TextBox 5">
+            <a:extLst>
+              <a:ext uri="{FF2B5EF4-FFF2-40B4-BE49-F238E27FC236}">
+                <a16:creationId xmlns:a16="http://schemas.microsoft.com/office/drawing/2014/main" id="{933CA7EB-D821-4578-A186-D330E9178EDE}"/>
+              </a:ext>
+            </a:extLst>
+          </p:cNvPr>
+          <p:cNvSpPr txBox="1"/>
+          <p:nvPr/>
+        </p:nvSpPr>
+        <p:spPr>
+          <a:xfrm>
+            <a:off x="87923" y="28551"/>
+            <a:ext cx="3622432" cy="338554"/>
+          </a:xfrm>
+          <a:prstGeom prst="rect">
+            <a:avLst/>
+          </a:prstGeom>
+          <a:noFill/>
+        </p:spPr>
+        <p:txBody>
+          <a:bodyPr wrap="square" rtlCol="0">
+            <a:spAutoFit/>
+          </a:bodyPr>
+          <a:lstStyle/>
+          <a:p>
+            <a:r>
+              <a:rPr lang="en-PH" sz="1600">
+                <a:solidFill>
+                  <a:schemeClr val="bg1"/>
+                </a:solidFill>
+                <a:latin typeface="Abadi" panose="020B0604020104020204" pitchFamily="34" charset="0"/>
+                <a:cs typeface="Aharoni" panose="020B0604020202020204" pitchFamily="2" charset="-79"/>
+              </a:rPr>
+              <a:t>INTRODUCTION TO COMPUTING</a:t>
+            </a:r>
+          </a:p>
+        </p:txBody>
+      </p:sp>
+      <p:sp>
+        <p:nvSpPr>
+          <p:cNvPr id="7" name="TextBox 6">
+            <a:extLst>
+              <a:ext uri="{FF2B5EF4-FFF2-40B4-BE49-F238E27FC236}">
+                <a16:creationId xmlns:a16="http://schemas.microsoft.com/office/drawing/2014/main" id="{9B128FD4-EE77-4086-837E-5EAF83B0DDD1}"/>
+              </a:ext>
+            </a:extLst>
+          </p:cNvPr>
+          <p:cNvSpPr txBox="1"/>
+          <p:nvPr/>
+        </p:nvSpPr>
+        <p:spPr>
+          <a:xfrm>
+            <a:off x="9182099" y="13190"/>
+            <a:ext cx="2948354" cy="338554"/>
+          </a:xfrm>
+          <a:prstGeom prst="rect">
+            <a:avLst/>
+          </a:prstGeom>
+          <a:noFill/>
+        </p:spPr>
+        <p:txBody>
+          <a:bodyPr wrap="square" rtlCol="0">
+            <a:spAutoFit/>
+          </a:bodyPr>
+          <a:lstStyle/>
+          <a:p>
+            <a:pPr algn="r"/>
+            <a:r>
+              <a:rPr lang="en-US" sz="1600" dirty="0">
+                <a:solidFill>
+                  <a:schemeClr val="bg1"/>
+                </a:solidFill>
+              </a:rPr>
+              <a:t>Course Code: CCINCOM/L</a:t>
+            </a:r>
+            <a:endParaRPr lang="en-PH" sz="1600" dirty="0">
+              <a:solidFill>
+                <a:schemeClr val="bg1"/>
+              </a:solidFill>
+              <a:latin typeface="Abadi" panose="020B0604020202020204" pitchFamily="34" charset="0"/>
+            </a:endParaRPr>
+          </a:p>
+        </p:txBody>
+      </p:sp>
+      <p:sp>
+        <p:nvSpPr>
+          <p:cNvPr id="8" name="TextBox 7">
+            <a:extLst>
+              <a:ext uri="{FF2B5EF4-FFF2-40B4-BE49-F238E27FC236}">
+                <a16:creationId xmlns:a16="http://schemas.microsoft.com/office/drawing/2014/main" id="{B95C7AD6-4918-4294-AA88-B72FB28833FE}"/>
+              </a:ext>
+            </a:extLst>
+          </p:cNvPr>
+          <p:cNvSpPr txBox="1"/>
+          <p:nvPr/>
+        </p:nvSpPr>
+        <p:spPr>
+          <a:xfrm>
+            <a:off x="0" y="6479929"/>
+            <a:ext cx="2461846" cy="338554"/>
+          </a:xfrm>
+          <a:prstGeom prst="rect">
+            <a:avLst/>
+          </a:prstGeom>
+          <a:noFill/>
+        </p:spPr>
+        <p:txBody>
+          <a:bodyPr wrap="square" rtlCol="0">
+            <a:spAutoFit/>
+          </a:bodyPr>
+          <a:lstStyle/>
+          <a:p>
+            <a:pPr algn="ctr"/>
+            <a:r>
+              <a:rPr lang="en-PH" sz="1600">
+                <a:solidFill>
+                  <a:schemeClr val="bg1"/>
+                </a:solidFill>
+                <a:latin typeface="Abadi" panose="020B0604020202020204" pitchFamily="34" charset="0"/>
+              </a:rPr>
+              <a:t>Joseph Marvin R. Imperial</a:t>
+            </a:r>
+          </a:p>
+        </p:txBody>
+      </p:sp>
+      <p:sp>
+        <p:nvSpPr>
+          <p:cNvPr id="9" name="TextBox 8">
+            <a:extLst>
+              <a:ext uri="{FF2B5EF4-FFF2-40B4-BE49-F238E27FC236}">
+                <a16:creationId xmlns:a16="http://schemas.microsoft.com/office/drawing/2014/main" id="{C3136E3D-4CFD-4EFC-98AB-367D0EF3C06B}"/>
+              </a:ext>
+            </a:extLst>
+          </p:cNvPr>
+          <p:cNvSpPr txBox="1"/>
+          <p:nvPr/>
+        </p:nvSpPr>
+        <p:spPr>
+          <a:xfrm>
+            <a:off x="7086601" y="6490896"/>
+            <a:ext cx="5105399" cy="338554"/>
+          </a:xfrm>
+          <a:prstGeom prst="rect">
+            <a:avLst/>
+          </a:prstGeom>
+          <a:noFill/>
+        </p:spPr>
+        <p:txBody>
+          <a:bodyPr wrap="square" rtlCol="0">
+            <a:spAutoFit/>
+          </a:bodyPr>
+          <a:lstStyle/>
+          <a:p>
+            <a:pPr algn="r"/>
+            <a:r>
+              <a:rPr lang="en-PH" sz="1600">
+                <a:solidFill>
+                  <a:schemeClr val="bg1"/>
+                </a:solidFill>
+                <a:latin typeface="Abadi" panose="020B0604020202020204" pitchFamily="34" charset="0"/>
+              </a:rPr>
+              <a:t>NU College of Computing and Information Technologies</a:t>
+            </a:r>
+          </a:p>
+        </p:txBody>
+      </p:sp>
+      <p:sp>
+        <p:nvSpPr>
+          <p:cNvPr id="13" name="Rectangle 12">
+            <a:extLst>
+              <a:ext uri="{FF2B5EF4-FFF2-40B4-BE49-F238E27FC236}">
+                <a16:creationId xmlns:a16="http://schemas.microsoft.com/office/drawing/2014/main" id="{251B30DC-ACC5-404F-B51D-13612F115E3E}"/>
+              </a:ext>
+            </a:extLst>
+          </p:cNvPr>
+          <p:cNvSpPr/>
+          <p:nvPr/>
+        </p:nvSpPr>
+        <p:spPr>
+          <a:xfrm>
+            <a:off x="0" y="6462346"/>
+            <a:ext cx="12192000" cy="395654"/>
+          </a:xfrm>
+          <a:prstGeom prst="rect">
+            <a:avLst/>
+          </a:prstGeom>
+          <a:solidFill>
+            <a:schemeClr val="accent5">
+              <a:lumMod val="50000"/>
+            </a:schemeClr>
+          </a:solidFill>
+          <a:effectLst>
+            <a:outerShdw blurRad="50800" dist="38100" dir="2700000" algn="tl" rotWithShape="0">
+              <a:prstClr val="black">
+                <a:alpha val="40000"/>
+              </a:prstClr>
+            </a:outerShdw>
+          </a:effectLst>
+        </p:spPr>
+        <p:style>
+          <a:lnRef idx="2">
+            <a:schemeClr val="accent1">
+              <a:shade val="50000"/>
+            </a:schemeClr>
+          </a:lnRef>
+          <a:fillRef idx="1">
+            <a:schemeClr val="accent1"/>
+          </a:fillRef>
+          <a:effectRef idx="0">
+            <a:schemeClr val="accent1"/>
+          </a:effectRef>
+          <a:fontRef idx="minor">
+            <a:schemeClr val="lt1"/>
+          </a:fontRef>
+        </p:style>
+        <p:txBody>
+          <a:bodyPr rtlCol="0" anchor="ctr"/>
+          <a:lstStyle/>
+          <a:p>
+            <a:pPr algn="ctr"/>
+            <a:endParaRPr lang="en-PH"/>
+          </a:p>
+        </p:txBody>
+      </p:sp>
+      <p:sp>
+        <p:nvSpPr>
+          <p:cNvPr id="14" name="TextBox 13">
+            <a:extLst>
+              <a:ext uri="{FF2B5EF4-FFF2-40B4-BE49-F238E27FC236}">
+                <a16:creationId xmlns:a16="http://schemas.microsoft.com/office/drawing/2014/main" id="{ACC57CA2-30CA-4DDD-A941-8B9CC393DAFA}"/>
+              </a:ext>
+            </a:extLst>
+          </p:cNvPr>
+          <p:cNvSpPr txBox="1"/>
+          <p:nvPr/>
+        </p:nvSpPr>
+        <p:spPr>
+          <a:xfrm>
+            <a:off x="0" y="6490896"/>
+            <a:ext cx="3622432" cy="338554"/>
+          </a:xfrm>
+          <a:prstGeom prst="rect">
+            <a:avLst/>
+          </a:prstGeom>
+          <a:noFill/>
+        </p:spPr>
+        <p:txBody>
+          <a:bodyPr wrap="square" rtlCol="0">
+            <a:spAutoFit/>
+          </a:bodyPr>
+          <a:lstStyle/>
+          <a:p>
+            <a:r>
+              <a:rPr lang="en-PH" sz="1600">
+                <a:solidFill>
+                  <a:schemeClr val="bg1"/>
+                </a:solidFill>
+                <a:latin typeface="Abadi" panose="020B0604020104020204" pitchFamily="34" charset="0"/>
+                <a:cs typeface="Aharoni" panose="020B0604020202020204" pitchFamily="2" charset="-79"/>
+              </a:rPr>
+              <a:t>REINFORCEMENT LEARNING</a:t>
+            </a:r>
+          </a:p>
+        </p:txBody>
+      </p:sp>
+      <p:sp>
+        <p:nvSpPr>
+          <p:cNvPr id="15" name="TextBox 14">
+            <a:extLst>
+              <a:ext uri="{FF2B5EF4-FFF2-40B4-BE49-F238E27FC236}">
+                <a16:creationId xmlns:a16="http://schemas.microsoft.com/office/drawing/2014/main" id="{31237222-F604-49F1-8989-AF06AF20EDD3}"/>
+              </a:ext>
+            </a:extLst>
+          </p:cNvPr>
+          <p:cNvSpPr txBox="1"/>
+          <p:nvPr/>
+        </p:nvSpPr>
+        <p:spPr>
+          <a:xfrm>
+            <a:off x="9243646" y="6490896"/>
+            <a:ext cx="2948354" cy="338554"/>
+          </a:xfrm>
+          <a:prstGeom prst="rect">
+            <a:avLst/>
+          </a:prstGeom>
+          <a:noFill/>
+        </p:spPr>
+        <p:txBody>
+          <a:bodyPr wrap="square" rtlCol="0">
+            <a:spAutoFit/>
+          </a:bodyPr>
+          <a:lstStyle/>
+          <a:p>
+            <a:pPr algn="r"/>
+            <a:r>
+              <a:rPr lang="en-US" sz="1600">
+                <a:solidFill>
+                  <a:schemeClr val="bg1"/>
+                </a:solidFill>
+                <a:latin typeface="Abadi" panose="020B0604020104020204" pitchFamily="34" charset="0"/>
+              </a:rPr>
+              <a:t>Course Code: CCRNFLRL</a:t>
+            </a:r>
+            <a:endParaRPr lang="en-PH" sz="1600">
+              <a:solidFill>
+                <a:schemeClr val="bg1"/>
+              </a:solidFill>
+              <a:latin typeface="Abadi" panose="020B0604020104020204" pitchFamily="34" charset="0"/>
+            </a:endParaRPr>
+          </a:p>
+        </p:txBody>
+      </p:sp>
+      <p:sp>
+        <p:nvSpPr>
+          <p:cNvPr id="5" name="Title 4">
+            <a:extLst>
+              <a:ext uri="{FF2B5EF4-FFF2-40B4-BE49-F238E27FC236}">
+                <a16:creationId xmlns:a16="http://schemas.microsoft.com/office/drawing/2014/main" id="{EC47D021-EEC4-42AC-B4C3-BC584CB5BC9D}"/>
+              </a:ext>
+            </a:extLst>
+          </p:cNvPr>
+          <p:cNvSpPr>
+            <a:spLocks noGrp="1"/>
+          </p:cNvSpPr>
+          <p:nvPr>
+            <p:ph type="title"/>
+          </p:nvPr>
+        </p:nvSpPr>
+        <p:spPr>
+          <a:xfrm>
+            <a:off x="352425" y="292273"/>
+            <a:ext cx="11458574" cy="869778"/>
+          </a:xfrm>
+        </p:spPr>
+        <p:txBody>
+          <a:bodyPr/>
+          <a:lstStyle/>
+          <a:p>
+            <a:r>
+              <a:rPr lang="en-US" b="1" dirty="0">
+                <a:latin typeface="+mn-lt"/>
+              </a:rPr>
+              <a:t>Double DQN</a:t>
+            </a:r>
+            <a:endParaRPr lang="en-PH" b="1" dirty="0">
+              <a:latin typeface="+mn-lt"/>
+            </a:endParaRPr>
+          </a:p>
+        </p:txBody>
+      </p:sp>
+      <p:sp>
+        <p:nvSpPr>
+          <p:cNvPr id="10" name="TextBox 9">
+            <a:extLst>
+              <a:ext uri="{FF2B5EF4-FFF2-40B4-BE49-F238E27FC236}">
+                <a16:creationId xmlns:a16="http://schemas.microsoft.com/office/drawing/2014/main" id="{88A18220-AF29-4E8E-F916-EEFAC5AF03A1}"/>
+              </a:ext>
+            </a:extLst>
+          </p:cNvPr>
+          <p:cNvSpPr txBox="1"/>
+          <p:nvPr/>
+        </p:nvSpPr>
+        <p:spPr>
+          <a:xfrm>
+            <a:off x="352425" y="1162051"/>
+            <a:ext cx="11458574" cy="4524315"/>
+          </a:xfrm>
+          <a:prstGeom prst="rect">
+            <a:avLst/>
+          </a:prstGeom>
+          <a:noFill/>
+        </p:spPr>
+        <p:txBody>
+          <a:bodyPr wrap="square" rtlCol="0">
+            <a:spAutoFit/>
+          </a:bodyPr>
+          <a:lstStyle/>
+          <a:p>
+            <a:pPr marL="342900" indent="-342900" algn="l">
+              <a:buFont typeface="Wingdings" pitchFamily="2" charset="2"/>
+              <a:buChar char="§"/>
+            </a:pPr>
+            <a:r>
+              <a:rPr lang="en-PH" sz="2400" dirty="0"/>
+              <a:t>Use a separate network with fixed parameters for estimating the TD Target</a:t>
+            </a:r>
+          </a:p>
+          <a:p>
+            <a:pPr marL="342900" indent="-342900" algn="l">
+              <a:buFont typeface="Wingdings" pitchFamily="2" charset="2"/>
+              <a:buChar char="§"/>
+            </a:pPr>
+            <a:endParaRPr lang="en-PH" sz="2400" dirty="0"/>
+          </a:p>
+          <a:p>
+            <a:pPr marL="342900" indent="-342900" algn="l">
+              <a:buFont typeface="Wingdings" pitchFamily="2" charset="2"/>
+              <a:buChar char="§"/>
+            </a:pPr>
+            <a:r>
+              <a:rPr lang="en-PH" sz="2400" dirty="0"/>
+              <a:t>Copy the parameters from our Deep Q-Network every C steps to update the target network.</a:t>
+            </a:r>
+          </a:p>
+          <a:p>
+            <a:pPr marL="342900" indent="-342900" algn="l">
+              <a:buFont typeface="Wingdings" pitchFamily="2" charset="2"/>
+              <a:buChar char="§"/>
+            </a:pPr>
+            <a:endParaRPr lang="en-PH" sz="2400" dirty="0"/>
+          </a:p>
+          <a:p>
+            <a:pPr marL="342900" indent="-342900" algn="l">
+              <a:buFont typeface="Wingdings" pitchFamily="2" charset="2"/>
+              <a:buChar char="§"/>
+            </a:pPr>
+            <a:endParaRPr lang="en-PH" sz="2400" dirty="0"/>
+          </a:p>
+          <a:p>
+            <a:pPr algn="l"/>
+            <a:r>
+              <a:rPr lang="en-PH" sz="2400" b="1" dirty="0">
+                <a:solidFill>
+                  <a:srgbClr val="0070C0"/>
+                </a:solidFill>
+              </a:rPr>
+              <a:t>DQN network</a:t>
+            </a:r>
+          </a:p>
+          <a:p>
+            <a:pPr algn="l"/>
+            <a:r>
+              <a:rPr lang="en-PH" sz="2400" dirty="0"/>
+              <a:t>Select the best action to take for the next state (the action with the highest Q-value).</a:t>
+            </a:r>
+          </a:p>
+          <a:p>
+            <a:pPr algn="l"/>
+            <a:endParaRPr lang="en-PH" sz="2400" dirty="0"/>
+          </a:p>
+          <a:p>
+            <a:pPr algn="l"/>
+            <a:r>
+              <a:rPr lang="en-PH" sz="2400" b="1" dirty="0">
+                <a:solidFill>
+                  <a:srgbClr val="0070C0"/>
+                </a:solidFill>
+              </a:rPr>
+              <a:t>Target network </a:t>
+            </a:r>
+          </a:p>
+          <a:p>
+            <a:pPr algn="l"/>
+            <a:r>
+              <a:rPr lang="en-PH" sz="2400" dirty="0"/>
+              <a:t>Calculates the target Q-value of taking that action at the next state.</a:t>
+            </a:r>
+          </a:p>
+          <a:p>
+            <a:pPr marL="342900" indent="-342900">
+              <a:buFont typeface="Wingdings" pitchFamily="2" charset="2"/>
+              <a:buChar char="§"/>
+            </a:pPr>
+            <a:endParaRPr lang="en-US" sz="2400" dirty="0"/>
+          </a:p>
+        </p:txBody>
+      </p:sp>
+    </p:spTree>
+    <p:extLst>
+      <p:ext uri="{BB962C8B-B14F-4D97-AF65-F5344CB8AC3E}">
+        <p14:creationId xmlns:p14="http://schemas.microsoft.com/office/powerpoint/2010/main" val="1189476060"/>
+      </p:ext>
+    </p:extLst>
+  </p:cSld>
+  <p:clrMapOvr>
+    <a:masterClrMapping/>
+  </p:clrMapOvr>
+</p:sld>
+</file>
+
+<file path=ppt/slides/slide21.xml><?xml version="1.0" encoding="utf-8"?>
+<p:sld xmlns:a="http://schemas.openxmlformats.org/drawingml/2006/main" xmlns:r="http://schemas.openxmlformats.org/officeDocument/2006/relationships" xmlns:p="http://schemas.openxmlformats.org/presentationml/2006/main">
+  <p:cSld>
+    <p:spTree>
+      <p:nvGrpSpPr>
+        <p:cNvPr id="1" name=""/>
+        <p:cNvGrpSpPr/>
+        <p:nvPr/>
+      </p:nvGrpSpPr>
+      <p:grpSpPr>
+        <a:xfrm>
+          <a:off x="0" y="0"/>
+          <a:ext cx="0" cy="0"/>
+          <a:chOff x="0" y="0"/>
+          <a:chExt cx="0" cy="0"/>
+        </a:xfrm>
+      </p:grpSpPr>
+      <p:sp>
+        <p:nvSpPr>
+          <p:cNvPr id="6" name="TextBox 5">
+            <a:extLst>
+              <a:ext uri="{FF2B5EF4-FFF2-40B4-BE49-F238E27FC236}">
+                <a16:creationId xmlns:a16="http://schemas.microsoft.com/office/drawing/2014/main" id="{933CA7EB-D821-4578-A186-D330E9178EDE}"/>
+              </a:ext>
+            </a:extLst>
+          </p:cNvPr>
+          <p:cNvSpPr txBox="1"/>
+          <p:nvPr/>
+        </p:nvSpPr>
+        <p:spPr>
+          <a:xfrm>
+            <a:off x="87923" y="28551"/>
+            <a:ext cx="3622432" cy="338554"/>
+          </a:xfrm>
+          <a:prstGeom prst="rect">
+            <a:avLst/>
+          </a:prstGeom>
+          <a:noFill/>
+        </p:spPr>
+        <p:txBody>
+          <a:bodyPr wrap="square" rtlCol="0">
+            <a:spAutoFit/>
+          </a:bodyPr>
+          <a:lstStyle/>
+          <a:p>
+            <a:r>
+              <a:rPr lang="en-PH" sz="1600">
+                <a:solidFill>
+                  <a:schemeClr val="bg1"/>
+                </a:solidFill>
+                <a:latin typeface="Abadi" panose="020B0604020104020204" pitchFamily="34" charset="0"/>
+                <a:cs typeface="Aharoni" panose="020B0604020202020204" pitchFamily="2" charset="-79"/>
+              </a:rPr>
+              <a:t>INTRODUCTION TO COMPUTING</a:t>
+            </a:r>
+          </a:p>
+        </p:txBody>
+      </p:sp>
+      <p:sp>
+        <p:nvSpPr>
+          <p:cNvPr id="7" name="TextBox 6">
+            <a:extLst>
+              <a:ext uri="{FF2B5EF4-FFF2-40B4-BE49-F238E27FC236}">
+                <a16:creationId xmlns:a16="http://schemas.microsoft.com/office/drawing/2014/main" id="{9B128FD4-EE77-4086-837E-5EAF83B0DDD1}"/>
+              </a:ext>
+            </a:extLst>
+          </p:cNvPr>
+          <p:cNvSpPr txBox="1"/>
+          <p:nvPr/>
+        </p:nvSpPr>
+        <p:spPr>
+          <a:xfrm>
+            <a:off x="9182099" y="13190"/>
+            <a:ext cx="2948354" cy="338554"/>
+          </a:xfrm>
+          <a:prstGeom prst="rect">
+            <a:avLst/>
+          </a:prstGeom>
+          <a:noFill/>
+        </p:spPr>
+        <p:txBody>
+          <a:bodyPr wrap="square" rtlCol="0">
+            <a:spAutoFit/>
+          </a:bodyPr>
+          <a:lstStyle/>
+          <a:p>
+            <a:pPr algn="r"/>
+            <a:r>
+              <a:rPr lang="en-US" sz="1600">
+                <a:solidFill>
+                  <a:schemeClr val="bg1"/>
+                </a:solidFill>
+              </a:rPr>
+              <a:t>Course Code: CCINCOM/L</a:t>
+            </a:r>
+            <a:endParaRPr lang="en-PH" sz="1600">
+              <a:solidFill>
+                <a:schemeClr val="bg1"/>
+              </a:solidFill>
+              <a:latin typeface="Abadi" panose="020B0604020202020204" pitchFamily="34" charset="0"/>
+            </a:endParaRPr>
+          </a:p>
+        </p:txBody>
+      </p:sp>
+      <p:sp>
+        <p:nvSpPr>
+          <p:cNvPr id="8" name="TextBox 7">
+            <a:extLst>
+              <a:ext uri="{FF2B5EF4-FFF2-40B4-BE49-F238E27FC236}">
+                <a16:creationId xmlns:a16="http://schemas.microsoft.com/office/drawing/2014/main" id="{B95C7AD6-4918-4294-AA88-B72FB28833FE}"/>
+              </a:ext>
+            </a:extLst>
+          </p:cNvPr>
+          <p:cNvSpPr txBox="1"/>
+          <p:nvPr/>
+        </p:nvSpPr>
+        <p:spPr>
+          <a:xfrm>
+            <a:off x="0" y="6479929"/>
+            <a:ext cx="2461846" cy="338554"/>
+          </a:xfrm>
+          <a:prstGeom prst="rect">
+            <a:avLst/>
+          </a:prstGeom>
+          <a:noFill/>
+        </p:spPr>
+        <p:txBody>
+          <a:bodyPr wrap="square" rtlCol="0">
+            <a:spAutoFit/>
+          </a:bodyPr>
+          <a:lstStyle/>
+          <a:p>
+            <a:pPr algn="ctr"/>
+            <a:r>
+              <a:rPr lang="en-PH" sz="1600">
+                <a:solidFill>
+                  <a:schemeClr val="bg1"/>
+                </a:solidFill>
+                <a:latin typeface="Abadi" panose="020B0604020202020204" pitchFamily="34" charset="0"/>
+              </a:rPr>
+              <a:t>Joseph Marvin R. Imperial</a:t>
+            </a:r>
+          </a:p>
+        </p:txBody>
+      </p:sp>
+      <p:sp>
+        <p:nvSpPr>
+          <p:cNvPr id="9" name="TextBox 8">
+            <a:extLst>
+              <a:ext uri="{FF2B5EF4-FFF2-40B4-BE49-F238E27FC236}">
+                <a16:creationId xmlns:a16="http://schemas.microsoft.com/office/drawing/2014/main" id="{C3136E3D-4CFD-4EFC-98AB-367D0EF3C06B}"/>
+              </a:ext>
+            </a:extLst>
+          </p:cNvPr>
+          <p:cNvSpPr txBox="1"/>
+          <p:nvPr/>
+        </p:nvSpPr>
+        <p:spPr>
+          <a:xfrm>
+            <a:off x="7086601" y="6490896"/>
+            <a:ext cx="5105399" cy="338554"/>
+          </a:xfrm>
+          <a:prstGeom prst="rect">
+            <a:avLst/>
+          </a:prstGeom>
+          <a:noFill/>
+        </p:spPr>
+        <p:txBody>
+          <a:bodyPr wrap="square" rtlCol="0">
+            <a:spAutoFit/>
+          </a:bodyPr>
+          <a:lstStyle/>
+          <a:p>
+            <a:pPr algn="r"/>
+            <a:r>
+              <a:rPr lang="en-PH" sz="1600">
+                <a:solidFill>
+                  <a:schemeClr val="bg1"/>
+                </a:solidFill>
+                <a:latin typeface="Abadi" panose="020B0604020202020204" pitchFamily="34" charset="0"/>
+              </a:rPr>
+              <a:t>NU College of Computing and Information Technologies</a:t>
+            </a:r>
+          </a:p>
+        </p:txBody>
+      </p:sp>
+      <p:sp>
+        <p:nvSpPr>
+          <p:cNvPr id="12" name="TextBox 11">
+            <a:extLst>
+              <a:ext uri="{FF2B5EF4-FFF2-40B4-BE49-F238E27FC236}">
+                <a16:creationId xmlns:a16="http://schemas.microsoft.com/office/drawing/2014/main" id="{3B95F0FF-3312-4F15-A3FC-1E4D0A0C4CA3}"/>
+              </a:ext>
+            </a:extLst>
+          </p:cNvPr>
+          <p:cNvSpPr txBox="1"/>
+          <p:nvPr/>
+        </p:nvSpPr>
+        <p:spPr>
+          <a:xfrm>
+            <a:off x="2915382" y="1849692"/>
+            <a:ext cx="6224950" cy="461665"/>
+          </a:xfrm>
+          <a:prstGeom prst="rect">
+            <a:avLst/>
+          </a:prstGeom>
+          <a:noFill/>
+        </p:spPr>
+        <p:txBody>
+          <a:bodyPr wrap="square" rtlCol="0">
+            <a:spAutoFit/>
+          </a:bodyPr>
+          <a:lstStyle/>
+          <a:p>
+            <a:pPr algn="ctr"/>
+            <a:r>
+              <a:rPr lang="en-PH" sz="2400" b="1">
+                <a:solidFill>
+                  <a:schemeClr val="bg1"/>
+                </a:solidFill>
+                <a:latin typeface="Abadi" panose="020B0604020104020204" pitchFamily="34" charset="0"/>
+              </a:rPr>
+              <a:t>Review in Probability, Intro to RL Concepts</a:t>
+            </a:r>
+          </a:p>
+        </p:txBody>
+      </p:sp>
+      <p:sp>
+        <p:nvSpPr>
+          <p:cNvPr id="13" name="Rectangle 12">
+            <a:extLst>
+              <a:ext uri="{FF2B5EF4-FFF2-40B4-BE49-F238E27FC236}">
+                <a16:creationId xmlns:a16="http://schemas.microsoft.com/office/drawing/2014/main" id="{251B30DC-ACC5-404F-B51D-13612F115E3E}"/>
+              </a:ext>
+            </a:extLst>
+          </p:cNvPr>
+          <p:cNvSpPr/>
+          <p:nvPr/>
+        </p:nvSpPr>
+        <p:spPr>
+          <a:xfrm>
+            <a:off x="0" y="6462346"/>
+            <a:ext cx="12192000" cy="395654"/>
+          </a:xfrm>
+          <a:prstGeom prst="rect">
+            <a:avLst/>
+          </a:prstGeom>
+          <a:solidFill>
+            <a:schemeClr val="accent5">
+              <a:lumMod val="50000"/>
+            </a:schemeClr>
+          </a:solidFill>
+          <a:effectLst>
+            <a:outerShdw blurRad="50800" dist="38100" dir="2700000" algn="tl" rotWithShape="0">
+              <a:prstClr val="black">
+                <a:alpha val="40000"/>
+              </a:prstClr>
+            </a:outerShdw>
+          </a:effectLst>
+        </p:spPr>
+        <p:style>
+          <a:lnRef idx="2">
+            <a:schemeClr val="accent1">
+              <a:shade val="50000"/>
+            </a:schemeClr>
+          </a:lnRef>
+          <a:fillRef idx="1">
+            <a:schemeClr val="accent1"/>
+          </a:fillRef>
+          <a:effectRef idx="0">
+            <a:schemeClr val="accent1"/>
+          </a:effectRef>
+          <a:fontRef idx="minor">
+            <a:schemeClr val="lt1"/>
+          </a:fontRef>
+        </p:style>
+        <p:txBody>
+          <a:bodyPr rtlCol="0" anchor="ctr"/>
+          <a:lstStyle/>
+          <a:p>
+            <a:pPr algn="ctr"/>
+            <a:endParaRPr lang="en-PH"/>
+          </a:p>
+        </p:txBody>
+      </p:sp>
+      <p:sp>
+        <p:nvSpPr>
+          <p:cNvPr id="14" name="TextBox 13">
+            <a:extLst>
+              <a:ext uri="{FF2B5EF4-FFF2-40B4-BE49-F238E27FC236}">
+                <a16:creationId xmlns:a16="http://schemas.microsoft.com/office/drawing/2014/main" id="{ACC57CA2-30CA-4DDD-A941-8B9CC393DAFA}"/>
+              </a:ext>
+            </a:extLst>
+          </p:cNvPr>
+          <p:cNvSpPr txBox="1"/>
+          <p:nvPr/>
+        </p:nvSpPr>
+        <p:spPr>
+          <a:xfrm>
+            <a:off x="0" y="6490896"/>
+            <a:ext cx="3622432" cy="338554"/>
+          </a:xfrm>
+          <a:prstGeom prst="rect">
+            <a:avLst/>
+          </a:prstGeom>
+          <a:noFill/>
+        </p:spPr>
+        <p:txBody>
+          <a:bodyPr wrap="square" rtlCol="0">
+            <a:spAutoFit/>
+          </a:bodyPr>
+          <a:lstStyle/>
+          <a:p>
+            <a:r>
+              <a:rPr lang="en-PH" sz="1600">
+                <a:solidFill>
+                  <a:schemeClr val="bg1"/>
+                </a:solidFill>
+                <a:latin typeface="Abadi" panose="020B0604020104020204" pitchFamily="34" charset="0"/>
+                <a:cs typeface="Aharoni" panose="020B0604020202020204" pitchFamily="2" charset="-79"/>
+              </a:rPr>
+              <a:t>REINFORCEMENT LEARNING</a:t>
+            </a:r>
+          </a:p>
+        </p:txBody>
+      </p:sp>
+      <p:sp>
+        <p:nvSpPr>
+          <p:cNvPr id="15" name="TextBox 14">
+            <a:extLst>
+              <a:ext uri="{FF2B5EF4-FFF2-40B4-BE49-F238E27FC236}">
+                <a16:creationId xmlns:a16="http://schemas.microsoft.com/office/drawing/2014/main" id="{31237222-F604-49F1-8989-AF06AF20EDD3}"/>
+              </a:ext>
+            </a:extLst>
+          </p:cNvPr>
+          <p:cNvSpPr txBox="1"/>
+          <p:nvPr/>
+        </p:nvSpPr>
+        <p:spPr>
+          <a:xfrm>
+            <a:off x="9243646" y="6490896"/>
+            <a:ext cx="2948354" cy="338554"/>
+          </a:xfrm>
+          <a:prstGeom prst="rect">
+            <a:avLst/>
+          </a:prstGeom>
+          <a:noFill/>
+        </p:spPr>
+        <p:txBody>
+          <a:bodyPr wrap="square" rtlCol="0">
+            <a:spAutoFit/>
+          </a:bodyPr>
+          <a:lstStyle/>
+          <a:p>
+            <a:pPr algn="r"/>
+            <a:r>
+              <a:rPr lang="en-US" sz="1600">
+                <a:solidFill>
+                  <a:schemeClr val="bg1"/>
+                </a:solidFill>
+                <a:latin typeface="Abadi" panose="020B0604020104020204" pitchFamily="34" charset="0"/>
+              </a:rPr>
+              <a:t>Course Code: CCRNFLRL</a:t>
+            </a:r>
+            <a:endParaRPr lang="en-PH" sz="1600">
+              <a:solidFill>
+                <a:schemeClr val="bg1"/>
+              </a:solidFill>
+              <a:latin typeface="Abadi" panose="020B0604020104020204" pitchFamily="34" charset="0"/>
+            </a:endParaRPr>
+          </a:p>
+        </p:txBody>
+      </p:sp>
+      <p:sp>
+        <p:nvSpPr>
+          <p:cNvPr id="5" name="Title 4">
+            <a:extLst>
+              <a:ext uri="{FF2B5EF4-FFF2-40B4-BE49-F238E27FC236}">
+                <a16:creationId xmlns:a16="http://schemas.microsoft.com/office/drawing/2014/main" id="{EC47D021-EEC4-42AC-B4C3-BC584CB5BC9D}"/>
+              </a:ext>
+            </a:extLst>
+          </p:cNvPr>
+          <p:cNvSpPr>
+            <a:spLocks noGrp="1"/>
+          </p:cNvSpPr>
+          <p:nvPr>
+            <p:ph type="title"/>
+          </p:nvPr>
+        </p:nvSpPr>
+        <p:spPr>
+          <a:xfrm>
+            <a:off x="352425" y="292273"/>
+            <a:ext cx="11458574" cy="869778"/>
+          </a:xfrm>
+        </p:spPr>
+        <p:txBody>
+          <a:bodyPr/>
+          <a:lstStyle/>
+          <a:p>
+            <a:r>
+              <a:rPr lang="en-US" b="1" dirty="0">
+                <a:latin typeface="+mn-lt"/>
+              </a:rPr>
+              <a:t>References</a:t>
+            </a:r>
+            <a:endParaRPr lang="en-PH" b="1" dirty="0">
+              <a:latin typeface="+mn-lt"/>
+            </a:endParaRPr>
+          </a:p>
+        </p:txBody>
+      </p:sp>
+      <p:sp>
+        <p:nvSpPr>
+          <p:cNvPr id="10" name="Content Placeholder 9">
+            <a:extLst>
+              <a:ext uri="{FF2B5EF4-FFF2-40B4-BE49-F238E27FC236}">
+                <a16:creationId xmlns:a16="http://schemas.microsoft.com/office/drawing/2014/main" id="{D5BBEC35-40CA-42D4-BC38-E13B39A6DA8E}"/>
+              </a:ext>
+            </a:extLst>
+          </p:cNvPr>
+          <p:cNvSpPr>
+            <a:spLocks noGrp="1"/>
+          </p:cNvSpPr>
+          <p:nvPr>
+            <p:ph idx="1"/>
+          </p:nvPr>
+        </p:nvSpPr>
+        <p:spPr>
+          <a:xfrm>
+            <a:off x="380999" y="1352550"/>
+            <a:ext cx="11343641" cy="4905375"/>
+          </a:xfrm>
+        </p:spPr>
+        <p:txBody>
+          <a:bodyPr>
+            <a:normAutofit/>
+          </a:bodyPr>
+          <a:lstStyle/>
+          <a:p>
+            <a:pPr marL="457200" indent="-457200">
+              <a:buFont typeface="+mj-lt"/>
+              <a:buAutoNum type="arabicPeriod"/>
+            </a:pPr>
+            <a:r>
+              <a:rPr lang="en-US" sz="2000" dirty="0"/>
+              <a:t>Images are licensed with Creative Commons. Can use without citing.</a:t>
+            </a:r>
+          </a:p>
+          <a:p>
+            <a:pPr marL="457200" indent="-457200">
+              <a:buFont typeface="+mj-lt"/>
+              <a:buAutoNum type="arabicPeriod"/>
+            </a:pPr>
+            <a:r>
+              <a:rPr lang="en-US" sz="2000" dirty="0"/>
+              <a:t>Prof. Emma </a:t>
+            </a:r>
+            <a:r>
+              <a:rPr lang="en-US" sz="2000" dirty="0" err="1"/>
+              <a:t>Brunskill’s</a:t>
+            </a:r>
+            <a:r>
+              <a:rPr lang="en-US" sz="2000" dirty="0"/>
+              <a:t> slides (CS234RL). </a:t>
+            </a:r>
+            <a:r>
+              <a:rPr lang="en-US" sz="2000" dirty="0">
+                <a:hlinkClick r:id="rId2"/>
+              </a:rPr>
+              <a:t>https://web.stanford.edu/class/cs234/slides/lecture1.pdf</a:t>
+            </a:r>
+            <a:endParaRPr lang="en-US" sz="2000" dirty="0"/>
+          </a:p>
+          <a:p>
+            <a:pPr marL="457200" indent="-457200">
+              <a:buFont typeface="+mj-lt"/>
+              <a:buAutoNum type="arabicPeriod"/>
+            </a:pPr>
+            <a:r>
+              <a:rPr lang="en-US" sz="2000" dirty="0"/>
+              <a:t>David Silver’s slides. </a:t>
+            </a:r>
+            <a:r>
+              <a:rPr lang="en-US" sz="2000" dirty="0">
+                <a:hlinkClick r:id="rId3"/>
+              </a:rPr>
+              <a:t>https://www.davidsilver.uk/wp-content/uploads/2020/03/intro_RL.pdf</a:t>
+            </a:r>
+            <a:endParaRPr lang="en-US" sz="2000" dirty="0"/>
+          </a:p>
+          <a:p>
+            <a:pPr marL="457200" indent="-457200">
+              <a:buFont typeface="+mj-lt"/>
+              <a:buAutoNum type="arabicPeriod"/>
+            </a:pPr>
+            <a:r>
+              <a:rPr lang="en-US" sz="2000" dirty="0"/>
+              <a:t>https://huggingface.co/learn/deep-rl-course/unit3/deep-q-algorithm?fw=pt</a:t>
+            </a:r>
+          </a:p>
+          <a:p>
+            <a:pPr marL="0" indent="0">
+              <a:buNone/>
+            </a:pPr>
+            <a:endParaRPr lang="en-US" sz="2000" dirty="0"/>
+          </a:p>
+        </p:txBody>
+      </p:sp>
+    </p:spTree>
+    <p:extLst>
+      <p:ext uri="{BB962C8B-B14F-4D97-AF65-F5344CB8AC3E}">
+        <p14:creationId xmlns:p14="http://schemas.microsoft.com/office/powerpoint/2010/main" val="31654266"/>
       </p:ext>
     </p:extLst>
   </p:cSld>
@@ -11387,8 +15888,8 @@
           </a:p>
         </p:txBody>
       </p:sp>
-      <mc:AlternateContent xmlns:mc="http://schemas.openxmlformats.org/markup-compatibility/2006">
-        <mc:Choice xmlns:a14="http://schemas.microsoft.com/office/drawing/2010/main" Requires="a14">
+      <mc:AlternateContent xmlns:mc="http://schemas.openxmlformats.org/markup-compatibility/2006" xmlns:a14="http://schemas.microsoft.com/office/drawing/2010/main">
+        <mc:Choice Requires="a14">
           <p:sp>
             <p:nvSpPr>
               <p:cNvPr id="4" name="TextBox 3">
@@ -11747,7 +16248,7 @@
             </p:txBody>
           </p:sp>
         </mc:Choice>
-        <mc:Fallback>
+        <mc:Fallback xmlns="">
           <p:sp>
             <p:nvSpPr>
               <p:cNvPr id="4" name="TextBox 3">
@@ -14271,23 +18772,15 @@
 </file>
 
 <file path=customXml/item1.xml><?xml version="1.0" encoding="utf-8"?>
-<?mso-contentType ?>
-<FormTemplates xmlns="http://schemas.microsoft.com/sharepoint/v3/contenttype/forms">
-  <Display>DocumentLibraryForm</Display>
-  <Edit>DocumentLibraryForm</Edit>
-  <New>DocumentLibraryForm</New>
-</FormTemplates>
+<Control xmlns="http://schemas.microsoft.com/VisualStudio/2011/storyboarding/control">
+  <Id Name="8ace2fdb-12ac-4077-a484-31b1b60ebf69" Revision="1" Stencil="System.MyShapes" StencilVersion="1.0"/>
+</Control>
 </file>
 
 <file path=customXml/item10.xml><?xml version="1.0" encoding="utf-8"?>
-<p:properties xmlns:p="http://schemas.microsoft.com/office/2006/metadata/properties" xmlns:xsi="http://www.w3.org/2001/XMLSchema-instance" xmlns:pc="http://schemas.microsoft.com/office/infopath/2007/PartnerControls">
-  <documentManagement>
-    <TaxCatchAll xmlns="8635a931-6b84-420a-938b-bf6e93596a85" xsi:nil="true"/>
-    <lcf76f155ced4ddcb4097134ff3c332f xmlns="83665817-2bf1-470e-9d34-a1cdf51135fc">
-      <Terms xmlns="http://schemas.microsoft.com/office/infopath/2007/PartnerControls"/>
-    </lcf76f155ced4ddcb4097134ff3c332f>
-  </documentManagement>
-</p:properties>
+<Control xmlns="http://schemas.microsoft.com/VisualStudio/2011/storyboarding/control">
+  <Id Name="8ace2fdb-12ac-4077-a484-31b1b60ebf69" Revision="1" Stencil="System.MyShapes" StencilVersion="1.0"/>
+</Control>
 </file>
 
 <file path=customXml/item11.xml><?xml version="1.0" encoding="utf-8"?>
@@ -14303,24 +18796,15 @@
 </file>
 
 <file path=customXml/item3.xml><?xml version="1.0" encoding="utf-8"?>
-<Control xmlns="http://schemas.microsoft.com/VisualStudio/2011/storyboarding/control">
-  <Id Name="8ace2fdb-12ac-4077-a484-31b1b60ebf69" Revision="1" Stencil="System.MyShapes" StencilVersion="1.0"/>
-</Control>
+<?mso-contentType ?>
+<FormTemplates xmlns="http://schemas.microsoft.com/sharepoint/v3/contenttype/forms">
+  <Display>DocumentLibraryForm</Display>
+  <Edit>DocumentLibraryForm</Edit>
+  <New>DocumentLibraryForm</New>
+</FormTemplates>
 </file>
 
 <file path=customXml/item4.xml><?xml version="1.0" encoding="utf-8"?>
-<Control xmlns="http://schemas.microsoft.com/VisualStudio/2011/storyboarding/control">
-  <Id Name="8ace2fdb-12ac-4077-a484-31b1b60ebf69" Revision="1" Stencil="System.MyShapes" StencilVersion="1.0"/>
-</Control>
-</file>
-
-<file path=customXml/item5.xml><?xml version="1.0" encoding="utf-8"?>
-<Control xmlns="http://schemas.microsoft.com/VisualStudio/2011/storyboarding/control">
-  <Id Name="8ace2fdb-12ac-4077-a484-31b1b60ebf69" Revision="1" Stencil="System.MyShapes" StencilVersion="1.0"/>
-</Control>
-</file>
-
-<file path=customXml/item6.xml><?xml version="1.0" encoding="utf-8"?>
 <ct:contentTypeSchema xmlns:ct="http://schemas.microsoft.com/office/2006/metadata/contentType" xmlns:ma="http://schemas.microsoft.com/office/2006/metadata/properties/metaAttributes" ct:_="" ma:_="" ma:contentTypeName="Document" ma:contentTypeID="0x010100A8972596D83CB9448D5CC5920EF207E5" ma:contentTypeVersion="15" ma:contentTypeDescription="Create a new document." ma:contentTypeScope="" ma:versionID="e0bf2008eb45d6d5fc139be6c8039e46">
   <xsd:schema xmlns:xsd="http://www.w3.org/2001/XMLSchema" xmlns:xs="http://www.w3.org/2001/XMLSchema" xmlns:p="http://schemas.microsoft.com/office/2006/metadata/properties" xmlns:ns2="83665817-2bf1-470e-9d34-a1cdf51135fc" xmlns:ns3="8635a931-6b84-420a-938b-bf6e93596a85" targetNamespace="http://schemas.microsoft.com/office/2006/metadata/properties" ma:root="true" ma:fieldsID="b3f89756f7e2a2b7ac115775bf8004ea" ns2:_="" ns3:_="">
     <xsd:import namespace="83665817-2bf1-470e-9d34-a1cdf51135fc"/>
@@ -14557,10 +19041,27 @@
 </ct:contentTypeSchema>
 </file>
 
-<file path=customXml/item7.xml><?xml version="1.0" encoding="utf-8"?>
+<file path=customXml/item5.xml><?xml version="1.0" encoding="utf-8"?>
 <Control xmlns="http://schemas.microsoft.com/VisualStudio/2011/storyboarding/control">
   <Id Name="8ace2fdb-12ac-4077-a484-31b1b60ebf69" Revision="1" Stencil="System.MyShapes" StencilVersion="1.0"/>
 </Control>
+</file>
+
+<file path=customXml/item6.xml><?xml version="1.0" encoding="utf-8"?>
+<Control xmlns="http://schemas.microsoft.com/VisualStudio/2011/storyboarding/control">
+  <Id Name="8ace2fdb-12ac-4077-a484-31b1b60ebf69" Revision="1" Stencil="System.MyShapes" StencilVersion="1.0"/>
+</Control>
+</file>
+
+<file path=customXml/item7.xml><?xml version="1.0" encoding="utf-8"?>
+<p:properties xmlns:p="http://schemas.microsoft.com/office/2006/metadata/properties" xmlns:xsi="http://www.w3.org/2001/XMLSchema-instance" xmlns:pc="http://schemas.microsoft.com/office/infopath/2007/PartnerControls">
+  <documentManagement>
+    <TaxCatchAll xmlns="8635a931-6b84-420a-938b-bf6e93596a85" xsi:nil="true"/>
+    <lcf76f155ced4ddcb4097134ff3c332f xmlns="83665817-2bf1-470e-9d34-a1cdf51135fc">
+      <Terms xmlns="http://schemas.microsoft.com/office/infopath/2007/PartnerControls"/>
+    </lcf76f155ced4ddcb4097134ff3c332f>
+  </documentManagement>
+</p:properties>
 </file>
 
 <file path=customXml/item8.xml><?xml version="1.0" encoding="utf-8"?>
@@ -14576,26 +19077,23 @@
 </file>
 
 <file path=customXml/itemProps1.xml><?xml version="1.0" encoding="utf-8"?>
-<ds:datastoreItem xmlns:ds="http://schemas.openxmlformats.org/officeDocument/2006/customXml" ds:itemID="{F166DAC8-4ECC-4130-9B37-BEDCB54573DF}">
+<ds:datastoreItem xmlns:ds="http://schemas.openxmlformats.org/officeDocument/2006/customXml" ds:itemID="{CAEBBB30-5DD1-4E52-82DE-A02E4733D29A}">
   <ds:schemaRefs>
-    <ds:schemaRef ds:uri="http://schemas.microsoft.com/sharepoint/v3/contenttype/forms"/>
+    <ds:schemaRef ds:uri="http://schemas.microsoft.com/VisualStudio/2011/storyboarding/control"/>
   </ds:schemaRefs>
 </ds:datastoreItem>
 </file>
 
 <file path=customXml/itemProps10.xml><?xml version="1.0" encoding="utf-8"?>
-<ds:datastoreItem xmlns:ds="http://schemas.openxmlformats.org/officeDocument/2006/customXml" ds:itemID="{5999E179-E0BD-40A6-9179-FDE9AD04F1CC}">
+<ds:datastoreItem xmlns:ds="http://schemas.openxmlformats.org/officeDocument/2006/customXml" ds:itemID="{C0AE690A-6DA2-4539-97E4-9CACEDAE07A0}">
   <ds:schemaRefs>
-    <ds:schemaRef ds:uri="http://schemas.microsoft.com/office/2006/metadata/properties"/>
-    <ds:schemaRef ds:uri="http://schemas.microsoft.com/office/infopath/2007/PartnerControls"/>
-    <ds:schemaRef ds:uri="8635a931-6b84-420a-938b-bf6e93596a85"/>
-    <ds:schemaRef ds:uri="83665817-2bf1-470e-9d34-a1cdf51135fc"/>
+    <ds:schemaRef ds:uri="http://schemas.microsoft.com/VisualStudio/2011/storyboarding/control"/>
   </ds:schemaRefs>
 </ds:datastoreItem>
 </file>
 
 <file path=customXml/itemProps11.xml><?xml version="1.0" encoding="utf-8"?>
-<ds:datastoreItem xmlns:ds="http://schemas.openxmlformats.org/officeDocument/2006/customXml" ds:itemID="{1E432C16-7313-413A-AE06-D8B8B05337A0}">
+<ds:datastoreItem xmlns:ds="http://schemas.openxmlformats.org/officeDocument/2006/customXml" ds:itemID="{AD4724DF-B3D7-4FCF-AA8F-856D3FC7F828}">
   <ds:schemaRefs>
     <ds:schemaRef ds:uri="http://schemas.microsoft.com/VisualStudio/2011/storyboarding/control"/>
   </ds:schemaRefs>
@@ -14611,30 +19109,14 @@
 </file>
 
 <file path=customXml/itemProps3.xml><?xml version="1.0" encoding="utf-8"?>
-<ds:datastoreItem xmlns:ds="http://schemas.openxmlformats.org/officeDocument/2006/customXml" ds:itemID="{AD4724DF-B3D7-4FCF-AA8F-856D3FC7F828}">
+<ds:datastoreItem xmlns:ds="http://schemas.openxmlformats.org/officeDocument/2006/customXml" ds:itemID="{F166DAC8-4ECC-4130-9B37-BEDCB54573DF}">
   <ds:schemaRefs>
-    <ds:schemaRef ds:uri="http://schemas.microsoft.com/VisualStudio/2011/storyboarding/control"/>
+    <ds:schemaRef ds:uri="http://schemas.microsoft.com/sharepoint/v3/contenttype/forms"/>
   </ds:schemaRefs>
 </ds:datastoreItem>
 </file>
 
 <file path=customXml/itemProps4.xml><?xml version="1.0" encoding="utf-8"?>
-<ds:datastoreItem xmlns:ds="http://schemas.openxmlformats.org/officeDocument/2006/customXml" ds:itemID="{F79BED0A-E20E-4F16-91D3-BB18BCF17AE7}">
-  <ds:schemaRefs>
-    <ds:schemaRef ds:uri="http://schemas.microsoft.com/VisualStudio/2011/storyboarding/control"/>
-  </ds:schemaRefs>
-</ds:datastoreItem>
-</file>
-
-<file path=customXml/itemProps5.xml><?xml version="1.0" encoding="utf-8"?>
-<ds:datastoreItem xmlns:ds="http://schemas.openxmlformats.org/officeDocument/2006/customXml" ds:itemID="{11BDA43E-947F-4629-A7CA-0F1298F3BE36}">
-  <ds:schemaRefs>
-    <ds:schemaRef ds:uri="http://schemas.microsoft.com/VisualStudio/2011/storyboarding/control"/>
-  </ds:schemaRefs>
-</ds:datastoreItem>
-</file>
-
-<file path=customXml/itemProps6.xml><?xml version="1.0" encoding="utf-8"?>
 <ds:datastoreItem xmlns:ds="http://schemas.openxmlformats.org/officeDocument/2006/customXml" ds:itemID="{BB604A8B-05E3-451E-8C75-68576FF9640A}">
   <ds:schemaRefs>
     <ds:schemaRef ds:uri="http://schemas.microsoft.com/office/2006/metadata/contentType"/>
@@ -14653,16 +19135,35 @@
 </ds:datastoreItem>
 </file>
 
-<file path=customXml/itemProps7.xml><?xml version="1.0" encoding="utf-8"?>
-<ds:datastoreItem xmlns:ds="http://schemas.openxmlformats.org/officeDocument/2006/customXml" ds:itemID="{CAEBBB30-5DD1-4E52-82DE-A02E4733D29A}">
+<file path=customXml/itemProps5.xml><?xml version="1.0" encoding="utf-8"?>
+<ds:datastoreItem xmlns:ds="http://schemas.openxmlformats.org/officeDocument/2006/customXml" ds:itemID="{1E432C16-7313-413A-AE06-D8B8B05337A0}">
   <ds:schemaRefs>
     <ds:schemaRef ds:uri="http://schemas.microsoft.com/VisualStudio/2011/storyboarding/control"/>
   </ds:schemaRefs>
 </ds:datastoreItem>
 </file>
 
+<file path=customXml/itemProps6.xml><?xml version="1.0" encoding="utf-8"?>
+<ds:datastoreItem xmlns:ds="http://schemas.openxmlformats.org/officeDocument/2006/customXml" ds:itemID="{11BDA43E-947F-4629-A7CA-0F1298F3BE36}">
+  <ds:schemaRefs>
+    <ds:schemaRef ds:uri="http://schemas.microsoft.com/VisualStudio/2011/storyboarding/control"/>
+  </ds:schemaRefs>
+</ds:datastoreItem>
+</file>
+
+<file path=customXml/itemProps7.xml><?xml version="1.0" encoding="utf-8"?>
+<ds:datastoreItem xmlns:ds="http://schemas.openxmlformats.org/officeDocument/2006/customXml" ds:itemID="{5999E179-E0BD-40A6-9179-FDE9AD04F1CC}">
+  <ds:schemaRefs>
+    <ds:schemaRef ds:uri="http://schemas.microsoft.com/office/2006/metadata/properties"/>
+    <ds:schemaRef ds:uri="http://schemas.microsoft.com/office/infopath/2007/PartnerControls"/>
+    <ds:schemaRef ds:uri="8635a931-6b84-420a-938b-bf6e93596a85"/>
+    <ds:schemaRef ds:uri="83665817-2bf1-470e-9d34-a1cdf51135fc"/>
+  </ds:schemaRefs>
+</ds:datastoreItem>
+</file>
+
 <file path=customXml/itemProps8.xml><?xml version="1.0" encoding="utf-8"?>
-<ds:datastoreItem xmlns:ds="http://schemas.openxmlformats.org/officeDocument/2006/customXml" ds:itemID="{C0AE690A-6DA2-4539-97E4-9CACEDAE07A0}">
+<ds:datastoreItem xmlns:ds="http://schemas.openxmlformats.org/officeDocument/2006/customXml" ds:itemID="{F79BED0A-E20E-4F16-91D3-BB18BCF17AE7}">
   <ds:schemaRefs>
     <ds:schemaRef ds:uri="http://schemas.microsoft.com/VisualStudio/2011/storyboarding/control"/>
   </ds:schemaRefs>
